--- a/2 - classificador binario - reranking com minilm/notebook/apresentacao_notebook.pptx
+++ b/2 - classificador binario - reranking com minilm/notebook/apresentacao_notebook.pptx
@@ -10226,8 +10226,8 @@
         </p:nvSpPr>
         <p:spPr>
           <a:xfrm>
-            <a:off x="241308" y="2014809"/>
-            <a:ext cx="5854692" cy="4092376"/>
+            <a:off x="241308" y="2562045"/>
+            <a:ext cx="5854692" cy="3545140"/>
           </a:xfrm>
           <a:prstGeom prst="rect">
             <a:avLst/>
@@ -10347,8 +10347,8 @@
         </p:nvSpPr>
         <p:spPr>
           <a:xfrm>
-            <a:off x="6230798" y="2014809"/>
-            <a:ext cx="5854692" cy="4092376"/>
+            <a:off x="6230798" y="2562043"/>
+            <a:ext cx="5854692" cy="3545141"/>
           </a:xfrm>
           <a:prstGeom prst="rect">
             <a:avLst/>
@@ -10398,7 +10398,7 @@
         </p:nvSpPr>
         <p:spPr>
           <a:xfrm>
-            <a:off x="371695" y="1426128"/>
+            <a:off x="371695" y="2038601"/>
             <a:ext cx="5710107" cy="444617"/>
           </a:xfrm>
           <a:prstGeom prst="rect">
@@ -10636,7 +10636,7 @@
         </p:nvSpPr>
         <p:spPr>
           <a:xfrm>
-            <a:off x="6239187" y="1426128"/>
+            <a:off x="6239187" y="2038601"/>
             <a:ext cx="5952813" cy="444617"/>
           </a:xfrm>
           <a:prstGeom prst="rect">
@@ -10874,8 +10874,8 @@
         </p:nvSpPr>
         <p:spPr>
           <a:xfrm>
-            <a:off x="655522" y="2080523"/>
-            <a:ext cx="4840448" cy="1939175"/>
+            <a:off x="655522" y="2675741"/>
+            <a:ext cx="4840448" cy="1683365"/>
           </a:xfrm>
           <a:prstGeom prst="rect">
             <a:avLst/>
@@ -11204,8 +11204,8 @@
         </p:nvSpPr>
         <p:spPr>
           <a:xfrm>
-            <a:off x="6662419" y="2073639"/>
-            <a:ext cx="4840448" cy="1946059"/>
+            <a:off x="6662419" y="2668857"/>
+            <a:ext cx="4840448" cy="1690249"/>
           </a:xfrm>
           <a:prstGeom prst="rect">
             <a:avLst/>
@@ -11534,7 +11534,7 @@
         </p:nvSpPr>
         <p:spPr>
           <a:xfrm>
-            <a:off x="641757" y="4163762"/>
+            <a:off x="641757" y="4517444"/>
             <a:ext cx="4840448" cy="1683365"/>
           </a:xfrm>
           <a:prstGeom prst="rect">
@@ -11824,7 +11824,7 @@
         </p:nvSpPr>
         <p:spPr>
           <a:xfrm>
-            <a:off x="6599339" y="4185633"/>
+            <a:off x="6599339" y="4530681"/>
             <a:ext cx="4840448" cy="1812495"/>
           </a:xfrm>
           <a:prstGeom prst="rect">
@@ -12194,6 +12194,312 @@
             <a:r>
               <a:rPr lang="pt-BR" dirty="0"/>
               <a:t> tivesse um efeito tão grande no nDCG@10</a:t>
+            </a:r>
+          </a:p>
+        </p:txBody>
+      </p:sp>
+      <p:cxnSp>
+        <p:nvCxnSpPr>
+          <p:cNvPr id="6" name="Conector reto 5">
+            <a:extLst>
+              <a:ext uri="{FF2B5EF4-FFF2-40B4-BE49-F238E27FC236}">
+                <a16:creationId xmlns:a16="http://schemas.microsoft.com/office/drawing/2014/main" id="{C62EA04F-00A0-B4BE-D1F7-AD66BE47AF92}"/>
+              </a:ext>
+            </a:extLst>
+          </p:cNvPr>
+          <p:cNvCxnSpPr>
+            <a:stCxn id="25" idx="1"/>
+            <a:endCxn id="25" idx="3"/>
+          </p:cNvCxnSpPr>
+          <p:nvPr/>
+        </p:nvCxnSpPr>
+        <p:spPr>
+          <a:xfrm>
+            <a:off x="241308" y="4334615"/>
+            <a:ext cx="5854692" cy="0"/>
+          </a:xfrm>
+          <a:prstGeom prst="line">
+            <a:avLst/>
+          </a:prstGeom>
+        </p:spPr>
+        <p:style>
+          <a:lnRef idx="1">
+            <a:schemeClr val="accent1"/>
+          </a:lnRef>
+          <a:fillRef idx="0">
+            <a:schemeClr val="accent1"/>
+          </a:fillRef>
+          <a:effectRef idx="0">
+            <a:schemeClr val="accent1"/>
+          </a:effectRef>
+          <a:fontRef idx="minor">
+            <a:schemeClr val="tx1"/>
+          </a:fontRef>
+        </p:style>
+      </p:cxnSp>
+      <p:cxnSp>
+        <p:nvCxnSpPr>
+          <p:cNvPr id="8" name="Conector reto 7">
+            <a:extLst>
+              <a:ext uri="{FF2B5EF4-FFF2-40B4-BE49-F238E27FC236}">
+                <a16:creationId xmlns:a16="http://schemas.microsoft.com/office/drawing/2014/main" id="{FFF69778-882C-1808-646C-DE7BAE730D58}"/>
+              </a:ext>
+            </a:extLst>
+          </p:cNvPr>
+          <p:cNvCxnSpPr>
+            <a:stCxn id="26" idx="1"/>
+            <a:endCxn id="26" idx="3"/>
+          </p:cNvCxnSpPr>
+          <p:nvPr/>
+        </p:nvCxnSpPr>
+        <p:spPr>
+          <a:xfrm>
+            <a:off x="6230798" y="4334614"/>
+            <a:ext cx="5854692" cy="0"/>
+          </a:xfrm>
+          <a:prstGeom prst="line">
+            <a:avLst/>
+          </a:prstGeom>
+        </p:spPr>
+        <p:style>
+          <a:lnRef idx="1">
+            <a:schemeClr val="accent1"/>
+          </a:lnRef>
+          <a:fillRef idx="0">
+            <a:schemeClr val="accent1"/>
+          </a:fillRef>
+          <a:effectRef idx="0">
+            <a:schemeClr val="accent1"/>
+          </a:effectRef>
+          <a:fontRef idx="minor">
+            <a:schemeClr val="tx1"/>
+          </a:fontRef>
+        </p:style>
+      </p:cxnSp>
+      <p:sp>
+        <p:nvSpPr>
+          <p:cNvPr id="16" name="Espaço Reservado para Conteúdo 3">
+            <a:extLst>
+              <a:ext uri="{FF2B5EF4-FFF2-40B4-BE49-F238E27FC236}">
+                <a16:creationId xmlns:a16="http://schemas.microsoft.com/office/drawing/2014/main" id="{95F2317F-14D5-72AF-6A21-869ADF5CB4A4}"/>
+              </a:ext>
+            </a:extLst>
+          </p:cNvPr>
+          <p:cNvSpPr txBox="1">
+            <a:spLocks/>
+          </p:cNvSpPr>
+          <p:nvPr/>
+        </p:nvSpPr>
+        <p:spPr>
+          <a:xfrm>
+            <a:off x="313600" y="1212673"/>
+            <a:ext cx="11771890" cy="444617"/>
+          </a:xfrm>
+          <a:prstGeom prst="rect">
+            <a:avLst/>
+          </a:prstGeom>
+        </p:spPr>
+        <p:txBody>
+          <a:bodyPr rtlCol="0">
+            <a:normAutofit fontScale="77500" lnSpcReduction="20000"/>
+          </a:bodyPr>
+          <a:lstStyle>
+            <a:lvl1pPr marL="228600" indent="-228600" algn="l" defTabSz="914400" rtl="0" eaLnBrk="1" latinLnBrk="0" hangingPunct="1">
+              <a:lnSpc>
+                <a:spcPct val="90000"/>
+              </a:lnSpc>
+              <a:spcBef>
+                <a:spcPts val="1000"/>
+              </a:spcBef>
+              <a:buFont typeface="Arial" panose="020B0604020202020204" pitchFamily="34" charset="0"/>
+              <a:buChar char="•"/>
+              <a:defRPr sz="2800" kern="1200">
+                <a:solidFill>
+                  <a:schemeClr val="tx1"/>
+                </a:solidFill>
+                <a:latin typeface="+mn-lt"/>
+                <a:ea typeface="+mn-ea"/>
+                <a:cs typeface="+mn-cs"/>
+              </a:defRPr>
+            </a:lvl1pPr>
+            <a:lvl2pPr marL="685800" indent="-228600" algn="l" defTabSz="914400" rtl="0" eaLnBrk="1" latinLnBrk="0" hangingPunct="1">
+              <a:lnSpc>
+                <a:spcPct val="90000"/>
+              </a:lnSpc>
+              <a:spcBef>
+                <a:spcPts val="500"/>
+              </a:spcBef>
+              <a:buFont typeface="Arial" panose="020B0604020202020204" pitchFamily="34" charset="0"/>
+              <a:buChar char="•"/>
+              <a:defRPr sz="2400" kern="1200">
+                <a:solidFill>
+                  <a:schemeClr val="tx1"/>
+                </a:solidFill>
+                <a:latin typeface="+mn-lt"/>
+                <a:ea typeface="+mn-ea"/>
+                <a:cs typeface="+mn-cs"/>
+              </a:defRPr>
+            </a:lvl2pPr>
+            <a:lvl3pPr marL="1143000" indent="-228600" algn="l" defTabSz="914400" rtl="0" eaLnBrk="1" latinLnBrk="0" hangingPunct="1">
+              <a:lnSpc>
+                <a:spcPct val="90000"/>
+              </a:lnSpc>
+              <a:spcBef>
+                <a:spcPts val="500"/>
+              </a:spcBef>
+              <a:buFont typeface="Arial" panose="020B0604020202020204" pitchFamily="34" charset="0"/>
+              <a:buChar char="•"/>
+              <a:defRPr sz="2000" kern="1200">
+                <a:solidFill>
+                  <a:schemeClr val="tx1"/>
+                </a:solidFill>
+                <a:latin typeface="+mn-lt"/>
+                <a:ea typeface="+mn-ea"/>
+                <a:cs typeface="+mn-cs"/>
+              </a:defRPr>
+            </a:lvl3pPr>
+            <a:lvl4pPr marL="1600200" indent="-228600" algn="l" defTabSz="914400" rtl="0" eaLnBrk="1" latinLnBrk="0" hangingPunct="1">
+              <a:lnSpc>
+                <a:spcPct val="90000"/>
+              </a:lnSpc>
+              <a:spcBef>
+                <a:spcPts val="500"/>
+              </a:spcBef>
+              <a:buFont typeface="Arial" panose="020B0604020202020204" pitchFamily="34" charset="0"/>
+              <a:buChar char="•"/>
+              <a:defRPr sz="1800" kern="1200">
+                <a:solidFill>
+                  <a:schemeClr val="tx1"/>
+                </a:solidFill>
+                <a:latin typeface="+mn-lt"/>
+                <a:ea typeface="+mn-ea"/>
+                <a:cs typeface="+mn-cs"/>
+              </a:defRPr>
+            </a:lvl4pPr>
+            <a:lvl5pPr marL="2057400" indent="-228600" algn="l" defTabSz="914400" rtl="0" eaLnBrk="1" latinLnBrk="0" hangingPunct="1">
+              <a:lnSpc>
+                <a:spcPct val="90000"/>
+              </a:lnSpc>
+              <a:spcBef>
+                <a:spcPts val="500"/>
+              </a:spcBef>
+              <a:buFont typeface="Arial" panose="020B0604020202020204" pitchFamily="34" charset="0"/>
+              <a:buChar char="•"/>
+              <a:defRPr sz="1800" kern="1200">
+                <a:solidFill>
+                  <a:schemeClr val="tx1"/>
+                </a:solidFill>
+                <a:latin typeface="+mn-lt"/>
+                <a:ea typeface="+mn-ea"/>
+                <a:cs typeface="+mn-cs"/>
+              </a:defRPr>
+            </a:lvl5pPr>
+            <a:lvl6pPr marL="2514600" indent="-228600" algn="l" defTabSz="914400" rtl="0" eaLnBrk="1" latinLnBrk="0" hangingPunct="1">
+              <a:lnSpc>
+                <a:spcPct val="90000"/>
+              </a:lnSpc>
+              <a:spcBef>
+                <a:spcPts val="500"/>
+              </a:spcBef>
+              <a:buFont typeface="Arial" panose="020B0604020202020204" pitchFamily="34" charset="0"/>
+              <a:buChar char="•"/>
+              <a:defRPr sz="1800" kern="1200">
+                <a:solidFill>
+                  <a:schemeClr val="tx1"/>
+                </a:solidFill>
+                <a:latin typeface="+mn-lt"/>
+                <a:ea typeface="+mn-ea"/>
+                <a:cs typeface="+mn-cs"/>
+              </a:defRPr>
+            </a:lvl6pPr>
+            <a:lvl7pPr marL="2971800" indent="-228600" algn="l" defTabSz="914400" rtl="0" eaLnBrk="1" latinLnBrk="0" hangingPunct="1">
+              <a:lnSpc>
+                <a:spcPct val="90000"/>
+              </a:lnSpc>
+              <a:spcBef>
+                <a:spcPts val="500"/>
+              </a:spcBef>
+              <a:buFont typeface="Arial" panose="020B0604020202020204" pitchFamily="34" charset="0"/>
+              <a:buChar char="•"/>
+              <a:defRPr sz="1800" kern="1200">
+                <a:solidFill>
+                  <a:schemeClr val="tx1"/>
+                </a:solidFill>
+                <a:latin typeface="+mn-lt"/>
+                <a:ea typeface="+mn-ea"/>
+                <a:cs typeface="+mn-cs"/>
+              </a:defRPr>
+            </a:lvl7pPr>
+            <a:lvl8pPr marL="3429000" indent="-228600" algn="l" defTabSz="914400" rtl="0" eaLnBrk="1" latinLnBrk="0" hangingPunct="1">
+              <a:lnSpc>
+                <a:spcPct val="90000"/>
+              </a:lnSpc>
+              <a:spcBef>
+                <a:spcPts val="500"/>
+              </a:spcBef>
+              <a:buFont typeface="Arial" panose="020B0604020202020204" pitchFamily="34" charset="0"/>
+              <a:buChar char="•"/>
+              <a:defRPr sz="1800" kern="1200">
+                <a:solidFill>
+                  <a:schemeClr val="tx1"/>
+                </a:solidFill>
+                <a:latin typeface="+mn-lt"/>
+                <a:ea typeface="+mn-ea"/>
+                <a:cs typeface="+mn-cs"/>
+              </a:defRPr>
+            </a:lvl8pPr>
+            <a:lvl9pPr marL="3886200" indent="-228600" algn="l" defTabSz="914400" rtl="0" eaLnBrk="1" latinLnBrk="0" hangingPunct="1">
+              <a:lnSpc>
+                <a:spcPct val="90000"/>
+              </a:lnSpc>
+              <a:spcBef>
+                <a:spcPts val="500"/>
+              </a:spcBef>
+              <a:buFont typeface="Arial" panose="020B0604020202020204" pitchFamily="34" charset="0"/>
+              <a:buChar char="•"/>
+              <a:defRPr sz="1800" kern="1200">
+                <a:solidFill>
+                  <a:schemeClr val="tx1"/>
+                </a:solidFill>
+                <a:latin typeface="+mn-lt"/>
+                <a:ea typeface="+mn-ea"/>
+                <a:cs typeface="+mn-cs"/>
+              </a:defRPr>
+            </a:lvl9pPr>
+          </a:lstStyle>
+          <a:p>
+            <a:pPr marL="0" indent="0">
+              <a:buNone/>
+            </a:pPr>
+            <a:r>
+              <a:rPr lang="pt-BR" sz="2000" dirty="0">
+                <a:solidFill>
+                  <a:schemeClr val="accent1"/>
+                </a:solidFill>
+                <a:latin typeface="Arial" panose="020B0604020202020204" pitchFamily="34" charset="0"/>
+                <a:cs typeface="Arial" panose="020B0604020202020204" pitchFamily="34" charset="0"/>
+              </a:rPr>
+              <a:t>Resultados de nDCG@10. O primeiro número é com o BM25 </a:t>
+            </a:r>
+            <a:r>
+              <a:rPr lang="pt-BR" sz="2000" dirty="0" err="1">
+                <a:solidFill>
+                  <a:schemeClr val="accent1"/>
+                </a:solidFill>
+                <a:latin typeface="Arial" panose="020B0604020202020204" pitchFamily="34" charset="0"/>
+                <a:cs typeface="Arial" panose="020B0604020202020204" pitchFamily="34" charset="0"/>
+              </a:rPr>
+              <a:t>Pyserini</a:t>
+            </a:r>
+            <a:r>
+              <a:rPr lang="pt-BR" sz="2000" dirty="0">
+                <a:solidFill>
+                  <a:schemeClr val="accent1"/>
+                </a:solidFill>
+                <a:latin typeface="Arial" panose="020B0604020202020204" pitchFamily="34" charset="0"/>
+                <a:cs typeface="Arial" panose="020B0604020202020204" pitchFamily="34" charset="0"/>
+              </a:rPr>
+              <a:t>, o segundo, quando existir, é implementação da Aula 1</a:t>
             </a:r>
           </a:p>
         </p:txBody>
@@ -12502,95 +12808,6 @@
                 <a:latin typeface="Arial" panose="020B0604020202020204" pitchFamily="34" charset="0"/>
                 <a:cs typeface="Arial" panose="020B0604020202020204" pitchFamily="34" charset="0"/>
               </a:rPr>
-              <a:t>Posso chamar </a:t>
-            </a:r>
-            <a:r>
-              <a:rPr lang="pt-BR" sz="2400" dirty="0" err="1">
-                <a:solidFill>
-                  <a:schemeClr val="accent1"/>
-                </a:solidFill>
-                <a:latin typeface="Arial" panose="020B0604020202020204" pitchFamily="34" charset="0"/>
-                <a:cs typeface="Arial" panose="020B0604020202020204" pitchFamily="34" charset="0"/>
-              </a:rPr>
-              <a:t>tokenizer</a:t>
-            </a:r>
-            <a:r>
-              <a:rPr lang="pt-BR" sz="2400" dirty="0">
-                <a:solidFill>
-                  <a:schemeClr val="accent1"/>
-                </a:solidFill>
-                <a:latin typeface="Arial" panose="020B0604020202020204" pitchFamily="34" charset="0"/>
-                <a:cs typeface="Arial" panose="020B0604020202020204" pitchFamily="34" charset="0"/>
-              </a:rPr>
-              <a:t>(f’{query} [SEP] {</a:t>
-            </a:r>
-            <a:r>
-              <a:rPr lang="pt-BR" sz="2400" dirty="0" err="1">
-                <a:solidFill>
-                  <a:schemeClr val="accent1"/>
-                </a:solidFill>
-                <a:latin typeface="Arial" panose="020B0604020202020204" pitchFamily="34" charset="0"/>
-                <a:cs typeface="Arial" panose="020B0604020202020204" pitchFamily="34" charset="0"/>
-              </a:rPr>
-              <a:t>passage</a:t>
-            </a:r>
-            <a:r>
-              <a:rPr lang="pt-BR" sz="2400" dirty="0">
-                <a:solidFill>
-                  <a:schemeClr val="accent1"/>
-                </a:solidFill>
-                <a:latin typeface="Arial" panose="020B0604020202020204" pitchFamily="34" charset="0"/>
-                <a:cs typeface="Arial" panose="020B0604020202020204" pitchFamily="34" charset="0"/>
-              </a:rPr>
-              <a:t>}’) assim mesmo ou preciso chamar como uma lista de </a:t>
-            </a:r>
-            <a:r>
-              <a:rPr lang="pt-BR" sz="2400" dirty="0" err="1">
-                <a:solidFill>
-                  <a:schemeClr val="accent1"/>
-                </a:solidFill>
-                <a:latin typeface="Arial" panose="020B0604020202020204" pitchFamily="34" charset="0"/>
-                <a:cs typeface="Arial" panose="020B0604020202020204" pitchFamily="34" charset="0"/>
-              </a:rPr>
-              <a:t>strings</a:t>
-            </a:r>
-            <a:r>
-              <a:rPr lang="pt-BR" sz="2400" dirty="0">
-                <a:solidFill>
-                  <a:schemeClr val="accent1"/>
-                </a:solidFill>
-                <a:latin typeface="Arial" panose="020B0604020202020204" pitchFamily="34" charset="0"/>
-                <a:cs typeface="Arial" panose="020B0604020202020204" pitchFamily="34" charset="0"/>
-              </a:rPr>
-              <a:t>? Qual a diferença?</a:t>
-            </a:r>
-          </a:p>
-          <a:p>
-            <a:pPr marL="457200" indent="-457200">
-              <a:buFont typeface="Arial" panose="020B0604020202020204" pitchFamily="34" charset="0"/>
-              <a:buAutoNum type="arabicPeriod"/>
-            </a:pPr>
-            <a:endParaRPr lang="pt-BR" sz="2400" dirty="0">
-              <a:solidFill>
-                <a:schemeClr val="accent1"/>
-              </a:solidFill>
-              <a:latin typeface="Arial" panose="020B0604020202020204" pitchFamily="34" charset="0"/>
-              <a:cs typeface="Arial" panose="020B0604020202020204" pitchFamily="34" charset="0"/>
-            </a:endParaRPr>
-          </a:p>
-          <a:p>
-            <a:pPr marL="457200" indent="-457200">
-              <a:buFont typeface="Arial" panose="020B0604020202020204" pitchFamily="34" charset="0"/>
-              <a:buAutoNum type="arabicPeriod"/>
-            </a:pPr>
-            <a:r>
-              <a:rPr lang="pt-BR" sz="2400" dirty="0">
-                <a:solidFill>
-                  <a:schemeClr val="accent1"/>
-                </a:solidFill>
-                <a:latin typeface="Arial" panose="020B0604020202020204" pitchFamily="34" charset="0"/>
-                <a:cs typeface="Arial" panose="020B0604020202020204" pitchFamily="34" charset="0"/>
-              </a:rPr>
               <a:t>O que exatamente é esse </a:t>
             </a:r>
             <a:r>
@@ -13145,10 +13362,122 @@
               </a:rPr>
               <a:t> são necessários? O [SEP] já não é suficiente?</a:t>
             </a:r>
-          </a:p>
-          <a:p>
-            <a:pPr marL="457200" indent="-457200">
-              <a:buAutoNum type="arabicPeriod"/>
+            <a:endParaRPr lang="pt-BR" sz="1600" dirty="0">
+              <a:solidFill>
+                <a:schemeClr val="accent1"/>
+              </a:solidFill>
+              <a:latin typeface="Arial" panose="020B0604020202020204" pitchFamily="34" charset="0"/>
+              <a:cs typeface="Arial" panose="020B0604020202020204" pitchFamily="34" charset="0"/>
+            </a:endParaRPr>
+          </a:p>
+          <a:p>
+            <a:pPr marL="0" indent="0">
+              <a:buNone/>
+            </a:pPr>
+            <a:r>
+              <a:rPr lang="pt-BR" sz="1600" dirty="0" err="1">
+                <a:solidFill>
+                  <a:schemeClr val="accent1"/>
+                </a:solidFill>
+                <a:latin typeface="Arial" panose="020B0604020202020204" pitchFamily="34" charset="0"/>
+                <a:cs typeface="Arial" panose="020B0604020202020204" pitchFamily="34" charset="0"/>
+              </a:rPr>
+              <a:t>Obs</a:t>
+            </a:r>
+            <a:r>
+              <a:rPr lang="pt-BR" sz="1600" dirty="0">
+                <a:solidFill>
+                  <a:schemeClr val="accent1"/>
+                </a:solidFill>
+                <a:latin typeface="Arial" panose="020B0604020202020204" pitchFamily="34" charset="0"/>
+                <a:cs typeface="Arial" panose="020B0604020202020204" pitchFamily="34" charset="0"/>
+              </a:rPr>
+              <a:t>: o artigo chegou a testar o efeito de não usar </a:t>
+            </a:r>
+            <a:r>
+              <a:rPr lang="pt-BR" sz="1600" dirty="0" err="1">
+                <a:solidFill>
+                  <a:schemeClr val="accent1"/>
+                </a:solidFill>
+                <a:latin typeface="Arial" panose="020B0604020202020204" pitchFamily="34" charset="0"/>
+                <a:cs typeface="Arial" panose="020B0604020202020204" pitchFamily="34" charset="0"/>
+              </a:rPr>
+              <a:t>segment</a:t>
+            </a:r>
+            <a:r>
+              <a:rPr lang="pt-BR" sz="1600" dirty="0">
+                <a:solidFill>
+                  <a:schemeClr val="accent1"/>
+                </a:solidFill>
+                <a:latin typeface="Arial" panose="020B0604020202020204" pitchFamily="34" charset="0"/>
+                <a:cs typeface="Arial" panose="020B0604020202020204" pitchFamily="34" charset="0"/>
+              </a:rPr>
+              <a:t> </a:t>
+            </a:r>
+            <a:r>
+              <a:rPr lang="pt-BR" sz="1600" dirty="0" err="1">
+                <a:solidFill>
+                  <a:schemeClr val="accent1"/>
+                </a:solidFill>
+                <a:latin typeface="Arial" panose="020B0604020202020204" pitchFamily="34" charset="0"/>
+                <a:cs typeface="Arial" panose="020B0604020202020204" pitchFamily="34" charset="0"/>
+              </a:rPr>
+              <a:t>embeddings</a:t>
+            </a:r>
+            <a:r>
+              <a:rPr lang="pt-BR" sz="1600" dirty="0">
+                <a:solidFill>
+                  <a:schemeClr val="accent1"/>
+                </a:solidFill>
+                <a:latin typeface="Arial" panose="020B0604020202020204" pitchFamily="34" charset="0"/>
+                <a:cs typeface="Arial" panose="020B0604020202020204" pitchFamily="34" charset="0"/>
+              </a:rPr>
+              <a:t>, mas e se tirasse o </a:t>
+            </a:r>
+            <a:r>
+              <a:rPr lang="pt-BR" sz="1600" dirty="0" err="1">
+                <a:solidFill>
+                  <a:schemeClr val="accent1"/>
+                </a:solidFill>
+                <a:latin typeface="Arial" panose="020B0604020202020204" pitchFamily="34" charset="0"/>
+                <a:cs typeface="Arial" panose="020B0604020202020204" pitchFamily="34" charset="0"/>
+              </a:rPr>
+              <a:t>segment</a:t>
+            </a:r>
+            <a:r>
+              <a:rPr lang="pt-BR" sz="1600" dirty="0">
+                <a:solidFill>
+                  <a:schemeClr val="accent1"/>
+                </a:solidFill>
+                <a:latin typeface="Arial" panose="020B0604020202020204" pitchFamily="34" charset="0"/>
+                <a:cs typeface="Arial" panose="020B0604020202020204" pitchFamily="34" charset="0"/>
+              </a:rPr>
+              <a:t> </a:t>
+            </a:r>
+            <a:r>
+              <a:rPr lang="pt-BR" sz="1600" dirty="0" err="1">
+                <a:solidFill>
+                  <a:schemeClr val="accent1"/>
+                </a:solidFill>
+                <a:latin typeface="Arial" panose="020B0604020202020204" pitchFamily="34" charset="0"/>
+                <a:cs typeface="Arial" panose="020B0604020202020204" pitchFamily="34" charset="0"/>
+              </a:rPr>
+              <a:t>embeddings</a:t>
+            </a:r>
+            <a:r>
+              <a:rPr lang="pt-BR" sz="1600" dirty="0">
+                <a:solidFill>
+                  <a:schemeClr val="accent1"/>
+                </a:solidFill>
+                <a:latin typeface="Arial" panose="020B0604020202020204" pitchFamily="34" charset="0"/>
+                <a:cs typeface="Arial" panose="020B0604020202020204" pitchFamily="34" charset="0"/>
+              </a:rPr>
+              <a:t> e o [SEP]?</a:t>
+            </a:r>
+          </a:p>
+          <a:p>
+            <a:pPr marL="0" indent="0">
+              <a:buNone/>
             </a:pPr>
             <a:endParaRPr lang="pt-BR" sz="2400" dirty="0">
               <a:solidFill>
@@ -14138,6 +14467,15 @@
 </file>
 
 <file path=customXml/item1.xml><?xml version="1.0" encoding="utf-8"?>
+<?mso-contentType ?>
+<FormTemplates xmlns="http://schemas.microsoft.com/sharepoint/v3/contenttype/forms">
+  <Display>DocumentLibraryForm</Display>
+  <Edit>DocumentLibraryForm</Edit>
+  <New>DocumentLibraryForm</New>
+</FormTemplates>
+</file>
+
+<file path=customXml/item2.xml><?xml version="1.0" encoding="utf-8"?>
 <ct:contentTypeSchema xmlns:ct="http://schemas.microsoft.com/office/2006/metadata/contentType" xmlns:ma="http://schemas.microsoft.com/office/2006/metadata/properties/metaAttributes" ct:_="" ma:_="" ma:contentTypeName="Document" ma:contentTypeID="0x01010079F111ED35F8CC479449609E8A0923A6" ma:contentTypeVersion="21" ma:contentTypeDescription="Create a new document." ma:contentTypeScope="" ma:versionID="64dfb1555687e0874b4304b796b5b0c7">
   <xsd:schema xmlns:xsd="http://www.w3.org/2001/XMLSchema" xmlns:xs="http://www.w3.org/2001/XMLSchema" xmlns:p="http://schemas.microsoft.com/office/2006/metadata/properties" xmlns:ns1="http://schemas.microsoft.com/sharepoint/v3" xmlns:ns2="71af3243-3dd4-4a8d-8c0d-dd76da1f02a5" xmlns:ns3="16c05727-aa75-4e4a-9b5f-8a80a1165891" xmlns:ns4="230e9df3-be65-4c73-a93b-d1236ebd677e" targetNamespace="http://schemas.microsoft.com/office/2006/metadata/properties" ma:root="true" ma:fieldsID="e6e4c555b5e194d05b7203de9c4567b3" ns1:_="" ns2:_="" ns3:_="" ns4:_="">
     <xsd:import namespace="http://schemas.microsoft.com/sharepoint/v3"/>
@@ -14419,15 +14757,6 @@
 </ct:contentTypeSchema>
 </file>
 
-<file path=customXml/item2.xml><?xml version="1.0" encoding="utf-8"?>
-<?mso-contentType ?>
-<FormTemplates xmlns="http://schemas.microsoft.com/sharepoint/v3/contenttype/forms">
-  <Display>DocumentLibraryForm</Display>
-  <Edit>DocumentLibraryForm</Edit>
-  <New>DocumentLibraryForm</New>
-</FormTemplates>
-</file>
-
 <file path=customXml/item3.xml><?xml version="1.0" encoding="utf-8"?>
 <p:properties xmlns:p="http://schemas.microsoft.com/office/2006/metadata/properties" xmlns:xsi="http://www.w3.org/2001/XMLSchema-instance" xmlns:pc="http://schemas.microsoft.com/office/infopath/2007/PartnerControls">
   <documentManagement>
@@ -14448,6 +14777,14 @@
 </file>
 
 <file path=customXml/itemProps1.xml><?xml version="1.0" encoding="utf-8"?>
+<ds:datastoreItem xmlns:ds="http://schemas.openxmlformats.org/officeDocument/2006/customXml" ds:itemID="{E618C13B-9D83-4AF4-B64D-33362D5133F8}">
+  <ds:schemaRefs>
+    <ds:schemaRef ds:uri="http://schemas.microsoft.com/sharepoint/v3/contenttype/forms"/>
+  </ds:schemaRefs>
+</ds:datastoreItem>
+</file>
+
+<file path=customXml/itemProps2.xml><?xml version="1.0" encoding="utf-8"?>
 <ds:datastoreItem xmlns:ds="http://schemas.openxmlformats.org/officeDocument/2006/customXml" ds:itemID="{67ACD96E-49A0-4DA4-A7BB-AC2D8874213F}">
   <ds:schemaRefs>
     <ds:schemaRef ds:uri="http://schemas.microsoft.com/office/2006/metadata/contentType"/>
@@ -14464,14 +14801,6 @@
     <ds:schemaRef ds:uri="http://purl.org/dc/elements/1.1/"/>
     <ds:schemaRef ds:uri="http://purl.org/dc/terms/"/>
     <ds:schemaRef ds:uri="http://schemas.microsoft.com/internal/obd"/>
-  </ds:schemaRefs>
-</ds:datastoreItem>
-</file>
-
-<file path=customXml/itemProps2.xml><?xml version="1.0" encoding="utf-8"?>
-<ds:datastoreItem xmlns:ds="http://schemas.openxmlformats.org/officeDocument/2006/customXml" ds:itemID="{E618C13B-9D83-4AF4-B64D-33362D5133F8}">
-  <ds:schemaRefs>
-    <ds:schemaRef ds:uri="http://schemas.microsoft.com/sharepoint/v3/contenttype/forms"/>
   </ds:schemaRefs>
 </ds:datastoreItem>
 </file>

--- a/2 - classificador binario - reranking com minilm/notebook/apresentacao_notebook.pptx
+++ b/2 - classificador binario - reranking com minilm/notebook/apresentacao_notebook.pptx
@@ -5,18 +5,19 @@
     <p:sldMasterId id="2147483648" r:id="rId4"/>
   </p:sldMasterIdLst>
   <p:notesMasterIdLst>
-    <p:notesMasterId r:id="rId11"/>
+    <p:notesMasterId r:id="rId12"/>
   </p:notesMasterIdLst>
   <p:handoutMasterIdLst>
-    <p:handoutMasterId r:id="rId12"/>
+    <p:handoutMasterId r:id="rId13"/>
   </p:handoutMasterIdLst>
   <p:sldIdLst>
     <p:sldId id="256" r:id="rId5"/>
     <p:sldId id="293" r:id="rId6"/>
-    <p:sldId id="290" r:id="rId7"/>
-    <p:sldId id="291" r:id="rId8"/>
-    <p:sldId id="294" r:id="rId9"/>
-    <p:sldId id="289" r:id="rId10"/>
+    <p:sldId id="295" r:id="rId7"/>
+    <p:sldId id="290" r:id="rId8"/>
+    <p:sldId id="291" r:id="rId9"/>
+    <p:sldId id="294" r:id="rId10"/>
+    <p:sldId id="289" r:id="rId11"/>
   </p:sldIdLst>
   <p:sldSz cx="12192000" cy="6858000"/>
   <p:notesSz cx="6858000" cy="9144000"/>
@@ -234,7 +235,7 @@
             <a:pPr rtl="0"/>
             <a:fld id="{1CFE3099-591D-45A7-A51D-7A26F574396C}" type="datetime1">
               <a:rPr lang="pt-BR" smtClean="0"/>
-              <a:t>13/03/2023</a:t>
+              <a:t>14/03/2023</a:t>
             </a:fld>
             <a:endParaRPr lang="pt-BR" dirty="0"/>
           </a:p>
@@ -415,7 +416,7 @@
             <a:fld id="{04512B0B-086E-405E-B6A3-A336C302B6B7}" type="datetime1">
               <a:rPr lang="pt-BR" smtClean="0"/>
               <a:pPr/>
-              <a:t>13/03/2023</a:t>
+              <a:t>14/03/2023</a:t>
             </a:fld>
             <a:endParaRPr lang="pt-BR" dirty="0"/>
           </a:p>
@@ -931,7 +932,7 @@
     </p:spTree>
     <p:extLst>
       <p:ext uri="{BB962C8B-B14F-4D97-AF65-F5344CB8AC3E}">
-        <p14:creationId xmlns:p14="http://schemas.microsoft.com/office/powerpoint/2010/main" val="2175196044"/>
+        <p14:creationId xmlns:p14="http://schemas.microsoft.com/office/powerpoint/2010/main" val="4210810670"/>
       </p:ext>
     </p:extLst>
   </p:cSld>
@@ -1016,7 +1017,7 @@
     </p:spTree>
     <p:extLst>
       <p:ext uri="{BB962C8B-B14F-4D97-AF65-F5344CB8AC3E}">
-        <p14:creationId xmlns:p14="http://schemas.microsoft.com/office/powerpoint/2010/main" val="2658965977"/>
+        <p14:creationId xmlns:p14="http://schemas.microsoft.com/office/powerpoint/2010/main" val="2175196044"/>
       </p:ext>
     </p:extLst>
   </p:cSld>
@@ -1101,7 +1102,7 @@
     </p:spTree>
     <p:extLst>
       <p:ext uri="{BB962C8B-B14F-4D97-AF65-F5344CB8AC3E}">
-        <p14:creationId xmlns:p14="http://schemas.microsoft.com/office/powerpoint/2010/main" val="3743963915"/>
+        <p14:creationId xmlns:p14="http://schemas.microsoft.com/office/powerpoint/2010/main" val="2658965977"/>
       </p:ext>
     </p:extLst>
   </p:cSld>
@@ -1178,6 +1179,91 @@
             <a:fld id="{35BAF473-2665-42A7-89E3-C7BA7EB58D12}" type="slidenum">
               <a:rPr lang="pt-BR" smtClean="0"/>
               <a:t>6</a:t>
+            </a:fld>
+            <a:endParaRPr lang="pt-BR"/>
+          </a:p>
+        </p:txBody>
+      </p:sp>
+    </p:spTree>
+    <p:extLst>
+      <p:ext uri="{BB962C8B-B14F-4D97-AF65-F5344CB8AC3E}">
+        <p14:creationId xmlns:p14="http://schemas.microsoft.com/office/powerpoint/2010/main" val="3743963915"/>
+      </p:ext>
+    </p:extLst>
+  </p:cSld>
+  <p:clrMapOvr>
+    <a:masterClrMapping/>
+  </p:clrMapOvr>
+</p:notes>
+</file>
+
+<file path=ppt/notesSlides/notesSlide7.xml><?xml version="1.0" encoding="utf-8"?>
+<p:notes xmlns:a="http://schemas.openxmlformats.org/drawingml/2006/main" xmlns:r="http://schemas.openxmlformats.org/officeDocument/2006/relationships" xmlns:p="http://schemas.openxmlformats.org/presentationml/2006/main">
+  <p:cSld>
+    <p:spTree>
+      <p:nvGrpSpPr>
+        <p:cNvPr id="1" name=""/>
+        <p:cNvGrpSpPr/>
+        <p:nvPr/>
+      </p:nvGrpSpPr>
+      <p:grpSpPr>
+        <a:xfrm>
+          <a:off x="0" y="0"/>
+          <a:ext cx="0" cy="0"/>
+          <a:chOff x="0" y="0"/>
+          <a:chExt cx="0" cy="0"/>
+        </a:xfrm>
+      </p:grpSpPr>
+      <p:sp>
+        <p:nvSpPr>
+          <p:cNvPr id="2" name="Espaço Reservado para Imagem de Slide 1"/>
+          <p:cNvSpPr>
+            <a:spLocks noGrp="1" noRot="1" noChangeAspect="1"/>
+          </p:cNvSpPr>
+          <p:nvPr>
+            <p:ph type="sldImg"/>
+          </p:nvPr>
+        </p:nvSpPr>
+        <p:spPr/>
+      </p:sp>
+      <p:sp>
+        <p:nvSpPr>
+          <p:cNvPr id="3" name="Espaço Reservado para Anotações 2"/>
+          <p:cNvSpPr>
+            <a:spLocks noGrp="1"/>
+          </p:cNvSpPr>
+          <p:nvPr>
+            <p:ph type="body" idx="1"/>
+          </p:nvPr>
+        </p:nvSpPr>
+        <p:spPr/>
+        <p:txBody>
+          <a:bodyPr/>
+          <a:lstStyle/>
+          <a:p>
+            <a:endParaRPr lang="pt-BR" noProof="0" dirty="0"/>
+          </a:p>
+        </p:txBody>
+      </p:sp>
+      <p:sp>
+        <p:nvSpPr>
+          <p:cNvPr id="4" name="Espaço Reservado para Número de Slide 3"/>
+          <p:cNvSpPr>
+            <a:spLocks noGrp="1"/>
+          </p:cNvSpPr>
+          <p:nvPr>
+            <p:ph type="sldNum" sz="quarter" idx="5"/>
+          </p:nvPr>
+        </p:nvSpPr>
+        <p:spPr/>
+        <p:txBody>
+          <a:bodyPr/>
+          <a:lstStyle/>
+          <a:p>
+            <a:pPr rtl="0"/>
+            <a:fld id="{35BAF473-2665-42A7-89E3-C7BA7EB58D12}" type="slidenum">
+              <a:rPr lang="pt-BR" smtClean="0"/>
+              <a:t>7</a:t>
             </a:fld>
             <a:endParaRPr lang="pt-BR"/>
           </a:p>
@@ -10214,10 +10300,381 @@
       </p:grpSpPr>
       <p:sp>
         <p:nvSpPr>
-          <p:cNvPr id="25" name="Retângulo 24">
-            <a:extLst>
-              <a:ext uri="{FF2B5EF4-FFF2-40B4-BE49-F238E27FC236}">
-                <a16:creationId xmlns:a16="http://schemas.microsoft.com/office/drawing/2014/main" id="{582539BB-02A6-8FE4-9C9A-D872102B547C}"/>
+          <p:cNvPr id="2" name="Título 1">
+            <a:extLst>
+              <a:ext uri="{FF2B5EF4-FFF2-40B4-BE49-F238E27FC236}">
+                <a16:creationId xmlns:a16="http://schemas.microsoft.com/office/drawing/2014/main" id="{6719F29B-F233-48AF-8261-F33A4E079E3E}"/>
+              </a:ext>
+            </a:extLst>
+          </p:cNvPr>
+          <p:cNvSpPr>
+            <a:spLocks noGrp="1"/>
+          </p:cNvSpPr>
+          <p:nvPr>
+            <p:ph type="title"/>
+          </p:nvPr>
+        </p:nvSpPr>
+        <p:spPr>
+          <a:xfrm>
+            <a:off x="176168" y="402672"/>
+            <a:ext cx="11325137" cy="729788"/>
+          </a:xfrm>
+        </p:spPr>
+        <p:txBody>
+          <a:bodyPr rtlCol="0">
+            <a:normAutofit fontScale="90000"/>
+          </a:bodyPr>
+          <a:lstStyle/>
+          <a:p>
+            <a:pPr algn="l" rtl="0"/>
+            <a:r>
+              <a:rPr lang="pt-BR" dirty="0"/>
+              <a:t>Técnicas para garantir que a implementação está correta</a:t>
+            </a:r>
+          </a:p>
+        </p:txBody>
+      </p:sp>
+      <p:sp>
+        <p:nvSpPr>
+          <p:cNvPr id="4" name="Espaço Reservado para o Número do Slide 3">
+            <a:extLst>
+              <a:ext uri="{FF2B5EF4-FFF2-40B4-BE49-F238E27FC236}">
+                <a16:creationId xmlns:a16="http://schemas.microsoft.com/office/drawing/2014/main" id="{328F602C-7F98-4C02-99D4-ED65E00D66A4}"/>
+              </a:ext>
+            </a:extLst>
+          </p:cNvPr>
+          <p:cNvSpPr>
+            <a:spLocks noGrp="1"/>
+          </p:cNvSpPr>
+          <p:nvPr>
+            <p:ph type="sldNum" sz="quarter" idx="12"/>
+          </p:nvPr>
+        </p:nvSpPr>
+        <p:spPr>
+          <a:xfrm>
+            <a:off x="8610600" y="6356350"/>
+            <a:ext cx="2743200" cy="365125"/>
+          </a:xfrm>
+        </p:spPr>
+        <p:txBody>
+          <a:bodyPr rtlCol="0"/>
+          <a:lstStyle/>
+          <a:p>
+            <a:pPr rtl="0"/>
+            <a:fld id="{19B51A1E-902D-48AF-9020-955120F399B6}" type="slidenum">
+              <a:rPr lang="pt-BR" smtClean="0"/>
+              <a:pPr rtl="0"/>
+              <a:t>3</a:t>
+            </a:fld>
+            <a:endParaRPr lang="pt-BR"/>
+          </a:p>
+        </p:txBody>
+      </p:sp>
+      <p:sp>
+        <p:nvSpPr>
+          <p:cNvPr id="20" name="Espaço Reservado para Conteúdo 3">
+            <a:extLst>
+              <a:ext uri="{FF2B5EF4-FFF2-40B4-BE49-F238E27FC236}">
+                <a16:creationId xmlns:a16="http://schemas.microsoft.com/office/drawing/2014/main" id="{A26C9687-67C8-0FE8-0794-47272524905A}"/>
+              </a:ext>
+            </a:extLst>
+          </p:cNvPr>
+          <p:cNvSpPr txBox="1">
+            <a:spLocks/>
+          </p:cNvSpPr>
+          <p:nvPr/>
+        </p:nvSpPr>
+        <p:spPr>
+          <a:xfrm>
+            <a:off x="176168" y="1359071"/>
+            <a:ext cx="11694252" cy="788565"/>
+          </a:xfrm>
+          <a:prstGeom prst="rect">
+            <a:avLst/>
+          </a:prstGeom>
+        </p:spPr>
+        <p:txBody>
+          <a:bodyPr rtlCol="0">
+            <a:normAutofit/>
+          </a:bodyPr>
+          <a:lstStyle>
+            <a:lvl1pPr marL="228600" indent="-228600" algn="l" defTabSz="914400" rtl="0" eaLnBrk="1" latinLnBrk="0" hangingPunct="1">
+              <a:lnSpc>
+                <a:spcPct val="90000"/>
+              </a:lnSpc>
+              <a:spcBef>
+                <a:spcPts val="1000"/>
+              </a:spcBef>
+              <a:buFont typeface="Arial" panose="020B0604020202020204" pitchFamily="34" charset="0"/>
+              <a:buChar char="•"/>
+              <a:defRPr sz="2800" kern="1200">
+                <a:solidFill>
+                  <a:schemeClr val="tx1"/>
+                </a:solidFill>
+                <a:latin typeface="+mn-lt"/>
+                <a:ea typeface="+mn-ea"/>
+                <a:cs typeface="+mn-cs"/>
+              </a:defRPr>
+            </a:lvl1pPr>
+            <a:lvl2pPr marL="685800" indent="-228600" algn="l" defTabSz="914400" rtl="0" eaLnBrk="1" latinLnBrk="0" hangingPunct="1">
+              <a:lnSpc>
+                <a:spcPct val="90000"/>
+              </a:lnSpc>
+              <a:spcBef>
+                <a:spcPts val="500"/>
+              </a:spcBef>
+              <a:buFont typeface="Arial" panose="020B0604020202020204" pitchFamily="34" charset="0"/>
+              <a:buChar char="•"/>
+              <a:defRPr sz="2400" kern="1200">
+                <a:solidFill>
+                  <a:schemeClr val="tx1"/>
+                </a:solidFill>
+                <a:latin typeface="+mn-lt"/>
+                <a:ea typeface="+mn-ea"/>
+                <a:cs typeface="+mn-cs"/>
+              </a:defRPr>
+            </a:lvl2pPr>
+            <a:lvl3pPr marL="1143000" indent="-228600" algn="l" defTabSz="914400" rtl="0" eaLnBrk="1" latinLnBrk="0" hangingPunct="1">
+              <a:lnSpc>
+                <a:spcPct val="90000"/>
+              </a:lnSpc>
+              <a:spcBef>
+                <a:spcPts val="500"/>
+              </a:spcBef>
+              <a:buFont typeface="Arial" panose="020B0604020202020204" pitchFamily="34" charset="0"/>
+              <a:buChar char="•"/>
+              <a:defRPr sz="2000" kern="1200">
+                <a:solidFill>
+                  <a:schemeClr val="tx1"/>
+                </a:solidFill>
+                <a:latin typeface="+mn-lt"/>
+                <a:ea typeface="+mn-ea"/>
+                <a:cs typeface="+mn-cs"/>
+              </a:defRPr>
+            </a:lvl3pPr>
+            <a:lvl4pPr marL="1600200" indent="-228600" algn="l" defTabSz="914400" rtl="0" eaLnBrk="1" latinLnBrk="0" hangingPunct="1">
+              <a:lnSpc>
+                <a:spcPct val="90000"/>
+              </a:lnSpc>
+              <a:spcBef>
+                <a:spcPts val="500"/>
+              </a:spcBef>
+              <a:buFont typeface="Arial" panose="020B0604020202020204" pitchFamily="34" charset="0"/>
+              <a:buChar char="•"/>
+              <a:defRPr sz="1800" kern="1200">
+                <a:solidFill>
+                  <a:schemeClr val="tx1"/>
+                </a:solidFill>
+                <a:latin typeface="+mn-lt"/>
+                <a:ea typeface="+mn-ea"/>
+                <a:cs typeface="+mn-cs"/>
+              </a:defRPr>
+            </a:lvl4pPr>
+            <a:lvl5pPr marL="2057400" indent="-228600" algn="l" defTabSz="914400" rtl="0" eaLnBrk="1" latinLnBrk="0" hangingPunct="1">
+              <a:lnSpc>
+                <a:spcPct val="90000"/>
+              </a:lnSpc>
+              <a:spcBef>
+                <a:spcPts val="500"/>
+              </a:spcBef>
+              <a:buFont typeface="Arial" panose="020B0604020202020204" pitchFamily="34" charset="0"/>
+              <a:buChar char="•"/>
+              <a:defRPr sz="1800" kern="1200">
+                <a:solidFill>
+                  <a:schemeClr val="tx1"/>
+                </a:solidFill>
+                <a:latin typeface="+mn-lt"/>
+                <a:ea typeface="+mn-ea"/>
+                <a:cs typeface="+mn-cs"/>
+              </a:defRPr>
+            </a:lvl5pPr>
+            <a:lvl6pPr marL="2514600" indent="-228600" algn="l" defTabSz="914400" rtl="0" eaLnBrk="1" latinLnBrk="0" hangingPunct="1">
+              <a:lnSpc>
+                <a:spcPct val="90000"/>
+              </a:lnSpc>
+              <a:spcBef>
+                <a:spcPts val="500"/>
+              </a:spcBef>
+              <a:buFont typeface="Arial" panose="020B0604020202020204" pitchFamily="34" charset="0"/>
+              <a:buChar char="•"/>
+              <a:defRPr sz="1800" kern="1200">
+                <a:solidFill>
+                  <a:schemeClr val="tx1"/>
+                </a:solidFill>
+                <a:latin typeface="+mn-lt"/>
+                <a:ea typeface="+mn-ea"/>
+                <a:cs typeface="+mn-cs"/>
+              </a:defRPr>
+            </a:lvl6pPr>
+            <a:lvl7pPr marL="2971800" indent="-228600" algn="l" defTabSz="914400" rtl="0" eaLnBrk="1" latinLnBrk="0" hangingPunct="1">
+              <a:lnSpc>
+                <a:spcPct val="90000"/>
+              </a:lnSpc>
+              <a:spcBef>
+                <a:spcPts val="500"/>
+              </a:spcBef>
+              <a:buFont typeface="Arial" panose="020B0604020202020204" pitchFamily="34" charset="0"/>
+              <a:buChar char="•"/>
+              <a:defRPr sz="1800" kern="1200">
+                <a:solidFill>
+                  <a:schemeClr val="tx1"/>
+                </a:solidFill>
+                <a:latin typeface="+mn-lt"/>
+                <a:ea typeface="+mn-ea"/>
+                <a:cs typeface="+mn-cs"/>
+              </a:defRPr>
+            </a:lvl7pPr>
+            <a:lvl8pPr marL="3429000" indent="-228600" algn="l" defTabSz="914400" rtl="0" eaLnBrk="1" latinLnBrk="0" hangingPunct="1">
+              <a:lnSpc>
+                <a:spcPct val="90000"/>
+              </a:lnSpc>
+              <a:spcBef>
+                <a:spcPts val="500"/>
+              </a:spcBef>
+              <a:buFont typeface="Arial" panose="020B0604020202020204" pitchFamily="34" charset="0"/>
+              <a:buChar char="•"/>
+              <a:defRPr sz="1800" kern="1200">
+                <a:solidFill>
+                  <a:schemeClr val="tx1"/>
+                </a:solidFill>
+                <a:latin typeface="+mn-lt"/>
+                <a:ea typeface="+mn-ea"/>
+                <a:cs typeface="+mn-cs"/>
+              </a:defRPr>
+            </a:lvl8pPr>
+            <a:lvl9pPr marL="3886200" indent="-228600" algn="l" defTabSz="914400" rtl="0" eaLnBrk="1" latinLnBrk="0" hangingPunct="1">
+              <a:lnSpc>
+                <a:spcPct val="90000"/>
+              </a:lnSpc>
+              <a:spcBef>
+                <a:spcPts val="500"/>
+              </a:spcBef>
+              <a:buFont typeface="Arial" panose="020B0604020202020204" pitchFamily="34" charset="0"/>
+              <a:buChar char="•"/>
+              <a:defRPr sz="1800" kern="1200">
+                <a:solidFill>
+                  <a:schemeClr val="tx1"/>
+                </a:solidFill>
+                <a:latin typeface="+mn-lt"/>
+                <a:ea typeface="+mn-ea"/>
+                <a:cs typeface="+mn-cs"/>
+              </a:defRPr>
+            </a:lvl9pPr>
+          </a:lstStyle>
+          <a:p>
+            <a:pPr marL="0" indent="0">
+              <a:buNone/>
+            </a:pPr>
+            <a:r>
+              <a:rPr lang="pt-BR" sz="2400" dirty="0">
+                <a:solidFill>
+                  <a:schemeClr val="accent1"/>
+                </a:solidFill>
+                <a:latin typeface="Arial" panose="020B0604020202020204" pitchFamily="34" charset="0"/>
+                <a:cs typeface="Arial" panose="020B0604020202020204" pitchFamily="34" charset="0"/>
+              </a:rPr>
+              <a:t>Inserir documentos fake que sabe-se que não tem relação com a pesquisa e ver se o score está muito baixo.</a:t>
+            </a:r>
+          </a:p>
+          <a:p>
+            <a:pPr marL="0" indent="0">
+              <a:buNone/>
+            </a:pPr>
+            <a:endParaRPr lang="pt-BR" sz="2400" dirty="0">
+              <a:solidFill>
+                <a:schemeClr val="accent1"/>
+              </a:solidFill>
+              <a:latin typeface="Arial" panose="020B0604020202020204" pitchFamily="34" charset="0"/>
+              <a:cs typeface="Arial" panose="020B0604020202020204" pitchFamily="34" charset="0"/>
+            </a:endParaRPr>
+          </a:p>
+          <a:p>
+            <a:pPr marL="0" indent="0">
+              <a:buNone/>
+            </a:pPr>
+            <a:endParaRPr lang="pt-BR" sz="2400" dirty="0">
+              <a:solidFill>
+                <a:schemeClr val="accent1"/>
+              </a:solidFill>
+              <a:latin typeface="Arial" panose="020B0604020202020204" pitchFamily="34" charset="0"/>
+              <a:cs typeface="Arial" panose="020B0604020202020204" pitchFamily="34" charset="0"/>
+            </a:endParaRPr>
+          </a:p>
+        </p:txBody>
+      </p:sp>
+      <p:pic>
+        <p:nvPicPr>
+          <p:cNvPr id="12" name="Imagem 11">
+            <a:extLst>
+              <a:ext uri="{FF2B5EF4-FFF2-40B4-BE49-F238E27FC236}">
+                <a16:creationId xmlns:a16="http://schemas.microsoft.com/office/drawing/2014/main" id="{C3DD8ED0-95FE-FB70-9F1C-5DE8AE8A2284}"/>
+              </a:ext>
+            </a:extLst>
+          </p:cNvPr>
+          <p:cNvPicPr>
+            <a:picLocks noChangeAspect="1"/>
+          </p:cNvPicPr>
+          <p:nvPr/>
+        </p:nvPicPr>
+        <p:blipFill>
+          <a:blip r:embed="rId3"/>
+          <a:stretch>
+            <a:fillRect/>
+          </a:stretch>
+        </p:blipFill>
+        <p:spPr>
+          <a:xfrm>
+            <a:off x="321580" y="2147636"/>
+            <a:ext cx="10940469" cy="3885401"/>
+          </a:xfrm>
+          <a:prstGeom prst="rect">
+            <a:avLst/>
+          </a:prstGeom>
+        </p:spPr>
+      </p:pic>
+      <p:cxnSp>
+        <p:nvCxnSpPr>
+          <p:cNvPr id="14" name="Conector reto 13">
+            <a:extLst>
+              <a:ext uri="{FF2B5EF4-FFF2-40B4-BE49-F238E27FC236}">
+                <a16:creationId xmlns:a16="http://schemas.microsoft.com/office/drawing/2014/main" id="{827FDCE4-CFBA-ED9E-B052-B365D6106CCF}"/>
+              </a:ext>
+            </a:extLst>
+          </p:cNvPr>
+          <p:cNvCxnSpPr/>
+          <p:nvPr/>
+        </p:nvCxnSpPr>
+        <p:spPr>
+          <a:xfrm>
+            <a:off x="2118049" y="5486400"/>
+            <a:ext cx="8612155" cy="0"/>
+          </a:xfrm>
+          <a:prstGeom prst="line">
+            <a:avLst/>
+          </a:prstGeom>
+          <a:ln w="63500"/>
+        </p:spPr>
+        <p:style>
+          <a:lnRef idx="1">
+            <a:schemeClr val="accent1"/>
+          </a:lnRef>
+          <a:fillRef idx="0">
+            <a:schemeClr val="accent1"/>
+          </a:fillRef>
+          <a:effectRef idx="0">
+            <a:schemeClr val="accent1"/>
+          </a:effectRef>
+          <a:fontRef idx="minor">
+            <a:schemeClr val="tx1"/>
+          </a:fontRef>
+        </p:style>
+      </p:cxnSp>
+      <p:sp>
+        <p:nvSpPr>
+          <p:cNvPr id="16" name="Retângulo 15">
+            <a:extLst>
+              <a:ext uri="{FF2B5EF4-FFF2-40B4-BE49-F238E27FC236}">
+                <a16:creationId xmlns:a16="http://schemas.microsoft.com/office/drawing/2014/main" id="{39F8C82B-FA4B-7F7E-2D52-C59DAC9C21D9}"/>
               </a:ext>
             </a:extLst>
           </p:cNvPr>
@@ -10226,14 +10683,14 @@
         </p:nvSpPr>
         <p:spPr>
           <a:xfrm>
-            <a:off x="241308" y="2562045"/>
-            <a:ext cx="5854692" cy="3545140"/>
+            <a:off x="360726" y="6303769"/>
+            <a:ext cx="10761363" cy="417705"/>
           </a:xfrm>
           <a:prstGeom prst="rect">
             <a:avLst/>
           </a:prstGeom>
           <a:solidFill>
-            <a:schemeClr val="bg2"/>
+            <a:schemeClr val="accent1"/>
           </a:solidFill>
         </p:spPr>
         <p:style>
@@ -10257,1970 +10714,36 @@
           <a:lstStyle/>
           <a:p>
             <a:pPr algn="ctr"/>
-            <a:endParaRPr lang="pt-BR"/>
-          </a:p>
-        </p:txBody>
-      </p:sp>
-      <p:sp>
-        <p:nvSpPr>
-          <p:cNvPr id="2" name="Título 1">
-            <a:extLst>
-              <a:ext uri="{FF2B5EF4-FFF2-40B4-BE49-F238E27FC236}">
-                <a16:creationId xmlns:a16="http://schemas.microsoft.com/office/drawing/2014/main" id="{6719F29B-F233-48AF-8261-F33A4E079E3E}"/>
-              </a:ext>
-            </a:extLst>
-          </p:cNvPr>
-          <p:cNvSpPr>
-            <a:spLocks noGrp="1"/>
-          </p:cNvSpPr>
-          <p:nvPr>
-            <p:ph type="title"/>
-          </p:nvPr>
-        </p:nvSpPr>
-        <p:spPr>
-          <a:xfrm>
-            <a:off x="176168" y="243281"/>
-            <a:ext cx="11442584" cy="729788"/>
-          </a:xfrm>
-        </p:spPr>
-        <p:txBody>
-          <a:bodyPr rtlCol="0">
-            <a:normAutofit/>
-          </a:bodyPr>
-          <a:lstStyle/>
-          <a:p>
-            <a:pPr algn="l" rtl="0"/>
             <a:r>
               <a:rPr lang="pt-BR" dirty="0"/>
-              <a:t>Resultados interessantes/inesperados</a:t>
-            </a:r>
-          </a:p>
-        </p:txBody>
-      </p:sp>
-      <p:sp>
-        <p:nvSpPr>
-          <p:cNvPr id="4" name="Espaço Reservado para o Número do Slide 3">
-            <a:extLst>
-              <a:ext uri="{FF2B5EF4-FFF2-40B4-BE49-F238E27FC236}">
-                <a16:creationId xmlns:a16="http://schemas.microsoft.com/office/drawing/2014/main" id="{328F602C-7F98-4C02-99D4-ED65E00D66A4}"/>
-              </a:ext>
-            </a:extLst>
-          </p:cNvPr>
-          <p:cNvSpPr>
-            <a:spLocks noGrp="1"/>
-          </p:cNvSpPr>
-          <p:nvPr>
-            <p:ph type="sldNum" sz="quarter" idx="12"/>
-          </p:nvPr>
-        </p:nvSpPr>
-        <p:spPr>
-          <a:xfrm>
-            <a:off x="8610600" y="6356350"/>
-            <a:ext cx="2743200" cy="365125"/>
-          </a:xfrm>
-        </p:spPr>
-        <p:txBody>
-          <a:bodyPr rtlCol="0"/>
-          <a:lstStyle/>
-          <a:p>
-            <a:pPr rtl="0"/>
-            <a:fld id="{19B51A1E-902D-48AF-9020-955120F399B6}" type="slidenum">
-              <a:rPr lang="pt-BR" smtClean="0"/>
-              <a:pPr rtl="0"/>
-              <a:t>3</a:t>
-            </a:fld>
-            <a:endParaRPr lang="pt-BR"/>
-          </a:p>
-        </p:txBody>
-      </p:sp>
-      <p:sp>
-        <p:nvSpPr>
-          <p:cNvPr id="26" name="Retângulo 25">
-            <a:extLst>
-              <a:ext uri="{FF2B5EF4-FFF2-40B4-BE49-F238E27FC236}">
-                <a16:creationId xmlns:a16="http://schemas.microsoft.com/office/drawing/2014/main" id="{BC92ED3F-2EED-C17F-BC54-E4E4DEDB9279}"/>
-              </a:ext>
-            </a:extLst>
-          </p:cNvPr>
-          <p:cNvSpPr/>
-          <p:nvPr/>
-        </p:nvSpPr>
-        <p:spPr>
-          <a:xfrm>
-            <a:off x="6230798" y="2562043"/>
-            <a:ext cx="5854692" cy="3545141"/>
-          </a:xfrm>
-          <a:prstGeom prst="rect">
-            <a:avLst/>
-          </a:prstGeom>
-          <a:solidFill>
-            <a:schemeClr val="bg2"/>
-          </a:solidFill>
-        </p:spPr>
-        <p:style>
-          <a:lnRef idx="2">
-            <a:schemeClr val="accent1">
-              <a:shade val="50000"/>
-            </a:schemeClr>
-          </a:lnRef>
-          <a:fillRef idx="1">
-            <a:schemeClr val="accent1"/>
-          </a:fillRef>
-          <a:effectRef idx="0">
-            <a:schemeClr val="accent1"/>
-          </a:effectRef>
-          <a:fontRef idx="minor">
-            <a:schemeClr val="lt1"/>
-          </a:fontRef>
-        </p:style>
-        <p:txBody>
-          <a:bodyPr rtlCol="0" anchor="ctr"/>
-          <a:lstStyle/>
-          <a:p>
-            <a:pPr algn="ctr"/>
-            <a:endParaRPr lang="pt-BR"/>
-          </a:p>
-        </p:txBody>
-      </p:sp>
-      <p:sp>
-        <p:nvSpPr>
-          <p:cNvPr id="9" name="Espaço Reservado para Conteúdo 3">
-            <a:extLst>
-              <a:ext uri="{FF2B5EF4-FFF2-40B4-BE49-F238E27FC236}">
-                <a16:creationId xmlns:a16="http://schemas.microsoft.com/office/drawing/2014/main" id="{A182DA29-313C-2719-A7ED-00E6E79FB60D}"/>
-              </a:ext>
-            </a:extLst>
-          </p:cNvPr>
-          <p:cNvSpPr txBox="1">
-            <a:spLocks/>
-          </p:cNvSpPr>
-          <p:nvPr/>
-        </p:nvSpPr>
-        <p:spPr>
-          <a:xfrm>
-            <a:off x="371695" y="2038601"/>
-            <a:ext cx="5710107" cy="444617"/>
-          </a:xfrm>
-          <a:prstGeom prst="rect">
-            <a:avLst/>
-          </a:prstGeom>
-        </p:spPr>
-        <p:txBody>
-          <a:bodyPr rtlCol="0">
-            <a:normAutofit/>
-          </a:bodyPr>
-          <a:lstStyle>
-            <a:lvl1pPr marL="228600" indent="-228600" algn="l" defTabSz="914400" rtl="0" eaLnBrk="1" latinLnBrk="0" hangingPunct="1">
-              <a:lnSpc>
-                <a:spcPct val="90000"/>
-              </a:lnSpc>
-              <a:spcBef>
-                <a:spcPts val="1000"/>
-              </a:spcBef>
-              <a:buFont typeface="Arial" panose="020B0604020202020204" pitchFamily="34" charset="0"/>
-              <a:buChar char="•"/>
-              <a:defRPr sz="2800" kern="1200">
-                <a:solidFill>
-                  <a:schemeClr val="tx1"/>
-                </a:solidFill>
-                <a:latin typeface="+mn-lt"/>
-                <a:ea typeface="+mn-ea"/>
-                <a:cs typeface="+mn-cs"/>
-              </a:defRPr>
-            </a:lvl1pPr>
-            <a:lvl2pPr marL="685800" indent="-228600" algn="l" defTabSz="914400" rtl="0" eaLnBrk="1" latinLnBrk="0" hangingPunct="1">
-              <a:lnSpc>
-                <a:spcPct val="90000"/>
-              </a:lnSpc>
-              <a:spcBef>
-                <a:spcPts val="500"/>
-              </a:spcBef>
-              <a:buFont typeface="Arial" panose="020B0604020202020204" pitchFamily="34" charset="0"/>
-              <a:buChar char="•"/>
-              <a:defRPr sz="2400" kern="1200">
-                <a:solidFill>
-                  <a:schemeClr val="tx1"/>
-                </a:solidFill>
-                <a:latin typeface="+mn-lt"/>
-                <a:ea typeface="+mn-ea"/>
-                <a:cs typeface="+mn-cs"/>
-              </a:defRPr>
-            </a:lvl2pPr>
-            <a:lvl3pPr marL="1143000" indent="-228600" algn="l" defTabSz="914400" rtl="0" eaLnBrk="1" latinLnBrk="0" hangingPunct="1">
-              <a:lnSpc>
-                <a:spcPct val="90000"/>
-              </a:lnSpc>
-              <a:spcBef>
-                <a:spcPts val="500"/>
-              </a:spcBef>
-              <a:buFont typeface="Arial" panose="020B0604020202020204" pitchFamily="34" charset="0"/>
-              <a:buChar char="•"/>
-              <a:defRPr sz="2000" kern="1200">
-                <a:solidFill>
-                  <a:schemeClr val="tx1"/>
-                </a:solidFill>
-                <a:latin typeface="+mn-lt"/>
-                <a:ea typeface="+mn-ea"/>
-                <a:cs typeface="+mn-cs"/>
-              </a:defRPr>
-            </a:lvl3pPr>
-            <a:lvl4pPr marL="1600200" indent="-228600" algn="l" defTabSz="914400" rtl="0" eaLnBrk="1" latinLnBrk="0" hangingPunct="1">
-              <a:lnSpc>
-                <a:spcPct val="90000"/>
-              </a:lnSpc>
-              <a:spcBef>
-                <a:spcPts val="500"/>
-              </a:spcBef>
-              <a:buFont typeface="Arial" panose="020B0604020202020204" pitchFamily="34" charset="0"/>
-              <a:buChar char="•"/>
-              <a:defRPr sz="1800" kern="1200">
-                <a:solidFill>
-                  <a:schemeClr val="tx1"/>
-                </a:solidFill>
-                <a:latin typeface="+mn-lt"/>
-                <a:ea typeface="+mn-ea"/>
-                <a:cs typeface="+mn-cs"/>
-              </a:defRPr>
-            </a:lvl4pPr>
-            <a:lvl5pPr marL="2057400" indent="-228600" algn="l" defTabSz="914400" rtl="0" eaLnBrk="1" latinLnBrk="0" hangingPunct="1">
-              <a:lnSpc>
-                <a:spcPct val="90000"/>
-              </a:lnSpc>
-              <a:spcBef>
-                <a:spcPts val="500"/>
-              </a:spcBef>
-              <a:buFont typeface="Arial" panose="020B0604020202020204" pitchFamily="34" charset="0"/>
-              <a:buChar char="•"/>
-              <a:defRPr sz="1800" kern="1200">
-                <a:solidFill>
-                  <a:schemeClr val="tx1"/>
-                </a:solidFill>
-                <a:latin typeface="+mn-lt"/>
-                <a:ea typeface="+mn-ea"/>
-                <a:cs typeface="+mn-cs"/>
-              </a:defRPr>
-            </a:lvl5pPr>
-            <a:lvl6pPr marL="2514600" indent="-228600" algn="l" defTabSz="914400" rtl="0" eaLnBrk="1" latinLnBrk="0" hangingPunct="1">
-              <a:lnSpc>
-                <a:spcPct val="90000"/>
-              </a:lnSpc>
-              <a:spcBef>
-                <a:spcPts val="500"/>
-              </a:spcBef>
-              <a:buFont typeface="Arial" panose="020B0604020202020204" pitchFamily="34" charset="0"/>
-              <a:buChar char="•"/>
-              <a:defRPr sz="1800" kern="1200">
-                <a:solidFill>
-                  <a:schemeClr val="tx1"/>
-                </a:solidFill>
-                <a:latin typeface="+mn-lt"/>
-                <a:ea typeface="+mn-ea"/>
-                <a:cs typeface="+mn-cs"/>
-              </a:defRPr>
-            </a:lvl6pPr>
-            <a:lvl7pPr marL="2971800" indent="-228600" algn="l" defTabSz="914400" rtl="0" eaLnBrk="1" latinLnBrk="0" hangingPunct="1">
-              <a:lnSpc>
-                <a:spcPct val="90000"/>
-              </a:lnSpc>
-              <a:spcBef>
-                <a:spcPts val="500"/>
-              </a:spcBef>
-              <a:buFont typeface="Arial" panose="020B0604020202020204" pitchFamily="34" charset="0"/>
-              <a:buChar char="•"/>
-              <a:defRPr sz="1800" kern="1200">
-                <a:solidFill>
-                  <a:schemeClr val="tx1"/>
-                </a:solidFill>
-                <a:latin typeface="+mn-lt"/>
-                <a:ea typeface="+mn-ea"/>
-                <a:cs typeface="+mn-cs"/>
-              </a:defRPr>
-            </a:lvl7pPr>
-            <a:lvl8pPr marL="3429000" indent="-228600" algn="l" defTabSz="914400" rtl="0" eaLnBrk="1" latinLnBrk="0" hangingPunct="1">
-              <a:lnSpc>
-                <a:spcPct val="90000"/>
-              </a:lnSpc>
-              <a:spcBef>
-                <a:spcPts val="500"/>
-              </a:spcBef>
-              <a:buFont typeface="Arial" panose="020B0604020202020204" pitchFamily="34" charset="0"/>
-              <a:buChar char="•"/>
-              <a:defRPr sz="1800" kern="1200">
-                <a:solidFill>
-                  <a:schemeClr val="tx1"/>
-                </a:solidFill>
-                <a:latin typeface="+mn-lt"/>
-                <a:ea typeface="+mn-ea"/>
-                <a:cs typeface="+mn-cs"/>
-              </a:defRPr>
-            </a:lvl8pPr>
-            <a:lvl9pPr marL="3886200" indent="-228600" algn="l" defTabSz="914400" rtl="0" eaLnBrk="1" latinLnBrk="0" hangingPunct="1">
-              <a:lnSpc>
-                <a:spcPct val="90000"/>
-              </a:lnSpc>
-              <a:spcBef>
-                <a:spcPts val="500"/>
-              </a:spcBef>
-              <a:buFont typeface="Arial" panose="020B0604020202020204" pitchFamily="34" charset="0"/>
-              <a:buChar char="•"/>
-              <a:defRPr sz="1800" kern="1200">
-                <a:solidFill>
-                  <a:schemeClr val="tx1"/>
-                </a:solidFill>
-                <a:latin typeface="+mn-lt"/>
-                <a:ea typeface="+mn-ea"/>
-                <a:cs typeface="+mn-cs"/>
-              </a:defRPr>
-            </a:lvl9pPr>
-          </a:lstStyle>
-          <a:p>
-            <a:pPr marL="0" indent="0">
-              <a:buNone/>
-            </a:pPr>
-            <a:r>
-              <a:rPr lang="pt-BR" sz="2000" dirty="0" err="1">
-                <a:solidFill>
-                  <a:schemeClr val="accent1"/>
-                </a:solidFill>
-                <a:latin typeface="Arial" panose="020B0604020202020204" pitchFamily="34" charset="0"/>
-                <a:cs typeface="Arial" panose="020B0604020202020204" pitchFamily="34" charset="0"/>
-              </a:rPr>
-              <a:t>tokenizer</a:t>
-            </a:r>
-            <a:r>
-              <a:rPr lang="pt-BR" sz="2000" dirty="0">
-                <a:solidFill>
-                  <a:schemeClr val="accent1"/>
-                </a:solidFill>
-                <a:latin typeface="Arial" panose="020B0604020202020204" pitchFamily="34" charset="0"/>
-                <a:cs typeface="Arial" panose="020B0604020202020204" pitchFamily="34" charset="0"/>
-              </a:rPr>
-              <a:t>(f”{query} [SEP] {</a:t>
-            </a:r>
-            <a:r>
-              <a:rPr lang="pt-BR" sz="2000" dirty="0" err="1">
-                <a:solidFill>
-                  <a:schemeClr val="accent1"/>
-                </a:solidFill>
-                <a:latin typeface="Arial" panose="020B0604020202020204" pitchFamily="34" charset="0"/>
-                <a:cs typeface="Arial" panose="020B0604020202020204" pitchFamily="34" charset="0"/>
-              </a:rPr>
-              <a:t>passage</a:t>
-            </a:r>
-            <a:r>
-              <a:rPr lang="pt-BR" sz="2000" dirty="0">
-                <a:solidFill>
-                  <a:schemeClr val="accent1"/>
-                </a:solidFill>
-                <a:latin typeface="Arial" panose="020B0604020202020204" pitchFamily="34" charset="0"/>
-                <a:cs typeface="Arial" panose="020B0604020202020204" pitchFamily="34" charset="0"/>
-              </a:rPr>
-              <a:t>}”)</a:t>
-            </a:r>
-          </a:p>
-        </p:txBody>
-      </p:sp>
-      <p:sp>
-        <p:nvSpPr>
-          <p:cNvPr id="10" name="Espaço Reservado para Conteúdo 3">
-            <a:extLst>
-              <a:ext uri="{FF2B5EF4-FFF2-40B4-BE49-F238E27FC236}">
-                <a16:creationId xmlns:a16="http://schemas.microsoft.com/office/drawing/2014/main" id="{49C6CE1F-B293-3AF0-2AE5-F285F28B39F7}"/>
-              </a:ext>
-            </a:extLst>
-          </p:cNvPr>
-          <p:cNvSpPr txBox="1">
-            <a:spLocks/>
-          </p:cNvSpPr>
-          <p:nvPr/>
-        </p:nvSpPr>
-        <p:spPr>
-          <a:xfrm>
-            <a:off x="6239187" y="2038601"/>
-            <a:ext cx="5952813" cy="444617"/>
-          </a:xfrm>
-          <a:prstGeom prst="rect">
-            <a:avLst/>
-          </a:prstGeom>
-        </p:spPr>
-        <p:txBody>
-          <a:bodyPr rtlCol="0">
-            <a:normAutofit/>
-          </a:bodyPr>
-          <a:lstStyle>
-            <a:lvl1pPr marL="228600" indent="-228600" algn="l" defTabSz="914400" rtl="0" eaLnBrk="1" latinLnBrk="0" hangingPunct="1">
-              <a:lnSpc>
-                <a:spcPct val="90000"/>
-              </a:lnSpc>
-              <a:spcBef>
-                <a:spcPts val="1000"/>
-              </a:spcBef>
-              <a:buFont typeface="Arial" panose="020B0604020202020204" pitchFamily="34" charset="0"/>
-              <a:buChar char="•"/>
-              <a:defRPr sz="2800" kern="1200">
-                <a:solidFill>
-                  <a:schemeClr val="tx1"/>
-                </a:solidFill>
-                <a:latin typeface="+mn-lt"/>
-                <a:ea typeface="+mn-ea"/>
-                <a:cs typeface="+mn-cs"/>
-              </a:defRPr>
-            </a:lvl1pPr>
-            <a:lvl2pPr marL="685800" indent="-228600" algn="l" defTabSz="914400" rtl="0" eaLnBrk="1" latinLnBrk="0" hangingPunct="1">
-              <a:lnSpc>
-                <a:spcPct val="90000"/>
-              </a:lnSpc>
-              <a:spcBef>
-                <a:spcPts val="500"/>
-              </a:spcBef>
-              <a:buFont typeface="Arial" panose="020B0604020202020204" pitchFamily="34" charset="0"/>
-              <a:buChar char="•"/>
-              <a:defRPr sz="2400" kern="1200">
-                <a:solidFill>
-                  <a:schemeClr val="tx1"/>
-                </a:solidFill>
-                <a:latin typeface="+mn-lt"/>
-                <a:ea typeface="+mn-ea"/>
-                <a:cs typeface="+mn-cs"/>
-              </a:defRPr>
-            </a:lvl2pPr>
-            <a:lvl3pPr marL="1143000" indent="-228600" algn="l" defTabSz="914400" rtl="0" eaLnBrk="1" latinLnBrk="0" hangingPunct="1">
-              <a:lnSpc>
-                <a:spcPct val="90000"/>
-              </a:lnSpc>
-              <a:spcBef>
-                <a:spcPts val="500"/>
-              </a:spcBef>
-              <a:buFont typeface="Arial" panose="020B0604020202020204" pitchFamily="34" charset="0"/>
-              <a:buChar char="•"/>
-              <a:defRPr sz="2000" kern="1200">
-                <a:solidFill>
-                  <a:schemeClr val="tx1"/>
-                </a:solidFill>
-                <a:latin typeface="+mn-lt"/>
-                <a:ea typeface="+mn-ea"/>
-                <a:cs typeface="+mn-cs"/>
-              </a:defRPr>
-            </a:lvl3pPr>
-            <a:lvl4pPr marL="1600200" indent="-228600" algn="l" defTabSz="914400" rtl="0" eaLnBrk="1" latinLnBrk="0" hangingPunct="1">
-              <a:lnSpc>
-                <a:spcPct val="90000"/>
-              </a:lnSpc>
-              <a:spcBef>
-                <a:spcPts val="500"/>
-              </a:spcBef>
-              <a:buFont typeface="Arial" panose="020B0604020202020204" pitchFamily="34" charset="0"/>
-              <a:buChar char="•"/>
-              <a:defRPr sz="1800" kern="1200">
-                <a:solidFill>
-                  <a:schemeClr val="tx1"/>
-                </a:solidFill>
-                <a:latin typeface="+mn-lt"/>
-                <a:ea typeface="+mn-ea"/>
-                <a:cs typeface="+mn-cs"/>
-              </a:defRPr>
-            </a:lvl4pPr>
-            <a:lvl5pPr marL="2057400" indent="-228600" algn="l" defTabSz="914400" rtl="0" eaLnBrk="1" latinLnBrk="0" hangingPunct="1">
-              <a:lnSpc>
-                <a:spcPct val="90000"/>
-              </a:lnSpc>
-              <a:spcBef>
-                <a:spcPts val="500"/>
-              </a:spcBef>
-              <a:buFont typeface="Arial" panose="020B0604020202020204" pitchFamily="34" charset="0"/>
-              <a:buChar char="•"/>
-              <a:defRPr sz="1800" kern="1200">
-                <a:solidFill>
-                  <a:schemeClr val="tx1"/>
-                </a:solidFill>
-                <a:latin typeface="+mn-lt"/>
-                <a:ea typeface="+mn-ea"/>
-                <a:cs typeface="+mn-cs"/>
-              </a:defRPr>
-            </a:lvl5pPr>
-            <a:lvl6pPr marL="2514600" indent="-228600" algn="l" defTabSz="914400" rtl="0" eaLnBrk="1" latinLnBrk="0" hangingPunct="1">
-              <a:lnSpc>
-                <a:spcPct val="90000"/>
-              </a:lnSpc>
-              <a:spcBef>
-                <a:spcPts val="500"/>
-              </a:spcBef>
-              <a:buFont typeface="Arial" panose="020B0604020202020204" pitchFamily="34" charset="0"/>
-              <a:buChar char="•"/>
-              <a:defRPr sz="1800" kern="1200">
-                <a:solidFill>
-                  <a:schemeClr val="tx1"/>
-                </a:solidFill>
-                <a:latin typeface="+mn-lt"/>
-                <a:ea typeface="+mn-ea"/>
-                <a:cs typeface="+mn-cs"/>
-              </a:defRPr>
-            </a:lvl6pPr>
-            <a:lvl7pPr marL="2971800" indent="-228600" algn="l" defTabSz="914400" rtl="0" eaLnBrk="1" latinLnBrk="0" hangingPunct="1">
-              <a:lnSpc>
-                <a:spcPct val="90000"/>
-              </a:lnSpc>
-              <a:spcBef>
-                <a:spcPts val="500"/>
-              </a:spcBef>
-              <a:buFont typeface="Arial" panose="020B0604020202020204" pitchFamily="34" charset="0"/>
-              <a:buChar char="•"/>
-              <a:defRPr sz="1800" kern="1200">
-                <a:solidFill>
-                  <a:schemeClr val="tx1"/>
-                </a:solidFill>
-                <a:latin typeface="+mn-lt"/>
-                <a:ea typeface="+mn-ea"/>
-                <a:cs typeface="+mn-cs"/>
-              </a:defRPr>
-            </a:lvl7pPr>
-            <a:lvl8pPr marL="3429000" indent="-228600" algn="l" defTabSz="914400" rtl="0" eaLnBrk="1" latinLnBrk="0" hangingPunct="1">
-              <a:lnSpc>
-                <a:spcPct val="90000"/>
-              </a:lnSpc>
-              <a:spcBef>
-                <a:spcPts val="500"/>
-              </a:spcBef>
-              <a:buFont typeface="Arial" panose="020B0604020202020204" pitchFamily="34" charset="0"/>
-              <a:buChar char="•"/>
-              <a:defRPr sz="1800" kern="1200">
-                <a:solidFill>
-                  <a:schemeClr val="tx1"/>
-                </a:solidFill>
-                <a:latin typeface="+mn-lt"/>
-                <a:ea typeface="+mn-ea"/>
-                <a:cs typeface="+mn-cs"/>
-              </a:defRPr>
-            </a:lvl8pPr>
-            <a:lvl9pPr marL="3886200" indent="-228600" algn="l" defTabSz="914400" rtl="0" eaLnBrk="1" latinLnBrk="0" hangingPunct="1">
-              <a:lnSpc>
-                <a:spcPct val="90000"/>
-              </a:lnSpc>
-              <a:spcBef>
-                <a:spcPts val="500"/>
-              </a:spcBef>
-              <a:buFont typeface="Arial" panose="020B0604020202020204" pitchFamily="34" charset="0"/>
-              <a:buChar char="•"/>
-              <a:defRPr sz="1800" kern="1200">
-                <a:solidFill>
-                  <a:schemeClr val="tx1"/>
-                </a:solidFill>
-                <a:latin typeface="+mn-lt"/>
-                <a:ea typeface="+mn-ea"/>
-                <a:cs typeface="+mn-cs"/>
-              </a:defRPr>
-            </a:lvl9pPr>
-          </a:lstStyle>
-          <a:p>
-            <a:pPr marL="0" indent="0">
-              <a:buNone/>
-            </a:pPr>
-            <a:r>
-              <a:rPr lang="pt-BR" sz="2000" dirty="0" err="1">
-                <a:solidFill>
-                  <a:schemeClr val="accent1"/>
-                </a:solidFill>
-                <a:latin typeface="Arial" panose="020B0604020202020204" pitchFamily="34" charset="0"/>
-                <a:cs typeface="Arial" panose="020B0604020202020204" pitchFamily="34" charset="0"/>
-              </a:rPr>
-              <a:t>tokenizer.encode_plus</a:t>
-            </a:r>
-            <a:r>
-              <a:rPr lang="pt-BR" sz="2000" dirty="0">
-                <a:solidFill>
-                  <a:schemeClr val="accent1"/>
-                </a:solidFill>
-                <a:latin typeface="Arial" panose="020B0604020202020204" pitchFamily="34" charset="0"/>
-                <a:cs typeface="Arial" panose="020B0604020202020204" pitchFamily="34" charset="0"/>
-              </a:rPr>
-              <a:t>(query, </a:t>
-            </a:r>
-            <a:r>
-              <a:rPr lang="pt-BR" sz="2000" dirty="0" err="1">
-                <a:solidFill>
-                  <a:schemeClr val="accent1"/>
-                </a:solidFill>
-                <a:latin typeface="Arial" panose="020B0604020202020204" pitchFamily="34" charset="0"/>
-                <a:cs typeface="Arial" panose="020B0604020202020204" pitchFamily="34" charset="0"/>
-              </a:rPr>
-              <a:t>passage</a:t>
-            </a:r>
-            <a:r>
-              <a:rPr lang="pt-BR" sz="2000" dirty="0">
-                <a:solidFill>
-                  <a:schemeClr val="accent1"/>
-                </a:solidFill>
-                <a:latin typeface="Arial" panose="020B0604020202020204" pitchFamily="34" charset="0"/>
-                <a:cs typeface="Arial" panose="020B0604020202020204" pitchFamily="34" charset="0"/>
-              </a:rPr>
-              <a:t>, ...)</a:t>
-            </a:r>
-          </a:p>
-        </p:txBody>
-      </p:sp>
-      <p:sp>
-        <p:nvSpPr>
-          <p:cNvPr id="11" name="Espaço Reservado para Conteúdo 3">
-            <a:extLst>
-              <a:ext uri="{FF2B5EF4-FFF2-40B4-BE49-F238E27FC236}">
-                <a16:creationId xmlns:a16="http://schemas.microsoft.com/office/drawing/2014/main" id="{5DBEC999-0178-8E90-CC5C-9D3245F0E3F8}"/>
-              </a:ext>
-            </a:extLst>
-          </p:cNvPr>
-          <p:cNvSpPr txBox="1">
-            <a:spLocks/>
-          </p:cNvSpPr>
-          <p:nvPr/>
-        </p:nvSpPr>
-        <p:spPr>
-          <a:xfrm>
-            <a:off x="655522" y="2675741"/>
-            <a:ext cx="4840448" cy="1683365"/>
-          </a:xfrm>
-          <a:prstGeom prst="rect">
-            <a:avLst/>
-          </a:prstGeom>
-        </p:spPr>
-        <p:txBody>
-          <a:bodyPr rtlCol="0">
-            <a:normAutofit/>
-          </a:bodyPr>
-          <a:lstStyle>
-            <a:lvl1pPr marL="228600" indent="-228600" algn="l" defTabSz="914400" rtl="0" eaLnBrk="1" latinLnBrk="0" hangingPunct="1">
-              <a:lnSpc>
-                <a:spcPct val="90000"/>
-              </a:lnSpc>
-              <a:spcBef>
-                <a:spcPts val="1000"/>
-              </a:spcBef>
-              <a:buFont typeface="Arial" panose="020B0604020202020204" pitchFamily="34" charset="0"/>
-              <a:buChar char="•"/>
-              <a:defRPr sz="2800" kern="1200">
-                <a:solidFill>
-                  <a:schemeClr val="tx1"/>
-                </a:solidFill>
-                <a:latin typeface="+mn-lt"/>
-                <a:ea typeface="+mn-ea"/>
-                <a:cs typeface="+mn-cs"/>
-              </a:defRPr>
-            </a:lvl1pPr>
-            <a:lvl2pPr marL="685800" indent="-228600" algn="l" defTabSz="914400" rtl="0" eaLnBrk="1" latinLnBrk="0" hangingPunct="1">
-              <a:lnSpc>
-                <a:spcPct val="90000"/>
-              </a:lnSpc>
-              <a:spcBef>
-                <a:spcPts val="500"/>
-              </a:spcBef>
-              <a:buFont typeface="Arial" panose="020B0604020202020204" pitchFamily="34" charset="0"/>
-              <a:buChar char="•"/>
-              <a:defRPr sz="2400" kern="1200">
-                <a:solidFill>
-                  <a:schemeClr val="tx1"/>
-                </a:solidFill>
-                <a:latin typeface="+mn-lt"/>
-                <a:ea typeface="+mn-ea"/>
-                <a:cs typeface="+mn-cs"/>
-              </a:defRPr>
-            </a:lvl2pPr>
-            <a:lvl3pPr marL="1143000" indent="-228600" algn="l" defTabSz="914400" rtl="0" eaLnBrk="1" latinLnBrk="0" hangingPunct="1">
-              <a:lnSpc>
-                <a:spcPct val="90000"/>
-              </a:lnSpc>
-              <a:spcBef>
-                <a:spcPts val="500"/>
-              </a:spcBef>
-              <a:buFont typeface="Arial" panose="020B0604020202020204" pitchFamily="34" charset="0"/>
-              <a:buChar char="•"/>
-              <a:defRPr sz="2000" kern="1200">
-                <a:solidFill>
-                  <a:schemeClr val="tx1"/>
-                </a:solidFill>
-                <a:latin typeface="+mn-lt"/>
-                <a:ea typeface="+mn-ea"/>
-                <a:cs typeface="+mn-cs"/>
-              </a:defRPr>
-            </a:lvl3pPr>
-            <a:lvl4pPr marL="1600200" indent="-228600" algn="l" defTabSz="914400" rtl="0" eaLnBrk="1" latinLnBrk="0" hangingPunct="1">
-              <a:lnSpc>
-                <a:spcPct val="90000"/>
-              </a:lnSpc>
-              <a:spcBef>
-                <a:spcPts val="500"/>
-              </a:spcBef>
-              <a:buFont typeface="Arial" panose="020B0604020202020204" pitchFamily="34" charset="0"/>
-              <a:buChar char="•"/>
-              <a:defRPr sz="1800" kern="1200">
-                <a:solidFill>
-                  <a:schemeClr val="tx1"/>
-                </a:solidFill>
-                <a:latin typeface="+mn-lt"/>
-                <a:ea typeface="+mn-ea"/>
-                <a:cs typeface="+mn-cs"/>
-              </a:defRPr>
-            </a:lvl4pPr>
-            <a:lvl5pPr marL="2057400" indent="-228600" algn="l" defTabSz="914400" rtl="0" eaLnBrk="1" latinLnBrk="0" hangingPunct="1">
-              <a:lnSpc>
-                <a:spcPct val="90000"/>
-              </a:lnSpc>
-              <a:spcBef>
-                <a:spcPts val="500"/>
-              </a:spcBef>
-              <a:buFont typeface="Arial" panose="020B0604020202020204" pitchFamily="34" charset="0"/>
-              <a:buChar char="•"/>
-              <a:defRPr sz="1800" kern="1200">
-                <a:solidFill>
-                  <a:schemeClr val="tx1"/>
-                </a:solidFill>
-                <a:latin typeface="+mn-lt"/>
-                <a:ea typeface="+mn-ea"/>
-                <a:cs typeface="+mn-cs"/>
-              </a:defRPr>
-            </a:lvl5pPr>
-            <a:lvl6pPr marL="2514600" indent="-228600" algn="l" defTabSz="914400" rtl="0" eaLnBrk="1" latinLnBrk="0" hangingPunct="1">
-              <a:lnSpc>
-                <a:spcPct val="90000"/>
-              </a:lnSpc>
-              <a:spcBef>
-                <a:spcPts val="500"/>
-              </a:spcBef>
-              <a:buFont typeface="Arial" panose="020B0604020202020204" pitchFamily="34" charset="0"/>
-              <a:buChar char="•"/>
-              <a:defRPr sz="1800" kern="1200">
-                <a:solidFill>
-                  <a:schemeClr val="tx1"/>
-                </a:solidFill>
-                <a:latin typeface="+mn-lt"/>
-                <a:ea typeface="+mn-ea"/>
-                <a:cs typeface="+mn-cs"/>
-              </a:defRPr>
-            </a:lvl6pPr>
-            <a:lvl7pPr marL="2971800" indent="-228600" algn="l" defTabSz="914400" rtl="0" eaLnBrk="1" latinLnBrk="0" hangingPunct="1">
-              <a:lnSpc>
-                <a:spcPct val="90000"/>
-              </a:lnSpc>
-              <a:spcBef>
-                <a:spcPts val="500"/>
-              </a:spcBef>
-              <a:buFont typeface="Arial" panose="020B0604020202020204" pitchFamily="34" charset="0"/>
-              <a:buChar char="•"/>
-              <a:defRPr sz="1800" kern="1200">
-                <a:solidFill>
-                  <a:schemeClr val="tx1"/>
-                </a:solidFill>
-                <a:latin typeface="+mn-lt"/>
-                <a:ea typeface="+mn-ea"/>
-                <a:cs typeface="+mn-cs"/>
-              </a:defRPr>
-            </a:lvl7pPr>
-            <a:lvl8pPr marL="3429000" indent="-228600" algn="l" defTabSz="914400" rtl="0" eaLnBrk="1" latinLnBrk="0" hangingPunct="1">
-              <a:lnSpc>
-                <a:spcPct val="90000"/>
-              </a:lnSpc>
-              <a:spcBef>
-                <a:spcPts val="500"/>
-              </a:spcBef>
-              <a:buFont typeface="Arial" panose="020B0604020202020204" pitchFamily="34" charset="0"/>
-              <a:buChar char="•"/>
-              <a:defRPr sz="1800" kern="1200">
-                <a:solidFill>
-                  <a:schemeClr val="tx1"/>
-                </a:solidFill>
-                <a:latin typeface="+mn-lt"/>
-                <a:ea typeface="+mn-ea"/>
-                <a:cs typeface="+mn-cs"/>
-              </a:defRPr>
-            </a:lvl8pPr>
-            <a:lvl9pPr marL="3886200" indent="-228600" algn="l" defTabSz="914400" rtl="0" eaLnBrk="1" latinLnBrk="0" hangingPunct="1">
-              <a:lnSpc>
-                <a:spcPct val="90000"/>
-              </a:lnSpc>
-              <a:spcBef>
-                <a:spcPts val="500"/>
-              </a:spcBef>
-              <a:buFont typeface="Arial" panose="020B0604020202020204" pitchFamily="34" charset="0"/>
-              <a:buChar char="•"/>
-              <a:defRPr sz="1800" kern="1200">
-                <a:solidFill>
-                  <a:schemeClr val="tx1"/>
-                </a:solidFill>
-                <a:latin typeface="+mn-lt"/>
-                <a:ea typeface="+mn-ea"/>
-                <a:cs typeface="+mn-cs"/>
-              </a:defRPr>
-            </a:lvl9pPr>
-          </a:lstStyle>
-          <a:p>
-            <a:pPr marL="0" indent="0">
-              <a:buNone/>
-            </a:pPr>
-            <a:r>
-              <a:rPr lang="pt-BR" sz="2000" dirty="0">
-                <a:solidFill>
-                  <a:schemeClr val="accent1"/>
-                </a:solidFill>
-                <a:latin typeface="Arial" panose="020B0604020202020204" pitchFamily="34" charset="0"/>
-                <a:cs typeface="Arial" panose="020B0604020202020204" pitchFamily="34" charset="0"/>
-              </a:rPr>
-              <a:t>80% treinamento, 20% validação</a:t>
-            </a:r>
-          </a:p>
-          <a:p>
-            <a:pPr marL="0" indent="0">
-              <a:buNone/>
-            </a:pPr>
-            <a:endParaRPr lang="pt-BR" sz="2000" dirty="0">
-              <a:solidFill>
-                <a:schemeClr val="accent1"/>
-              </a:solidFill>
-              <a:latin typeface="Arial" panose="020B0604020202020204" pitchFamily="34" charset="0"/>
-              <a:cs typeface="Arial" panose="020B0604020202020204" pitchFamily="34" charset="0"/>
-            </a:endParaRPr>
-          </a:p>
-          <a:p>
-            <a:pPr marL="0" indent="0">
-              <a:buNone/>
-            </a:pPr>
-            <a:r>
-              <a:rPr lang="pt-BR" sz="2000" dirty="0">
-                <a:solidFill>
-                  <a:schemeClr val="accent1"/>
-                </a:solidFill>
-                <a:latin typeface="Arial" panose="020B0604020202020204" pitchFamily="34" charset="0"/>
-                <a:cs typeface="Arial" panose="020B0604020202020204" pitchFamily="34" charset="0"/>
-              </a:rPr>
-              <a:t>	</a:t>
-            </a:r>
-            <a:r>
-              <a:rPr lang="pt-BR" sz="2000" dirty="0" err="1">
-                <a:solidFill>
-                  <a:schemeClr val="accent1"/>
-                </a:solidFill>
-                <a:latin typeface="Arial" panose="020B0604020202020204" pitchFamily="34" charset="0"/>
-                <a:cs typeface="Arial" panose="020B0604020202020204" pitchFamily="34" charset="0"/>
-              </a:rPr>
-              <a:t>seed</a:t>
-            </a:r>
-            <a:r>
-              <a:rPr lang="pt-BR" sz="2000" dirty="0">
-                <a:solidFill>
-                  <a:schemeClr val="accent1"/>
-                </a:solidFill>
-                <a:latin typeface="Arial" panose="020B0604020202020204" pitchFamily="34" charset="0"/>
-                <a:cs typeface="Arial" panose="020B0604020202020204" pitchFamily="34" charset="0"/>
-              </a:rPr>
-              <a:t> 42:   </a:t>
-            </a:r>
-            <a:r>
-              <a:rPr lang="pt-BR" sz="2000" dirty="0">
-                <a:solidFill>
-                  <a:srgbClr val="FF0000"/>
-                </a:solidFill>
-                <a:latin typeface="Arial" panose="020B0604020202020204" pitchFamily="34" charset="0"/>
-                <a:cs typeface="Arial" panose="020B0604020202020204" pitchFamily="34" charset="0"/>
-              </a:rPr>
-              <a:t>0.605</a:t>
-            </a:r>
-            <a:r>
-              <a:rPr lang="pt-BR" sz="2000" dirty="0">
-                <a:solidFill>
-                  <a:schemeClr val="accent1"/>
-                </a:solidFill>
-                <a:latin typeface="Arial" panose="020B0604020202020204" pitchFamily="34" charset="0"/>
-                <a:cs typeface="Arial" panose="020B0604020202020204" pitchFamily="34" charset="0"/>
-              </a:rPr>
-              <a:t>/0.605</a:t>
-            </a:r>
-          </a:p>
-          <a:p>
-            <a:pPr marL="0" indent="0">
-              <a:buNone/>
-            </a:pPr>
-            <a:r>
-              <a:rPr lang="pt-BR" sz="2000" dirty="0">
-                <a:solidFill>
-                  <a:schemeClr val="accent1"/>
-                </a:solidFill>
-                <a:latin typeface="Arial" panose="020B0604020202020204" pitchFamily="34" charset="0"/>
-                <a:cs typeface="Arial" panose="020B0604020202020204" pitchFamily="34" charset="0"/>
-              </a:rPr>
-              <a:t>	</a:t>
-            </a:r>
-            <a:r>
-              <a:rPr lang="pt-BR" sz="2000" dirty="0" err="1">
-                <a:solidFill>
-                  <a:schemeClr val="accent1"/>
-                </a:solidFill>
-                <a:latin typeface="Arial" panose="020B0604020202020204" pitchFamily="34" charset="0"/>
-                <a:cs typeface="Arial" panose="020B0604020202020204" pitchFamily="34" charset="0"/>
-              </a:rPr>
-              <a:t>seed</a:t>
-            </a:r>
-            <a:r>
-              <a:rPr lang="pt-BR" sz="2000" dirty="0">
-                <a:solidFill>
-                  <a:schemeClr val="accent1"/>
-                </a:solidFill>
-                <a:latin typeface="Arial" panose="020B0604020202020204" pitchFamily="34" charset="0"/>
-                <a:cs typeface="Arial" panose="020B0604020202020204" pitchFamily="34" charset="0"/>
-              </a:rPr>
-              <a:t> 123: </a:t>
-            </a:r>
-            <a:r>
-              <a:rPr lang="pt-BR" sz="2000" dirty="0">
-                <a:solidFill>
-                  <a:srgbClr val="FF0000"/>
-                </a:solidFill>
-                <a:latin typeface="Arial" panose="020B0604020202020204" pitchFamily="34" charset="0"/>
-                <a:cs typeface="Arial" panose="020B0604020202020204" pitchFamily="34" charset="0"/>
-              </a:rPr>
-              <a:t>0.566</a:t>
-            </a:r>
-            <a:r>
-              <a:rPr lang="pt-BR" sz="2000" dirty="0">
-                <a:solidFill>
-                  <a:schemeClr val="accent1"/>
-                </a:solidFill>
-                <a:latin typeface="Arial" panose="020B0604020202020204" pitchFamily="34" charset="0"/>
-                <a:cs typeface="Arial" panose="020B0604020202020204" pitchFamily="34" charset="0"/>
-              </a:rPr>
-              <a:t>/0.566</a:t>
-            </a:r>
-          </a:p>
-        </p:txBody>
-      </p:sp>
-      <p:sp>
-        <p:nvSpPr>
-          <p:cNvPr id="12" name="Espaço Reservado para Conteúdo 3">
-            <a:extLst>
-              <a:ext uri="{FF2B5EF4-FFF2-40B4-BE49-F238E27FC236}">
-                <a16:creationId xmlns:a16="http://schemas.microsoft.com/office/drawing/2014/main" id="{7B849E16-B064-C68A-1CE5-755F9AF6FE8B}"/>
-              </a:ext>
-            </a:extLst>
-          </p:cNvPr>
-          <p:cNvSpPr txBox="1">
-            <a:spLocks/>
-          </p:cNvSpPr>
-          <p:nvPr/>
-        </p:nvSpPr>
-        <p:spPr>
-          <a:xfrm>
-            <a:off x="6662419" y="2668857"/>
-            <a:ext cx="4840448" cy="1690249"/>
-          </a:xfrm>
-          <a:prstGeom prst="rect">
-            <a:avLst/>
-          </a:prstGeom>
-        </p:spPr>
-        <p:txBody>
-          <a:bodyPr rtlCol="0">
-            <a:normAutofit/>
-          </a:bodyPr>
-          <a:lstStyle>
-            <a:lvl1pPr marL="228600" indent="-228600" algn="l" defTabSz="914400" rtl="0" eaLnBrk="1" latinLnBrk="0" hangingPunct="1">
-              <a:lnSpc>
-                <a:spcPct val="90000"/>
-              </a:lnSpc>
-              <a:spcBef>
-                <a:spcPts val="1000"/>
-              </a:spcBef>
-              <a:buFont typeface="Arial" panose="020B0604020202020204" pitchFamily="34" charset="0"/>
-              <a:buChar char="•"/>
-              <a:defRPr sz="2800" kern="1200">
-                <a:solidFill>
-                  <a:schemeClr val="tx1"/>
-                </a:solidFill>
-                <a:latin typeface="+mn-lt"/>
-                <a:ea typeface="+mn-ea"/>
-                <a:cs typeface="+mn-cs"/>
-              </a:defRPr>
-            </a:lvl1pPr>
-            <a:lvl2pPr marL="685800" indent="-228600" algn="l" defTabSz="914400" rtl="0" eaLnBrk="1" latinLnBrk="0" hangingPunct="1">
-              <a:lnSpc>
-                <a:spcPct val="90000"/>
-              </a:lnSpc>
-              <a:spcBef>
-                <a:spcPts val="500"/>
-              </a:spcBef>
-              <a:buFont typeface="Arial" panose="020B0604020202020204" pitchFamily="34" charset="0"/>
-              <a:buChar char="•"/>
-              <a:defRPr sz="2400" kern="1200">
-                <a:solidFill>
-                  <a:schemeClr val="tx1"/>
-                </a:solidFill>
-                <a:latin typeface="+mn-lt"/>
-                <a:ea typeface="+mn-ea"/>
-                <a:cs typeface="+mn-cs"/>
-              </a:defRPr>
-            </a:lvl2pPr>
-            <a:lvl3pPr marL="1143000" indent="-228600" algn="l" defTabSz="914400" rtl="0" eaLnBrk="1" latinLnBrk="0" hangingPunct="1">
-              <a:lnSpc>
-                <a:spcPct val="90000"/>
-              </a:lnSpc>
-              <a:spcBef>
-                <a:spcPts val="500"/>
-              </a:spcBef>
-              <a:buFont typeface="Arial" panose="020B0604020202020204" pitchFamily="34" charset="0"/>
-              <a:buChar char="•"/>
-              <a:defRPr sz="2000" kern="1200">
-                <a:solidFill>
-                  <a:schemeClr val="tx1"/>
-                </a:solidFill>
-                <a:latin typeface="+mn-lt"/>
-                <a:ea typeface="+mn-ea"/>
-                <a:cs typeface="+mn-cs"/>
-              </a:defRPr>
-            </a:lvl3pPr>
-            <a:lvl4pPr marL="1600200" indent="-228600" algn="l" defTabSz="914400" rtl="0" eaLnBrk="1" latinLnBrk="0" hangingPunct="1">
-              <a:lnSpc>
-                <a:spcPct val="90000"/>
-              </a:lnSpc>
-              <a:spcBef>
-                <a:spcPts val="500"/>
-              </a:spcBef>
-              <a:buFont typeface="Arial" panose="020B0604020202020204" pitchFamily="34" charset="0"/>
-              <a:buChar char="•"/>
-              <a:defRPr sz="1800" kern="1200">
-                <a:solidFill>
-                  <a:schemeClr val="tx1"/>
-                </a:solidFill>
-                <a:latin typeface="+mn-lt"/>
-                <a:ea typeface="+mn-ea"/>
-                <a:cs typeface="+mn-cs"/>
-              </a:defRPr>
-            </a:lvl4pPr>
-            <a:lvl5pPr marL="2057400" indent="-228600" algn="l" defTabSz="914400" rtl="0" eaLnBrk="1" latinLnBrk="0" hangingPunct="1">
-              <a:lnSpc>
-                <a:spcPct val="90000"/>
-              </a:lnSpc>
-              <a:spcBef>
-                <a:spcPts val="500"/>
-              </a:spcBef>
-              <a:buFont typeface="Arial" panose="020B0604020202020204" pitchFamily="34" charset="0"/>
-              <a:buChar char="•"/>
-              <a:defRPr sz="1800" kern="1200">
-                <a:solidFill>
-                  <a:schemeClr val="tx1"/>
-                </a:solidFill>
-                <a:latin typeface="+mn-lt"/>
-                <a:ea typeface="+mn-ea"/>
-                <a:cs typeface="+mn-cs"/>
-              </a:defRPr>
-            </a:lvl5pPr>
-            <a:lvl6pPr marL="2514600" indent="-228600" algn="l" defTabSz="914400" rtl="0" eaLnBrk="1" latinLnBrk="0" hangingPunct="1">
-              <a:lnSpc>
-                <a:spcPct val="90000"/>
-              </a:lnSpc>
-              <a:spcBef>
-                <a:spcPts val="500"/>
-              </a:spcBef>
-              <a:buFont typeface="Arial" panose="020B0604020202020204" pitchFamily="34" charset="0"/>
-              <a:buChar char="•"/>
-              <a:defRPr sz="1800" kern="1200">
-                <a:solidFill>
-                  <a:schemeClr val="tx1"/>
-                </a:solidFill>
-                <a:latin typeface="+mn-lt"/>
-                <a:ea typeface="+mn-ea"/>
-                <a:cs typeface="+mn-cs"/>
-              </a:defRPr>
-            </a:lvl6pPr>
-            <a:lvl7pPr marL="2971800" indent="-228600" algn="l" defTabSz="914400" rtl="0" eaLnBrk="1" latinLnBrk="0" hangingPunct="1">
-              <a:lnSpc>
-                <a:spcPct val="90000"/>
-              </a:lnSpc>
-              <a:spcBef>
-                <a:spcPts val="500"/>
-              </a:spcBef>
-              <a:buFont typeface="Arial" panose="020B0604020202020204" pitchFamily="34" charset="0"/>
-              <a:buChar char="•"/>
-              <a:defRPr sz="1800" kern="1200">
-                <a:solidFill>
-                  <a:schemeClr val="tx1"/>
-                </a:solidFill>
-                <a:latin typeface="+mn-lt"/>
-                <a:ea typeface="+mn-ea"/>
-                <a:cs typeface="+mn-cs"/>
-              </a:defRPr>
-            </a:lvl7pPr>
-            <a:lvl8pPr marL="3429000" indent="-228600" algn="l" defTabSz="914400" rtl="0" eaLnBrk="1" latinLnBrk="0" hangingPunct="1">
-              <a:lnSpc>
-                <a:spcPct val="90000"/>
-              </a:lnSpc>
-              <a:spcBef>
-                <a:spcPts val="500"/>
-              </a:spcBef>
-              <a:buFont typeface="Arial" panose="020B0604020202020204" pitchFamily="34" charset="0"/>
-              <a:buChar char="•"/>
-              <a:defRPr sz="1800" kern="1200">
-                <a:solidFill>
-                  <a:schemeClr val="tx1"/>
-                </a:solidFill>
-                <a:latin typeface="+mn-lt"/>
-                <a:ea typeface="+mn-ea"/>
-                <a:cs typeface="+mn-cs"/>
-              </a:defRPr>
-            </a:lvl8pPr>
-            <a:lvl9pPr marL="3886200" indent="-228600" algn="l" defTabSz="914400" rtl="0" eaLnBrk="1" latinLnBrk="0" hangingPunct="1">
-              <a:lnSpc>
-                <a:spcPct val="90000"/>
-              </a:lnSpc>
-              <a:spcBef>
-                <a:spcPts val="500"/>
-              </a:spcBef>
-              <a:buFont typeface="Arial" panose="020B0604020202020204" pitchFamily="34" charset="0"/>
-              <a:buChar char="•"/>
-              <a:defRPr sz="1800" kern="1200">
-                <a:solidFill>
-                  <a:schemeClr val="tx1"/>
-                </a:solidFill>
-                <a:latin typeface="+mn-lt"/>
-                <a:ea typeface="+mn-ea"/>
-                <a:cs typeface="+mn-cs"/>
-              </a:defRPr>
-            </a:lvl9pPr>
-          </a:lstStyle>
-          <a:p>
-            <a:pPr marL="0" indent="0">
-              <a:buNone/>
-            </a:pPr>
-            <a:r>
-              <a:rPr lang="pt-BR" sz="2000" dirty="0">
-                <a:solidFill>
-                  <a:schemeClr val="accent1"/>
-                </a:solidFill>
-                <a:latin typeface="Arial" panose="020B0604020202020204" pitchFamily="34" charset="0"/>
-                <a:cs typeface="Arial" panose="020B0604020202020204" pitchFamily="34" charset="0"/>
-              </a:rPr>
-              <a:t>80% treinamento, 20% validação</a:t>
-            </a:r>
-          </a:p>
-          <a:p>
-            <a:pPr marL="0" indent="0">
-              <a:buNone/>
-            </a:pPr>
-            <a:endParaRPr lang="pt-BR" sz="2000" dirty="0">
-              <a:solidFill>
-                <a:schemeClr val="accent1"/>
-              </a:solidFill>
-              <a:latin typeface="Arial" panose="020B0604020202020204" pitchFamily="34" charset="0"/>
-              <a:cs typeface="Arial" panose="020B0604020202020204" pitchFamily="34" charset="0"/>
-            </a:endParaRPr>
-          </a:p>
-          <a:p>
-            <a:pPr marL="0" indent="0">
-              <a:buNone/>
-            </a:pPr>
-            <a:r>
-              <a:rPr lang="pt-BR" sz="2000" dirty="0">
-                <a:solidFill>
-                  <a:schemeClr val="accent1"/>
-                </a:solidFill>
-                <a:latin typeface="Arial" panose="020B0604020202020204" pitchFamily="34" charset="0"/>
-                <a:cs typeface="Arial" panose="020B0604020202020204" pitchFamily="34" charset="0"/>
-              </a:rPr>
-              <a:t>	</a:t>
-            </a:r>
-            <a:r>
-              <a:rPr lang="pt-BR" sz="2000" dirty="0" err="1">
-                <a:solidFill>
-                  <a:schemeClr val="accent1"/>
-                </a:solidFill>
-                <a:latin typeface="Arial" panose="020B0604020202020204" pitchFamily="34" charset="0"/>
-                <a:cs typeface="Arial" panose="020B0604020202020204" pitchFamily="34" charset="0"/>
-              </a:rPr>
-              <a:t>seed</a:t>
-            </a:r>
-            <a:r>
-              <a:rPr lang="pt-BR" sz="2000" dirty="0">
-                <a:solidFill>
-                  <a:schemeClr val="accent1"/>
-                </a:solidFill>
-                <a:latin typeface="Arial" panose="020B0604020202020204" pitchFamily="34" charset="0"/>
-                <a:cs typeface="Arial" panose="020B0604020202020204" pitchFamily="34" charset="0"/>
-              </a:rPr>
-              <a:t> 42:   </a:t>
-            </a:r>
-            <a:r>
-              <a:rPr lang="pt-BR" sz="2000" dirty="0">
-                <a:solidFill>
-                  <a:srgbClr val="FF0000"/>
-                </a:solidFill>
-                <a:latin typeface="Arial" panose="020B0604020202020204" pitchFamily="34" charset="0"/>
-                <a:cs typeface="Arial" panose="020B0604020202020204" pitchFamily="34" charset="0"/>
-              </a:rPr>
-              <a:t>0.5852</a:t>
-            </a:r>
-            <a:r>
-              <a:rPr lang="pt-BR" sz="2000" dirty="0">
-                <a:solidFill>
-                  <a:schemeClr val="accent1"/>
-                </a:solidFill>
-                <a:latin typeface="Arial" panose="020B0604020202020204" pitchFamily="34" charset="0"/>
-                <a:cs typeface="Arial" panose="020B0604020202020204" pitchFamily="34" charset="0"/>
-              </a:rPr>
-              <a:t>/X</a:t>
-            </a:r>
-          </a:p>
-          <a:p>
-            <a:pPr marL="0" indent="0">
-              <a:buNone/>
-            </a:pPr>
-            <a:r>
-              <a:rPr lang="pt-BR" sz="2000" dirty="0">
-                <a:solidFill>
-                  <a:schemeClr val="accent1"/>
-                </a:solidFill>
-                <a:latin typeface="Arial" panose="020B0604020202020204" pitchFamily="34" charset="0"/>
-                <a:cs typeface="Arial" panose="020B0604020202020204" pitchFamily="34" charset="0"/>
-              </a:rPr>
-              <a:t>	</a:t>
-            </a:r>
-            <a:r>
-              <a:rPr lang="pt-BR" sz="2000" dirty="0" err="1">
-                <a:solidFill>
-                  <a:schemeClr val="accent1"/>
-                </a:solidFill>
-                <a:latin typeface="Arial" panose="020B0604020202020204" pitchFamily="34" charset="0"/>
-                <a:cs typeface="Arial" panose="020B0604020202020204" pitchFamily="34" charset="0"/>
-              </a:rPr>
-              <a:t>seed</a:t>
-            </a:r>
-            <a:r>
-              <a:rPr lang="pt-BR" sz="2000" dirty="0">
-                <a:solidFill>
-                  <a:schemeClr val="accent1"/>
-                </a:solidFill>
-                <a:latin typeface="Arial" panose="020B0604020202020204" pitchFamily="34" charset="0"/>
-                <a:cs typeface="Arial" panose="020B0604020202020204" pitchFamily="34" charset="0"/>
-              </a:rPr>
-              <a:t> 123: </a:t>
-            </a:r>
-            <a:r>
-              <a:rPr lang="pt-BR" sz="2000" dirty="0">
-                <a:solidFill>
-                  <a:srgbClr val="FF0000"/>
-                </a:solidFill>
-                <a:latin typeface="Arial" panose="020B0604020202020204" pitchFamily="34" charset="0"/>
-                <a:cs typeface="Arial" panose="020B0604020202020204" pitchFamily="34" charset="0"/>
-              </a:rPr>
-              <a:t>0.6198</a:t>
-            </a:r>
-            <a:r>
-              <a:rPr lang="pt-BR" sz="2000" dirty="0">
-                <a:solidFill>
-                  <a:schemeClr val="accent1"/>
-                </a:solidFill>
-                <a:latin typeface="Arial" panose="020B0604020202020204" pitchFamily="34" charset="0"/>
-                <a:cs typeface="Arial" panose="020B0604020202020204" pitchFamily="34" charset="0"/>
-              </a:rPr>
-              <a:t>/0.6212</a:t>
-            </a:r>
-          </a:p>
-        </p:txBody>
-      </p:sp>
-      <p:sp>
-        <p:nvSpPr>
-          <p:cNvPr id="13" name="Espaço Reservado para Conteúdo 3">
-            <a:extLst>
-              <a:ext uri="{FF2B5EF4-FFF2-40B4-BE49-F238E27FC236}">
-                <a16:creationId xmlns:a16="http://schemas.microsoft.com/office/drawing/2014/main" id="{B14E6F09-79FE-FD3B-0663-B3685D3E67FA}"/>
-              </a:ext>
-            </a:extLst>
-          </p:cNvPr>
-          <p:cNvSpPr txBox="1">
-            <a:spLocks/>
-          </p:cNvSpPr>
-          <p:nvPr/>
-        </p:nvSpPr>
-        <p:spPr>
-          <a:xfrm>
-            <a:off x="641757" y="4517444"/>
-            <a:ext cx="4840448" cy="1683365"/>
-          </a:xfrm>
-          <a:prstGeom prst="rect">
-            <a:avLst/>
-          </a:prstGeom>
-        </p:spPr>
-        <p:txBody>
-          <a:bodyPr rtlCol="0">
-            <a:normAutofit/>
-          </a:bodyPr>
-          <a:lstStyle>
-            <a:lvl1pPr marL="228600" indent="-228600" algn="l" defTabSz="914400" rtl="0" eaLnBrk="1" latinLnBrk="0" hangingPunct="1">
-              <a:lnSpc>
-                <a:spcPct val="90000"/>
-              </a:lnSpc>
-              <a:spcBef>
-                <a:spcPts val="1000"/>
-              </a:spcBef>
-              <a:buFont typeface="Arial" panose="020B0604020202020204" pitchFamily="34" charset="0"/>
-              <a:buChar char="•"/>
-              <a:defRPr sz="2800" kern="1200">
-                <a:solidFill>
-                  <a:schemeClr val="tx1"/>
-                </a:solidFill>
-                <a:latin typeface="+mn-lt"/>
-                <a:ea typeface="+mn-ea"/>
-                <a:cs typeface="+mn-cs"/>
-              </a:defRPr>
-            </a:lvl1pPr>
-            <a:lvl2pPr marL="685800" indent="-228600" algn="l" defTabSz="914400" rtl="0" eaLnBrk="1" latinLnBrk="0" hangingPunct="1">
-              <a:lnSpc>
-                <a:spcPct val="90000"/>
-              </a:lnSpc>
-              <a:spcBef>
-                <a:spcPts val="500"/>
-              </a:spcBef>
-              <a:buFont typeface="Arial" panose="020B0604020202020204" pitchFamily="34" charset="0"/>
-              <a:buChar char="•"/>
-              <a:defRPr sz="2400" kern="1200">
-                <a:solidFill>
-                  <a:schemeClr val="tx1"/>
-                </a:solidFill>
-                <a:latin typeface="+mn-lt"/>
-                <a:ea typeface="+mn-ea"/>
-                <a:cs typeface="+mn-cs"/>
-              </a:defRPr>
-            </a:lvl2pPr>
-            <a:lvl3pPr marL="1143000" indent="-228600" algn="l" defTabSz="914400" rtl="0" eaLnBrk="1" latinLnBrk="0" hangingPunct="1">
-              <a:lnSpc>
-                <a:spcPct val="90000"/>
-              </a:lnSpc>
-              <a:spcBef>
-                <a:spcPts val="500"/>
-              </a:spcBef>
-              <a:buFont typeface="Arial" panose="020B0604020202020204" pitchFamily="34" charset="0"/>
-              <a:buChar char="•"/>
-              <a:defRPr sz="2000" kern="1200">
-                <a:solidFill>
-                  <a:schemeClr val="tx1"/>
-                </a:solidFill>
-                <a:latin typeface="+mn-lt"/>
-                <a:ea typeface="+mn-ea"/>
-                <a:cs typeface="+mn-cs"/>
-              </a:defRPr>
-            </a:lvl3pPr>
-            <a:lvl4pPr marL="1600200" indent="-228600" algn="l" defTabSz="914400" rtl="0" eaLnBrk="1" latinLnBrk="0" hangingPunct="1">
-              <a:lnSpc>
-                <a:spcPct val="90000"/>
-              </a:lnSpc>
-              <a:spcBef>
-                <a:spcPts val="500"/>
-              </a:spcBef>
-              <a:buFont typeface="Arial" panose="020B0604020202020204" pitchFamily="34" charset="0"/>
-              <a:buChar char="•"/>
-              <a:defRPr sz="1800" kern="1200">
-                <a:solidFill>
-                  <a:schemeClr val="tx1"/>
-                </a:solidFill>
-                <a:latin typeface="+mn-lt"/>
-                <a:ea typeface="+mn-ea"/>
-                <a:cs typeface="+mn-cs"/>
-              </a:defRPr>
-            </a:lvl4pPr>
-            <a:lvl5pPr marL="2057400" indent="-228600" algn="l" defTabSz="914400" rtl="0" eaLnBrk="1" latinLnBrk="0" hangingPunct="1">
-              <a:lnSpc>
-                <a:spcPct val="90000"/>
-              </a:lnSpc>
-              <a:spcBef>
-                <a:spcPts val="500"/>
-              </a:spcBef>
-              <a:buFont typeface="Arial" panose="020B0604020202020204" pitchFamily="34" charset="0"/>
-              <a:buChar char="•"/>
-              <a:defRPr sz="1800" kern="1200">
-                <a:solidFill>
-                  <a:schemeClr val="tx1"/>
-                </a:solidFill>
-                <a:latin typeface="+mn-lt"/>
-                <a:ea typeface="+mn-ea"/>
-                <a:cs typeface="+mn-cs"/>
-              </a:defRPr>
-            </a:lvl5pPr>
-            <a:lvl6pPr marL="2514600" indent="-228600" algn="l" defTabSz="914400" rtl="0" eaLnBrk="1" latinLnBrk="0" hangingPunct="1">
-              <a:lnSpc>
-                <a:spcPct val="90000"/>
-              </a:lnSpc>
-              <a:spcBef>
-                <a:spcPts val="500"/>
-              </a:spcBef>
-              <a:buFont typeface="Arial" panose="020B0604020202020204" pitchFamily="34" charset="0"/>
-              <a:buChar char="•"/>
-              <a:defRPr sz="1800" kern="1200">
-                <a:solidFill>
-                  <a:schemeClr val="tx1"/>
-                </a:solidFill>
-                <a:latin typeface="+mn-lt"/>
-                <a:ea typeface="+mn-ea"/>
-                <a:cs typeface="+mn-cs"/>
-              </a:defRPr>
-            </a:lvl6pPr>
-            <a:lvl7pPr marL="2971800" indent="-228600" algn="l" defTabSz="914400" rtl="0" eaLnBrk="1" latinLnBrk="0" hangingPunct="1">
-              <a:lnSpc>
-                <a:spcPct val="90000"/>
-              </a:lnSpc>
-              <a:spcBef>
-                <a:spcPts val="500"/>
-              </a:spcBef>
-              <a:buFont typeface="Arial" panose="020B0604020202020204" pitchFamily="34" charset="0"/>
-              <a:buChar char="•"/>
-              <a:defRPr sz="1800" kern="1200">
-                <a:solidFill>
-                  <a:schemeClr val="tx1"/>
-                </a:solidFill>
-                <a:latin typeface="+mn-lt"/>
-                <a:ea typeface="+mn-ea"/>
-                <a:cs typeface="+mn-cs"/>
-              </a:defRPr>
-            </a:lvl7pPr>
-            <a:lvl8pPr marL="3429000" indent="-228600" algn="l" defTabSz="914400" rtl="0" eaLnBrk="1" latinLnBrk="0" hangingPunct="1">
-              <a:lnSpc>
-                <a:spcPct val="90000"/>
-              </a:lnSpc>
-              <a:spcBef>
-                <a:spcPts val="500"/>
-              </a:spcBef>
-              <a:buFont typeface="Arial" panose="020B0604020202020204" pitchFamily="34" charset="0"/>
-              <a:buChar char="•"/>
-              <a:defRPr sz="1800" kern="1200">
-                <a:solidFill>
-                  <a:schemeClr val="tx1"/>
-                </a:solidFill>
-                <a:latin typeface="+mn-lt"/>
-                <a:ea typeface="+mn-ea"/>
-                <a:cs typeface="+mn-cs"/>
-              </a:defRPr>
-            </a:lvl8pPr>
-            <a:lvl9pPr marL="3886200" indent="-228600" algn="l" defTabSz="914400" rtl="0" eaLnBrk="1" latinLnBrk="0" hangingPunct="1">
-              <a:lnSpc>
-                <a:spcPct val="90000"/>
-              </a:lnSpc>
-              <a:spcBef>
-                <a:spcPts val="500"/>
-              </a:spcBef>
-              <a:buFont typeface="Arial" panose="020B0604020202020204" pitchFamily="34" charset="0"/>
-              <a:buChar char="•"/>
-              <a:defRPr sz="1800" kern="1200">
-                <a:solidFill>
-                  <a:schemeClr val="tx1"/>
-                </a:solidFill>
-                <a:latin typeface="+mn-lt"/>
-                <a:ea typeface="+mn-ea"/>
-                <a:cs typeface="+mn-cs"/>
-              </a:defRPr>
-            </a:lvl9pPr>
-          </a:lstStyle>
-          <a:p>
-            <a:pPr marL="0" indent="0">
-              <a:buNone/>
-            </a:pPr>
-            <a:r>
-              <a:rPr lang="pt-BR" sz="2000" dirty="0">
-                <a:solidFill>
-                  <a:schemeClr val="accent1"/>
-                </a:solidFill>
-                <a:latin typeface="Arial" panose="020B0604020202020204" pitchFamily="34" charset="0"/>
-                <a:cs typeface="Arial" panose="020B0604020202020204" pitchFamily="34" charset="0"/>
-              </a:rPr>
-              <a:t>70% treinamento, 30% validação</a:t>
-            </a:r>
-          </a:p>
-          <a:p>
-            <a:pPr marL="0" indent="0">
-              <a:buNone/>
-            </a:pPr>
-            <a:endParaRPr lang="pt-BR" sz="2000" dirty="0">
-              <a:solidFill>
-                <a:schemeClr val="accent1"/>
-              </a:solidFill>
-              <a:latin typeface="Arial" panose="020B0604020202020204" pitchFamily="34" charset="0"/>
-              <a:cs typeface="Arial" panose="020B0604020202020204" pitchFamily="34" charset="0"/>
-            </a:endParaRPr>
-          </a:p>
-          <a:p>
-            <a:pPr marL="0" indent="0">
-              <a:buNone/>
-            </a:pPr>
-            <a:r>
-              <a:rPr lang="pt-BR" sz="2000" dirty="0">
-                <a:solidFill>
-                  <a:schemeClr val="accent1"/>
-                </a:solidFill>
-                <a:latin typeface="Arial" panose="020B0604020202020204" pitchFamily="34" charset="0"/>
-                <a:cs typeface="Arial" panose="020B0604020202020204" pitchFamily="34" charset="0"/>
-              </a:rPr>
-              <a:t>	</a:t>
-            </a:r>
-            <a:r>
-              <a:rPr lang="pt-BR" sz="2000" dirty="0" err="1">
-                <a:solidFill>
-                  <a:schemeClr val="accent1"/>
-                </a:solidFill>
-                <a:latin typeface="Arial" panose="020B0604020202020204" pitchFamily="34" charset="0"/>
-                <a:cs typeface="Arial" panose="020B0604020202020204" pitchFamily="34" charset="0"/>
-              </a:rPr>
-              <a:t>seed</a:t>
-            </a:r>
-            <a:r>
-              <a:rPr lang="pt-BR" sz="2000" dirty="0">
-                <a:solidFill>
-                  <a:schemeClr val="accent1"/>
-                </a:solidFill>
-                <a:latin typeface="Arial" panose="020B0604020202020204" pitchFamily="34" charset="0"/>
-                <a:cs typeface="Arial" panose="020B0604020202020204" pitchFamily="34" charset="0"/>
-              </a:rPr>
-              <a:t> 42:   0.5849/X</a:t>
-            </a:r>
-          </a:p>
-          <a:p>
-            <a:pPr marL="0" indent="0">
-              <a:buNone/>
-            </a:pPr>
-            <a:r>
-              <a:rPr lang="pt-BR" sz="2000" dirty="0">
-                <a:solidFill>
-                  <a:schemeClr val="accent1"/>
-                </a:solidFill>
-                <a:latin typeface="Arial" panose="020B0604020202020204" pitchFamily="34" charset="0"/>
-                <a:cs typeface="Arial" panose="020B0604020202020204" pitchFamily="34" charset="0"/>
-              </a:rPr>
-              <a:t>	</a:t>
-            </a:r>
-            <a:r>
-              <a:rPr lang="pt-BR" sz="2000" dirty="0" err="1">
-                <a:solidFill>
-                  <a:schemeClr val="accent1"/>
-                </a:solidFill>
-                <a:latin typeface="Arial" panose="020B0604020202020204" pitchFamily="34" charset="0"/>
-                <a:cs typeface="Arial" panose="020B0604020202020204" pitchFamily="34" charset="0"/>
-              </a:rPr>
-              <a:t>seed</a:t>
-            </a:r>
-            <a:r>
-              <a:rPr lang="pt-BR" sz="2000" dirty="0">
-                <a:solidFill>
-                  <a:schemeClr val="accent1"/>
-                </a:solidFill>
-                <a:latin typeface="Arial" panose="020B0604020202020204" pitchFamily="34" charset="0"/>
-                <a:cs typeface="Arial" panose="020B0604020202020204" pitchFamily="34" charset="0"/>
-              </a:rPr>
-              <a:t> 123: 0.5919/X</a:t>
-            </a:r>
-          </a:p>
-        </p:txBody>
-      </p:sp>
-      <p:sp>
-        <p:nvSpPr>
-          <p:cNvPr id="14" name="Espaço Reservado para Conteúdo 3">
-            <a:extLst>
-              <a:ext uri="{FF2B5EF4-FFF2-40B4-BE49-F238E27FC236}">
-                <a16:creationId xmlns:a16="http://schemas.microsoft.com/office/drawing/2014/main" id="{6BE6A109-BF8A-DBD1-684B-E704F3F9552D}"/>
-              </a:ext>
-            </a:extLst>
-          </p:cNvPr>
-          <p:cNvSpPr txBox="1">
-            <a:spLocks/>
-          </p:cNvSpPr>
-          <p:nvPr/>
-        </p:nvSpPr>
-        <p:spPr>
-          <a:xfrm>
-            <a:off x="6599339" y="4530681"/>
-            <a:ext cx="4840448" cy="1812495"/>
-          </a:xfrm>
-          <a:prstGeom prst="rect">
-            <a:avLst/>
-          </a:prstGeom>
-        </p:spPr>
-        <p:txBody>
-          <a:bodyPr rtlCol="0">
-            <a:normAutofit/>
-          </a:bodyPr>
-          <a:lstStyle>
-            <a:lvl1pPr marL="228600" indent="-228600" algn="l" defTabSz="914400" rtl="0" eaLnBrk="1" latinLnBrk="0" hangingPunct="1">
-              <a:lnSpc>
-                <a:spcPct val="90000"/>
-              </a:lnSpc>
-              <a:spcBef>
-                <a:spcPts val="1000"/>
-              </a:spcBef>
-              <a:buFont typeface="Arial" panose="020B0604020202020204" pitchFamily="34" charset="0"/>
-              <a:buChar char="•"/>
-              <a:defRPr sz="2800" kern="1200">
-                <a:solidFill>
-                  <a:schemeClr val="tx1"/>
-                </a:solidFill>
-                <a:latin typeface="+mn-lt"/>
-                <a:ea typeface="+mn-ea"/>
-                <a:cs typeface="+mn-cs"/>
-              </a:defRPr>
-            </a:lvl1pPr>
-            <a:lvl2pPr marL="685800" indent="-228600" algn="l" defTabSz="914400" rtl="0" eaLnBrk="1" latinLnBrk="0" hangingPunct="1">
-              <a:lnSpc>
-                <a:spcPct val="90000"/>
-              </a:lnSpc>
-              <a:spcBef>
-                <a:spcPts val="500"/>
-              </a:spcBef>
-              <a:buFont typeface="Arial" panose="020B0604020202020204" pitchFamily="34" charset="0"/>
-              <a:buChar char="•"/>
-              <a:defRPr sz="2400" kern="1200">
-                <a:solidFill>
-                  <a:schemeClr val="tx1"/>
-                </a:solidFill>
-                <a:latin typeface="+mn-lt"/>
-                <a:ea typeface="+mn-ea"/>
-                <a:cs typeface="+mn-cs"/>
-              </a:defRPr>
-            </a:lvl2pPr>
-            <a:lvl3pPr marL="1143000" indent="-228600" algn="l" defTabSz="914400" rtl="0" eaLnBrk="1" latinLnBrk="0" hangingPunct="1">
-              <a:lnSpc>
-                <a:spcPct val="90000"/>
-              </a:lnSpc>
-              <a:spcBef>
-                <a:spcPts val="500"/>
-              </a:spcBef>
-              <a:buFont typeface="Arial" panose="020B0604020202020204" pitchFamily="34" charset="0"/>
-              <a:buChar char="•"/>
-              <a:defRPr sz="2000" kern="1200">
-                <a:solidFill>
-                  <a:schemeClr val="tx1"/>
-                </a:solidFill>
-                <a:latin typeface="+mn-lt"/>
-                <a:ea typeface="+mn-ea"/>
-                <a:cs typeface="+mn-cs"/>
-              </a:defRPr>
-            </a:lvl3pPr>
-            <a:lvl4pPr marL="1600200" indent="-228600" algn="l" defTabSz="914400" rtl="0" eaLnBrk="1" latinLnBrk="0" hangingPunct="1">
-              <a:lnSpc>
-                <a:spcPct val="90000"/>
-              </a:lnSpc>
-              <a:spcBef>
-                <a:spcPts val="500"/>
-              </a:spcBef>
-              <a:buFont typeface="Arial" panose="020B0604020202020204" pitchFamily="34" charset="0"/>
-              <a:buChar char="•"/>
-              <a:defRPr sz="1800" kern="1200">
-                <a:solidFill>
-                  <a:schemeClr val="tx1"/>
-                </a:solidFill>
-                <a:latin typeface="+mn-lt"/>
-                <a:ea typeface="+mn-ea"/>
-                <a:cs typeface="+mn-cs"/>
-              </a:defRPr>
-            </a:lvl4pPr>
-            <a:lvl5pPr marL="2057400" indent="-228600" algn="l" defTabSz="914400" rtl="0" eaLnBrk="1" latinLnBrk="0" hangingPunct="1">
-              <a:lnSpc>
-                <a:spcPct val="90000"/>
-              </a:lnSpc>
-              <a:spcBef>
-                <a:spcPts val="500"/>
-              </a:spcBef>
-              <a:buFont typeface="Arial" panose="020B0604020202020204" pitchFamily="34" charset="0"/>
-              <a:buChar char="•"/>
-              <a:defRPr sz="1800" kern="1200">
-                <a:solidFill>
-                  <a:schemeClr val="tx1"/>
-                </a:solidFill>
-                <a:latin typeface="+mn-lt"/>
-                <a:ea typeface="+mn-ea"/>
-                <a:cs typeface="+mn-cs"/>
-              </a:defRPr>
-            </a:lvl5pPr>
-            <a:lvl6pPr marL="2514600" indent="-228600" algn="l" defTabSz="914400" rtl="0" eaLnBrk="1" latinLnBrk="0" hangingPunct="1">
-              <a:lnSpc>
-                <a:spcPct val="90000"/>
-              </a:lnSpc>
-              <a:spcBef>
-                <a:spcPts val="500"/>
-              </a:spcBef>
-              <a:buFont typeface="Arial" panose="020B0604020202020204" pitchFamily="34" charset="0"/>
-              <a:buChar char="•"/>
-              <a:defRPr sz="1800" kern="1200">
-                <a:solidFill>
-                  <a:schemeClr val="tx1"/>
-                </a:solidFill>
-                <a:latin typeface="+mn-lt"/>
-                <a:ea typeface="+mn-ea"/>
-                <a:cs typeface="+mn-cs"/>
-              </a:defRPr>
-            </a:lvl6pPr>
-            <a:lvl7pPr marL="2971800" indent="-228600" algn="l" defTabSz="914400" rtl="0" eaLnBrk="1" latinLnBrk="0" hangingPunct="1">
-              <a:lnSpc>
-                <a:spcPct val="90000"/>
-              </a:lnSpc>
-              <a:spcBef>
-                <a:spcPts val="500"/>
-              </a:spcBef>
-              <a:buFont typeface="Arial" panose="020B0604020202020204" pitchFamily="34" charset="0"/>
-              <a:buChar char="•"/>
-              <a:defRPr sz="1800" kern="1200">
-                <a:solidFill>
-                  <a:schemeClr val="tx1"/>
-                </a:solidFill>
-                <a:latin typeface="+mn-lt"/>
-                <a:ea typeface="+mn-ea"/>
-                <a:cs typeface="+mn-cs"/>
-              </a:defRPr>
-            </a:lvl7pPr>
-            <a:lvl8pPr marL="3429000" indent="-228600" algn="l" defTabSz="914400" rtl="0" eaLnBrk="1" latinLnBrk="0" hangingPunct="1">
-              <a:lnSpc>
-                <a:spcPct val="90000"/>
-              </a:lnSpc>
-              <a:spcBef>
-                <a:spcPts val="500"/>
-              </a:spcBef>
-              <a:buFont typeface="Arial" panose="020B0604020202020204" pitchFamily="34" charset="0"/>
-              <a:buChar char="•"/>
-              <a:defRPr sz="1800" kern="1200">
-                <a:solidFill>
-                  <a:schemeClr val="tx1"/>
-                </a:solidFill>
-                <a:latin typeface="+mn-lt"/>
-                <a:ea typeface="+mn-ea"/>
-                <a:cs typeface="+mn-cs"/>
-              </a:defRPr>
-            </a:lvl8pPr>
-            <a:lvl9pPr marL="3886200" indent="-228600" algn="l" defTabSz="914400" rtl="0" eaLnBrk="1" latinLnBrk="0" hangingPunct="1">
-              <a:lnSpc>
-                <a:spcPct val="90000"/>
-              </a:lnSpc>
-              <a:spcBef>
-                <a:spcPts val="500"/>
-              </a:spcBef>
-              <a:buFont typeface="Arial" panose="020B0604020202020204" pitchFamily="34" charset="0"/>
-              <a:buChar char="•"/>
-              <a:defRPr sz="1800" kern="1200">
-                <a:solidFill>
-                  <a:schemeClr val="tx1"/>
-                </a:solidFill>
-                <a:latin typeface="+mn-lt"/>
-                <a:ea typeface="+mn-ea"/>
-                <a:cs typeface="+mn-cs"/>
-              </a:defRPr>
-            </a:lvl9pPr>
-          </a:lstStyle>
-          <a:p>
-            <a:pPr marL="0" indent="0">
-              <a:buNone/>
-            </a:pPr>
-            <a:r>
-              <a:rPr lang="pt-BR" sz="2000" dirty="0">
-                <a:solidFill>
-                  <a:schemeClr val="accent1"/>
-                </a:solidFill>
-                <a:latin typeface="Arial" panose="020B0604020202020204" pitchFamily="34" charset="0"/>
-                <a:cs typeface="Arial" panose="020B0604020202020204" pitchFamily="34" charset="0"/>
-              </a:rPr>
-              <a:t>70% treinamento, 30% validação</a:t>
-            </a:r>
-          </a:p>
-          <a:p>
-            <a:pPr marL="0" indent="0">
-              <a:buNone/>
-            </a:pPr>
-            <a:endParaRPr lang="pt-BR" sz="2000" dirty="0">
-              <a:solidFill>
-                <a:schemeClr val="accent1"/>
-              </a:solidFill>
-              <a:latin typeface="Arial" panose="020B0604020202020204" pitchFamily="34" charset="0"/>
-              <a:cs typeface="Arial" panose="020B0604020202020204" pitchFamily="34" charset="0"/>
-            </a:endParaRPr>
-          </a:p>
-          <a:p>
-            <a:pPr marL="0" indent="0">
-              <a:buNone/>
-            </a:pPr>
-            <a:r>
-              <a:rPr lang="pt-BR" sz="2000" dirty="0">
-                <a:solidFill>
-                  <a:schemeClr val="accent1"/>
-                </a:solidFill>
-                <a:latin typeface="Arial" panose="020B0604020202020204" pitchFamily="34" charset="0"/>
-                <a:cs typeface="Arial" panose="020B0604020202020204" pitchFamily="34" charset="0"/>
-              </a:rPr>
-              <a:t>	</a:t>
-            </a:r>
-            <a:r>
-              <a:rPr lang="pt-BR" sz="2000" dirty="0" err="1">
-                <a:solidFill>
-                  <a:schemeClr val="accent1"/>
-                </a:solidFill>
-                <a:latin typeface="Arial" panose="020B0604020202020204" pitchFamily="34" charset="0"/>
-                <a:cs typeface="Arial" panose="020B0604020202020204" pitchFamily="34" charset="0"/>
-              </a:rPr>
-              <a:t>seed</a:t>
-            </a:r>
-            <a:r>
-              <a:rPr lang="pt-BR" sz="2000" dirty="0">
-                <a:solidFill>
-                  <a:schemeClr val="accent1"/>
-                </a:solidFill>
-                <a:latin typeface="Arial" panose="020B0604020202020204" pitchFamily="34" charset="0"/>
-                <a:cs typeface="Arial" panose="020B0604020202020204" pitchFamily="34" charset="0"/>
-              </a:rPr>
-              <a:t> 42:   </a:t>
-            </a:r>
-            <a:r>
-              <a:rPr lang="pt-BR" sz="2000" dirty="0">
-                <a:solidFill>
-                  <a:srgbClr val="FF0000"/>
-                </a:solidFill>
-                <a:latin typeface="Arial" panose="020B0604020202020204" pitchFamily="34" charset="0"/>
-                <a:cs typeface="Arial" panose="020B0604020202020204" pitchFamily="34" charset="0"/>
-              </a:rPr>
-              <a:t>0.5474</a:t>
-            </a:r>
-            <a:r>
-              <a:rPr lang="pt-BR" sz="2000" dirty="0">
-                <a:solidFill>
-                  <a:schemeClr val="accent1"/>
-                </a:solidFill>
-                <a:latin typeface="Arial" panose="020B0604020202020204" pitchFamily="34" charset="0"/>
-                <a:cs typeface="Arial" panose="020B0604020202020204" pitchFamily="34" charset="0"/>
-              </a:rPr>
-              <a:t>/X</a:t>
-            </a:r>
-          </a:p>
-          <a:p>
-            <a:pPr marL="0" indent="0">
-              <a:buNone/>
-            </a:pPr>
-            <a:r>
-              <a:rPr lang="pt-BR" sz="2000" dirty="0">
-                <a:solidFill>
-                  <a:schemeClr val="accent1"/>
-                </a:solidFill>
-                <a:latin typeface="Arial" panose="020B0604020202020204" pitchFamily="34" charset="0"/>
-                <a:cs typeface="Arial" panose="020B0604020202020204" pitchFamily="34" charset="0"/>
-              </a:rPr>
-              <a:t>	</a:t>
-            </a:r>
-            <a:r>
-              <a:rPr lang="pt-BR" sz="2000" dirty="0" err="1">
-                <a:solidFill>
-                  <a:schemeClr val="accent1"/>
-                </a:solidFill>
-                <a:latin typeface="Arial" panose="020B0604020202020204" pitchFamily="34" charset="0"/>
-                <a:cs typeface="Arial" panose="020B0604020202020204" pitchFamily="34" charset="0"/>
-              </a:rPr>
-              <a:t>seed</a:t>
-            </a:r>
-            <a:r>
-              <a:rPr lang="pt-BR" sz="2000" dirty="0">
-                <a:solidFill>
-                  <a:schemeClr val="accent1"/>
-                </a:solidFill>
-                <a:latin typeface="Arial" panose="020B0604020202020204" pitchFamily="34" charset="0"/>
-                <a:cs typeface="Arial" panose="020B0604020202020204" pitchFamily="34" charset="0"/>
-              </a:rPr>
-              <a:t> 123: </a:t>
-            </a:r>
-            <a:r>
-              <a:rPr lang="pt-BR" sz="2000" dirty="0">
-                <a:solidFill>
-                  <a:srgbClr val="FF0000"/>
-                </a:solidFill>
-                <a:latin typeface="Arial" panose="020B0604020202020204" pitchFamily="34" charset="0"/>
-                <a:cs typeface="Arial" panose="020B0604020202020204" pitchFamily="34" charset="0"/>
-              </a:rPr>
-              <a:t>0.5981</a:t>
-            </a:r>
-            <a:r>
-              <a:rPr lang="pt-BR" sz="2000" dirty="0">
-                <a:solidFill>
-                  <a:schemeClr val="accent1"/>
-                </a:solidFill>
-                <a:latin typeface="Arial" panose="020B0604020202020204" pitchFamily="34" charset="0"/>
-                <a:cs typeface="Arial" panose="020B0604020202020204" pitchFamily="34" charset="0"/>
-              </a:rPr>
-              <a:t>/X</a:t>
-            </a:r>
-          </a:p>
-        </p:txBody>
-      </p:sp>
-      <p:sp>
-        <p:nvSpPr>
-          <p:cNvPr id="15" name="Retângulo 14">
-            <a:extLst>
-              <a:ext uri="{FF2B5EF4-FFF2-40B4-BE49-F238E27FC236}">
-                <a16:creationId xmlns:a16="http://schemas.microsoft.com/office/drawing/2014/main" id="{5549732A-DCA6-D8E8-C205-5A9A69C566B3}"/>
-              </a:ext>
-            </a:extLst>
-          </p:cNvPr>
-          <p:cNvSpPr/>
-          <p:nvPr/>
-        </p:nvSpPr>
-        <p:spPr>
-          <a:xfrm>
-            <a:off x="360727" y="6303769"/>
-            <a:ext cx="10519794" cy="417705"/>
-          </a:xfrm>
-          <a:prstGeom prst="rect">
-            <a:avLst/>
-          </a:prstGeom>
-          <a:solidFill>
-            <a:schemeClr val="accent1"/>
-          </a:solidFill>
-        </p:spPr>
-        <p:style>
-          <a:lnRef idx="2">
-            <a:schemeClr val="accent1">
-              <a:shade val="50000"/>
-            </a:schemeClr>
-          </a:lnRef>
-          <a:fillRef idx="1">
-            <a:schemeClr val="accent1"/>
-          </a:fillRef>
-          <a:effectRef idx="0">
-            <a:schemeClr val="accent1"/>
-          </a:effectRef>
-          <a:fontRef idx="minor">
-            <a:schemeClr val="lt1"/>
-          </a:fontRef>
-        </p:style>
-        <p:txBody>
-          <a:bodyPr rtlCol="0" anchor="ctr"/>
-          <a:lstStyle/>
-          <a:p>
-            <a:pPr algn="ctr"/>
-            <a:r>
-              <a:rPr lang="pt-BR" dirty="0"/>
-              <a:t>Para essa quantidade de dados, eu não esperava que a </a:t>
-            </a:r>
-            <a:r>
-              <a:rPr lang="pt-BR" dirty="0" err="1"/>
-              <a:t>seed</a:t>
-            </a:r>
-            <a:r>
-              <a:rPr lang="pt-BR" dirty="0"/>
-              <a:t> tivesse um efeito tão grande no nDCG@10</a:t>
+              <a:t>Apesar de ter ficado numa posição relativamente alta do ranking, o score é compatível com as últimas posições</a:t>
             </a:r>
           </a:p>
         </p:txBody>
       </p:sp>
       <p:cxnSp>
         <p:nvCxnSpPr>
-          <p:cNvPr id="6" name="Conector reto 5">
-            <a:extLst>
-              <a:ext uri="{FF2B5EF4-FFF2-40B4-BE49-F238E27FC236}">
-                <a16:creationId xmlns:a16="http://schemas.microsoft.com/office/drawing/2014/main" id="{C62EA04F-00A0-B4BE-D1F7-AD66BE47AF92}"/>
+          <p:cNvPr id="17" name="Conector reto 16">
+            <a:extLst>
+              <a:ext uri="{FF2B5EF4-FFF2-40B4-BE49-F238E27FC236}">
+                <a16:creationId xmlns:a16="http://schemas.microsoft.com/office/drawing/2014/main" id="{5E881DED-D93D-31DD-B22E-702FB4AA4941}"/>
               </a:ext>
             </a:extLst>
           </p:cNvPr>
           <p:cNvCxnSpPr>
-            <a:stCxn id="25" idx="1"/>
-            <a:endCxn id="25" idx="3"/>
+            <a:cxnSpLocks/>
           </p:cNvCxnSpPr>
           <p:nvPr/>
         </p:nvCxnSpPr>
         <p:spPr>
           <a:xfrm>
-            <a:off x="241308" y="4334615"/>
-            <a:ext cx="5854692" cy="0"/>
+            <a:off x="3072882" y="6033037"/>
+            <a:ext cx="2954694" cy="0"/>
           </a:xfrm>
           <a:prstGeom prst="line">
             <a:avLst/>
           </a:prstGeom>
+          <a:ln w="63500"/>
         </p:spPr>
         <p:style>
           <a:lnRef idx="1">
@@ -12237,277 +10760,10 @@
           </a:fontRef>
         </p:style>
       </p:cxnSp>
-      <p:cxnSp>
-        <p:nvCxnSpPr>
-          <p:cNvPr id="8" name="Conector reto 7">
-            <a:extLst>
-              <a:ext uri="{FF2B5EF4-FFF2-40B4-BE49-F238E27FC236}">
-                <a16:creationId xmlns:a16="http://schemas.microsoft.com/office/drawing/2014/main" id="{FFF69778-882C-1808-646C-DE7BAE730D58}"/>
-              </a:ext>
-            </a:extLst>
-          </p:cNvPr>
-          <p:cNvCxnSpPr>
-            <a:stCxn id="26" idx="1"/>
-            <a:endCxn id="26" idx="3"/>
-          </p:cNvCxnSpPr>
-          <p:nvPr/>
-        </p:nvCxnSpPr>
-        <p:spPr>
-          <a:xfrm>
-            <a:off x="6230798" y="4334614"/>
-            <a:ext cx="5854692" cy="0"/>
-          </a:xfrm>
-          <a:prstGeom prst="line">
-            <a:avLst/>
-          </a:prstGeom>
-        </p:spPr>
-        <p:style>
-          <a:lnRef idx="1">
-            <a:schemeClr val="accent1"/>
-          </a:lnRef>
-          <a:fillRef idx="0">
-            <a:schemeClr val="accent1"/>
-          </a:fillRef>
-          <a:effectRef idx="0">
-            <a:schemeClr val="accent1"/>
-          </a:effectRef>
-          <a:fontRef idx="minor">
-            <a:schemeClr val="tx1"/>
-          </a:fontRef>
-        </p:style>
-      </p:cxnSp>
-      <p:sp>
-        <p:nvSpPr>
-          <p:cNvPr id="16" name="Espaço Reservado para Conteúdo 3">
-            <a:extLst>
-              <a:ext uri="{FF2B5EF4-FFF2-40B4-BE49-F238E27FC236}">
-                <a16:creationId xmlns:a16="http://schemas.microsoft.com/office/drawing/2014/main" id="{95F2317F-14D5-72AF-6A21-869ADF5CB4A4}"/>
-              </a:ext>
-            </a:extLst>
-          </p:cNvPr>
-          <p:cNvSpPr txBox="1">
-            <a:spLocks/>
-          </p:cNvSpPr>
-          <p:nvPr/>
-        </p:nvSpPr>
-        <p:spPr>
-          <a:xfrm>
-            <a:off x="313600" y="1212673"/>
-            <a:ext cx="11771890" cy="444617"/>
-          </a:xfrm>
-          <a:prstGeom prst="rect">
-            <a:avLst/>
-          </a:prstGeom>
-        </p:spPr>
-        <p:txBody>
-          <a:bodyPr rtlCol="0">
-            <a:normAutofit fontScale="77500" lnSpcReduction="20000"/>
-          </a:bodyPr>
-          <a:lstStyle>
-            <a:lvl1pPr marL="228600" indent="-228600" algn="l" defTabSz="914400" rtl="0" eaLnBrk="1" latinLnBrk="0" hangingPunct="1">
-              <a:lnSpc>
-                <a:spcPct val="90000"/>
-              </a:lnSpc>
-              <a:spcBef>
-                <a:spcPts val="1000"/>
-              </a:spcBef>
-              <a:buFont typeface="Arial" panose="020B0604020202020204" pitchFamily="34" charset="0"/>
-              <a:buChar char="•"/>
-              <a:defRPr sz="2800" kern="1200">
-                <a:solidFill>
-                  <a:schemeClr val="tx1"/>
-                </a:solidFill>
-                <a:latin typeface="+mn-lt"/>
-                <a:ea typeface="+mn-ea"/>
-                <a:cs typeface="+mn-cs"/>
-              </a:defRPr>
-            </a:lvl1pPr>
-            <a:lvl2pPr marL="685800" indent="-228600" algn="l" defTabSz="914400" rtl="0" eaLnBrk="1" latinLnBrk="0" hangingPunct="1">
-              <a:lnSpc>
-                <a:spcPct val="90000"/>
-              </a:lnSpc>
-              <a:spcBef>
-                <a:spcPts val="500"/>
-              </a:spcBef>
-              <a:buFont typeface="Arial" panose="020B0604020202020204" pitchFamily="34" charset="0"/>
-              <a:buChar char="•"/>
-              <a:defRPr sz="2400" kern="1200">
-                <a:solidFill>
-                  <a:schemeClr val="tx1"/>
-                </a:solidFill>
-                <a:latin typeface="+mn-lt"/>
-                <a:ea typeface="+mn-ea"/>
-                <a:cs typeface="+mn-cs"/>
-              </a:defRPr>
-            </a:lvl2pPr>
-            <a:lvl3pPr marL="1143000" indent="-228600" algn="l" defTabSz="914400" rtl="0" eaLnBrk="1" latinLnBrk="0" hangingPunct="1">
-              <a:lnSpc>
-                <a:spcPct val="90000"/>
-              </a:lnSpc>
-              <a:spcBef>
-                <a:spcPts val="500"/>
-              </a:spcBef>
-              <a:buFont typeface="Arial" panose="020B0604020202020204" pitchFamily="34" charset="0"/>
-              <a:buChar char="•"/>
-              <a:defRPr sz="2000" kern="1200">
-                <a:solidFill>
-                  <a:schemeClr val="tx1"/>
-                </a:solidFill>
-                <a:latin typeface="+mn-lt"/>
-                <a:ea typeface="+mn-ea"/>
-                <a:cs typeface="+mn-cs"/>
-              </a:defRPr>
-            </a:lvl3pPr>
-            <a:lvl4pPr marL="1600200" indent="-228600" algn="l" defTabSz="914400" rtl="0" eaLnBrk="1" latinLnBrk="0" hangingPunct="1">
-              <a:lnSpc>
-                <a:spcPct val="90000"/>
-              </a:lnSpc>
-              <a:spcBef>
-                <a:spcPts val="500"/>
-              </a:spcBef>
-              <a:buFont typeface="Arial" panose="020B0604020202020204" pitchFamily="34" charset="0"/>
-              <a:buChar char="•"/>
-              <a:defRPr sz="1800" kern="1200">
-                <a:solidFill>
-                  <a:schemeClr val="tx1"/>
-                </a:solidFill>
-                <a:latin typeface="+mn-lt"/>
-                <a:ea typeface="+mn-ea"/>
-                <a:cs typeface="+mn-cs"/>
-              </a:defRPr>
-            </a:lvl4pPr>
-            <a:lvl5pPr marL="2057400" indent="-228600" algn="l" defTabSz="914400" rtl="0" eaLnBrk="1" latinLnBrk="0" hangingPunct="1">
-              <a:lnSpc>
-                <a:spcPct val="90000"/>
-              </a:lnSpc>
-              <a:spcBef>
-                <a:spcPts val="500"/>
-              </a:spcBef>
-              <a:buFont typeface="Arial" panose="020B0604020202020204" pitchFamily="34" charset="0"/>
-              <a:buChar char="•"/>
-              <a:defRPr sz="1800" kern="1200">
-                <a:solidFill>
-                  <a:schemeClr val="tx1"/>
-                </a:solidFill>
-                <a:latin typeface="+mn-lt"/>
-                <a:ea typeface="+mn-ea"/>
-                <a:cs typeface="+mn-cs"/>
-              </a:defRPr>
-            </a:lvl5pPr>
-            <a:lvl6pPr marL="2514600" indent="-228600" algn="l" defTabSz="914400" rtl="0" eaLnBrk="1" latinLnBrk="0" hangingPunct="1">
-              <a:lnSpc>
-                <a:spcPct val="90000"/>
-              </a:lnSpc>
-              <a:spcBef>
-                <a:spcPts val="500"/>
-              </a:spcBef>
-              <a:buFont typeface="Arial" panose="020B0604020202020204" pitchFamily="34" charset="0"/>
-              <a:buChar char="•"/>
-              <a:defRPr sz="1800" kern="1200">
-                <a:solidFill>
-                  <a:schemeClr val="tx1"/>
-                </a:solidFill>
-                <a:latin typeface="+mn-lt"/>
-                <a:ea typeface="+mn-ea"/>
-                <a:cs typeface="+mn-cs"/>
-              </a:defRPr>
-            </a:lvl6pPr>
-            <a:lvl7pPr marL="2971800" indent="-228600" algn="l" defTabSz="914400" rtl="0" eaLnBrk="1" latinLnBrk="0" hangingPunct="1">
-              <a:lnSpc>
-                <a:spcPct val="90000"/>
-              </a:lnSpc>
-              <a:spcBef>
-                <a:spcPts val="500"/>
-              </a:spcBef>
-              <a:buFont typeface="Arial" panose="020B0604020202020204" pitchFamily="34" charset="0"/>
-              <a:buChar char="•"/>
-              <a:defRPr sz="1800" kern="1200">
-                <a:solidFill>
-                  <a:schemeClr val="tx1"/>
-                </a:solidFill>
-                <a:latin typeface="+mn-lt"/>
-                <a:ea typeface="+mn-ea"/>
-                <a:cs typeface="+mn-cs"/>
-              </a:defRPr>
-            </a:lvl7pPr>
-            <a:lvl8pPr marL="3429000" indent="-228600" algn="l" defTabSz="914400" rtl="0" eaLnBrk="1" latinLnBrk="0" hangingPunct="1">
-              <a:lnSpc>
-                <a:spcPct val="90000"/>
-              </a:lnSpc>
-              <a:spcBef>
-                <a:spcPts val="500"/>
-              </a:spcBef>
-              <a:buFont typeface="Arial" panose="020B0604020202020204" pitchFamily="34" charset="0"/>
-              <a:buChar char="•"/>
-              <a:defRPr sz="1800" kern="1200">
-                <a:solidFill>
-                  <a:schemeClr val="tx1"/>
-                </a:solidFill>
-                <a:latin typeface="+mn-lt"/>
-                <a:ea typeface="+mn-ea"/>
-                <a:cs typeface="+mn-cs"/>
-              </a:defRPr>
-            </a:lvl8pPr>
-            <a:lvl9pPr marL="3886200" indent="-228600" algn="l" defTabSz="914400" rtl="0" eaLnBrk="1" latinLnBrk="0" hangingPunct="1">
-              <a:lnSpc>
-                <a:spcPct val="90000"/>
-              </a:lnSpc>
-              <a:spcBef>
-                <a:spcPts val="500"/>
-              </a:spcBef>
-              <a:buFont typeface="Arial" panose="020B0604020202020204" pitchFamily="34" charset="0"/>
-              <a:buChar char="•"/>
-              <a:defRPr sz="1800" kern="1200">
-                <a:solidFill>
-                  <a:schemeClr val="tx1"/>
-                </a:solidFill>
-                <a:latin typeface="+mn-lt"/>
-                <a:ea typeface="+mn-ea"/>
-                <a:cs typeface="+mn-cs"/>
-              </a:defRPr>
-            </a:lvl9pPr>
-          </a:lstStyle>
-          <a:p>
-            <a:pPr marL="0" indent="0">
-              <a:buNone/>
-            </a:pPr>
-            <a:r>
-              <a:rPr lang="pt-BR" sz="2000" dirty="0">
-                <a:solidFill>
-                  <a:schemeClr val="accent1"/>
-                </a:solidFill>
-                <a:latin typeface="Arial" panose="020B0604020202020204" pitchFamily="34" charset="0"/>
-                <a:cs typeface="Arial" panose="020B0604020202020204" pitchFamily="34" charset="0"/>
-              </a:rPr>
-              <a:t>Resultados de nDCG@10. O primeiro número é com o BM25 </a:t>
-            </a:r>
-            <a:r>
-              <a:rPr lang="pt-BR" sz="2000" dirty="0" err="1">
-                <a:solidFill>
-                  <a:schemeClr val="accent1"/>
-                </a:solidFill>
-                <a:latin typeface="Arial" panose="020B0604020202020204" pitchFamily="34" charset="0"/>
-                <a:cs typeface="Arial" panose="020B0604020202020204" pitchFamily="34" charset="0"/>
-              </a:rPr>
-              <a:t>Pyserini</a:t>
-            </a:r>
-            <a:r>
-              <a:rPr lang="pt-BR" sz="2000" dirty="0">
-                <a:solidFill>
-                  <a:schemeClr val="accent1"/>
-                </a:solidFill>
-                <a:latin typeface="Arial" panose="020B0604020202020204" pitchFamily="34" charset="0"/>
-                <a:cs typeface="Arial" panose="020B0604020202020204" pitchFamily="34" charset="0"/>
-              </a:rPr>
-              <a:t>, o segundo, quando existir, é implementação da Aula 1</a:t>
-            </a:r>
-          </a:p>
-        </p:txBody>
-      </p:sp>
     </p:spTree>
     <p:extLst>
       <p:ext uri="{BB962C8B-B14F-4D97-AF65-F5344CB8AC3E}">
-        <p14:creationId xmlns:p14="http://schemas.microsoft.com/office/powerpoint/2010/main" val="4268197147"/>
+        <p14:creationId xmlns:p14="http://schemas.microsoft.com/office/powerpoint/2010/main" val="3821953984"/>
       </p:ext>
     </p:extLst>
   </p:cSld>
@@ -12536,6 +10792,55 @@
       </p:grpSpPr>
       <p:sp>
         <p:nvSpPr>
+          <p:cNvPr id="25" name="Retângulo 24">
+            <a:extLst>
+              <a:ext uri="{FF2B5EF4-FFF2-40B4-BE49-F238E27FC236}">
+                <a16:creationId xmlns:a16="http://schemas.microsoft.com/office/drawing/2014/main" id="{582539BB-02A6-8FE4-9C9A-D872102B547C}"/>
+              </a:ext>
+            </a:extLst>
+          </p:cNvPr>
+          <p:cNvSpPr/>
+          <p:nvPr/>
+        </p:nvSpPr>
+        <p:spPr>
+          <a:xfrm>
+            <a:off x="241308" y="2562045"/>
+            <a:ext cx="5854692" cy="3545140"/>
+          </a:xfrm>
+          <a:prstGeom prst="rect">
+            <a:avLst/>
+          </a:prstGeom>
+          <a:solidFill>
+            <a:schemeClr val="bg2"/>
+          </a:solidFill>
+        </p:spPr>
+        <p:style>
+          <a:lnRef idx="2">
+            <a:schemeClr val="accent1">
+              <a:shade val="50000"/>
+            </a:schemeClr>
+          </a:lnRef>
+          <a:fillRef idx="1">
+            <a:schemeClr val="accent1"/>
+          </a:fillRef>
+          <a:effectRef idx="0">
+            <a:schemeClr val="accent1"/>
+          </a:effectRef>
+          <a:fontRef idx="minor">
+            <a:schemeClr val="lt1"/>
+          </a:fontRef>
+        </p:style>
+        <p:txBody>
+          <a:bodyPr rtlCol="0" anchor="ctr"/>
+          <a:lstStyle/>
+          <a:p>
+            <a:pPr algn="ctr"/>
+            <a:endParaRPr lang="pt-BR"/>
+          </a:p>
+        </p:txBody>
+      </p:sp>
+      <p:sp>
+        <p:nvSpPr>
           <p:cNvPr id="2" name="Título 1">
             <a:extLst>
               <a:ext uri="{FF2B5EF4-FFF2-40B4-BE49-F238E27FC236}">
@@ -12552,18 +10857,20 @@
         </p:nvSpPr>
         <p:spPr>
           <a:xfrm>
-            <a:off x="176169" y="243281"/>
-            <a:ext cx="10058400" cy="729788"/>
-          </a:xfrm>
-        </p:spPr>
-        <p:txBody>
-          <a:bodyPr rtlCol="0"/>
+            <a:off x="176168" y="243281"/>
+            <a:ext cx="11442584" cy="729788"/>
+          </a:xfrm>
+        </p:spPr>
+        <p:txBody>
+          <a:bodyPr rtlCol="0">
+            <a:normAutofit/>
+          </a:bodyPr>
           <a:lstStyle/>
           <a:p>
             <a:pPr algn="l" rtl="0"/>
             <a:r>
               <a:rPr lang="pt-BR" dirty="0"/>
-              <a:t>Dúvidas</a:t>
+              <a:t>Resultados interessantes/inesperados</a:t>
             </a:r>
           </a:p>
         </p:txBody>
@@ -12606,10 +10913,59 @@
       </p:sp>
       <p:sp>
         <p:nvSpPr>
-          <p:cNvPr id="5" name="Espaço Reservado para Conteúdo 3">
-            <a:extLst>
-              <a:ext uri="{FF2B5EF4-FFF2-40B4-BE49-F238E27FC236}">
-                <a16:creationId xmlns:a16="http://schemas.microsoft.com/office/drawing/2014/main" id="{D878EE27-5FE5-6A48-C488-A8CE485F3754}"/>
+          <p:cNvPr id="26" name="Retângulo 25">
+            <a:extLst>
+              <a:ext uri="{FF2B5EF4-FFF2-40B4-BE49-F238E27FC236}">
+                <a16:creationId xmlns:a16="http://schemas.microsoft.com/office/drawing/2014/main" id="{BC92ED3F-2EED-C17F-BC54-E4E4DEDB9279}"/>
+              </a:ext>
+            </a:extLst>
+          </p:cNvPr>
+          <p:cNvSpPr/>
+          <p:nvPr/>
+        </p:nvSpPr>
+        <p:spPr>
+          <a:xfrm>
+            <a:off x="6230798" y="2562043"/>
+            <a:ext cx="5854692" cy="3545141"/>
+          </a:xfrm>
+          <a:prstGeom prst="rect">
+            <a:avLst/>
+          </a:prstGeom>
+          <a:solidFill>
+            <a:schemeClr val="bg2"/>
+          </a:solidFill>
+        </p:spPr>
+        <p:style>
+          <a:lnRef idx="2">
+            <a:schemeClr val="accent1">
+              <a:shade val="50000"/>
+            </a:schemeClr>
+          </a:lnRef>
+          <a:fillRef idx="1">
+            <a:schemeClr val="accent1"/>
+          </a:fillRef>
+          <a:effectRef idx="0">
+            <a:schemeClr val="accent1"/>
+          </a:effectRef>
+          <a:fontRef idx="minor">
+            <a:schemeClr val="lt1"/>
+          </a:fontRef>
+        </p:style>
+        <p:txBody>
+          <a:bodyPr rtlCol="0" anchor="ctr"/>
+          <a:lstStyle/>
+          <a:p>
+            <a:pPr algn="ctr"/>
+            <a:endParaRPr lang="pt-BR"/>
+          </a:p>
+        </p:txBody>
+      </p:sp>
+      <p:sp>
+        <p:nvSpPr>
+          <p:cNvPr id="9" name="Espaço Reservado para Conteúdo 3">
+            <a:extLst>
+              <a:ext uri="{FF2B5EF4-FFF2-40B4-BE49-F238E27FC236}">
+                <a16:creationId xmlns:a16="http://schemas.microsoft.com/office/drawing/2014/main" id="{A182DA29-313C-2719-A7ED-00E6E79FB60D}"/>
               </a:ext>
             </a:extLst>
           </p:cNvPr>
@@ -12620,8 +10976,8 @@
         </p:nvSpPr>
         <p:spPr>
           <a:xfrm>
-            <a:off x="243282" y="1753299"/>
-            <a:ext cx="11694252" cy="4689445"/>
+            <a:off x="371695" y="2038601"/>
+            <a:ext cx="5710107" cy="444617"/>
           </a:xfrm>
           <a:prstGeom prst="rect">
             <a:avLst/>
@@ -12796,47 +11152,501 @@
             </a:lvl9pPr>
           </a:lstStyle>
           <a:p>
-            <a:pPr marL="457200" indent="-457200">
-              <a:buFont typeface="Arial" panose="020B0604020202020204" pitchFamily="34" charset="0"/>
-              <a:buAutoNum type="arabicPeriod"/>
+            <a:pPr marL="0" indent="0">
+              <a:buNone/>
             </a:pPr>
             <a:r>
-              <a:rPr lang="pt-BR" sz="2400" dirty="0">
+              <a:rPr lang="pt-BR" sz="2000" dirty="0" err="1">
                 <a:solidFill>
                   <a:schemeClr val="accent1"/>
                 </a:solidFill>
                 <a:latin typeface="Arial" panose="020B0604020202020204" pitchFamily="34" charset="0"/>
                 <a:cs typeface="Arial" panose="020B0604020202020204" pitchFamily="34" charset="0"/>
               </a:rPr>
-              <a:t>O que exatamente é esse </a:t>
-            </a:r>
-            <a:r>
-              <a:rPr lang="pt-BR" sz="2400" dirty="0" err="1">
+              <a:t>tokenizer</a:t>
+            </a:r>
+            <a:r>
+              <a:rPr lang="pt-BR" sz="2000" dirty="0">
                 <a:solidFill>
                   <a:schemeClr val="accent1"/>
                 </a:solidFill>
                 <a:latin typeface="Arial" panose="020B0604020202020204" pitchFamily="34" charset="0"/>
                 <a:cs typeface="Arial" panose="020B0604020202020204" pitchFamily="34" charset="0"/>
               </a:rPr>
-              <a:t>attention_mask</a:t>
-            </a:r>
-            <a:r>
-              <a:rPr lang="pt-BR" sz="2400" dirty="0">
+              <a:t>(f”{query} [SEP] {</a:t>
+            </a:r>
+            <a:r>
+              <a:rPr lang="pt-BR" sz="2000" dirty="0" err="1">
                 <a:solidFill>
                   <a:schemeClr val="accent1"/>
                 </a:solidFill>
                 <a:latin typeface="Arial" panose="020B0604020202020204" pitchFamily="34" charset="0"/>
                 <a:cs typeface="Arial" panose="020B0604020202020204" pitchFamily="34" charset="0"/>
               </a:rPr>
-              <a:t> e onde é usado?</a:t>
-            </a:r>
-          </a:p>
-          <a:p>
-            <a:pPr marL="457200" indent="-457200">
-              <a:buFont typeface="Arial" panose="020B0604020202020204" pitchFamily="34" charset="0"/>
-              <a:buAutoNum type="arabicPeriod"/>
+              <a:t>passage</a:t>
+            </a:r>
+            <a:r>
+              <a:rPr lang="pt-BR" sz="2000" dirty="0">
+                <a:solidFill>
+                  <a:schemeClr val="accent1"/>
+                </a:solidFill>
+                <a:latin typeface="Arial" panose="020B0604020202020204" pitchFamily="34" charset="0"/>
+                <a:cs typeface="Arial" panose="020B0604020202020204" pitchFamily="34" charset="0"/>
+              </a:rPr>
+              <a:t>}”)</a:t>
+            </a:r>
+          </a:p>
+        </p:txBody>
+      </p:sp>
+      <p:sp>
+        <p:nvSpPr>
+          <p:cNvPr id="10" name="Espaço Reservado para Conteúdo 3">
+            <a:extLst>
+              <a:ext uri="{FF2B5EF4-FFF2-40B4-BE49-F238E27FC236}">
+                <a16:creationId xmlns:a16="http://schemas.microsoft.com/office/drawing/2014/main" id="{49C6CE1F-B293-3AF0-2AE5-F285F28B39F7}"/>
+              </a:ext>
+            </a:extLst>
+          </p:cNvPr>
+          <p:cNvSpPr txBox="1">
+            <a:spLocks/>
+          </p:cNvSpPr>
+          <p:nvPr/>
+        </p:nvSpPr>
+        <p:spPr>
+          <a:xfrm>
+            <a:off x="6239187" y="2038601"/>
+            <a:ext cx="5952813" cy="444617"/>
+          </a:xfrm>
+          <a:prstGeom prst="rect">
+            <a:avLst/>
+          </a:prstGeom>
+        </p:spPr>
+        <p:txBody>
+          <a:bodyPr rtlCol="0">
+            <a:normAutofit/>
+          </a:bodyPr>
+          <a:lstStyle>
+            <a:lvl1pPr marL="228600" indent="-228600" algn="l" defTabSz="914400" rtl="0" eaLnBrk="1" latinLnBrk="0" hangingPunct="1">
+              <a:lnSpc>
+                <a:spcPct val="90000"/>
+              </a:lnSpc>
+              <a:spcBef>
+                <a:spcPts val="1000"/>
+              </a:spcBef>
+              <a:buFont typeface="Arial" panose="020B0604020202020204" pitchFamily="34" charset="0"/>
+              <a:buChar char="•"/>
+              <a:defRPr sz="2800" kern="1200">
+                <a:solidFill>
+                  <a:schemeClr val="tx1"/>
+                </a:solidFill>
+                <a:latin typeface="+mn-lt"/>
+                <a:ea typeface="+mn-ea"/>
+                <a:cs typeface="+mn-cs"/>
+              </a:defRPr>
+            </a:lvl1pPr>
+            <a:lvl2pPr marL="685800" indent="-228600" algn="l" defTabSz="914400" rtl="0" eaLnBrk="1" latinLnBrk="0" hangingPunct="1">
+              <a:lnSpc>
+                <a:spcPct val="90000"/>
+              </a:lnSpc>
+              <a:spcBef>
+                <a:spcPts val="500"/>
+              </a:spcBef>
+              <a:buFont typeface="Arial" panose="020B0604020202020204" pitchFamily="34" charset="0"/>
+              <a:buChar char="•"/>
+              <a:defRPr sz="2400" kern="1200">
+                <a:solidFill>
+                  <a:schemeClr val="tx1"/>
+                </a:solidFill>
+                <a:latin typeface="+mn-lt"/>
+                <a:ea typeface="+mn-ea"/>
+                <a:cs typeface="+mn-cs"/>
+              </a:defRPr>
+            </a:lvl2pPr>
+            <a:lvl3pPr marL="1143000" indent="-228600" algn="l" defTabSz="914400" rtl="0" eaLnBrk="1" latinLnBrk="0" hangingPunct="1">
+              <a:lnSpc>
+                <a:spcPct val="90000"/>
+              </a:lnSpc>
+              <a:spcBef>
+                <a:spcPts val="500"/>
+              </a:spcBef>
+              <a:buFont typeface="Arial" panose="020B0604020202020204" pitchFamily="34" charset="0"/>
+              <a:buChar char="•"/>
+              <a:defRPr sz="2000" kern="1200">
+                <a:solidFill>
+                  <a:schemeClr val="tx1"/>
+                </a:solidFill>
+                <a:latin typeface="+mn-lt"/>
+                <a:ea typeface="+mn-ea"/>
+                <a:cs typeface="+mn-cs"/>
+              </a:defRPr>
+            </a:lvl3pPr>
+            <a:lvl4pPr marL="1600200" indent="-228600" algn="l" defTabSz="914400" rtl="0" eaLnBrk="1" latinLnBrk="0" hangingPunct="1">
+              <a:lnSpc>
+                <a:spcPct val="90000"/>
+              </a:lnSpc>
+              <a:spcBef>
+                <a:spcPts val="500"/>
+              </a:spcBef>
+              <a:buFont typeface="Arial" panose="020B0604020202020204" pitchFamily="34" charset="0"/>
+              <a:buChar char="•"/>
+              <a:defRPr sz="1800" kern="1200">
+                <a:solidFill>
+                  <a:schemeClr val="tx1"/>
+                </a:solidFill>
+                <a:latin typeface="+mn-lt"/>
+                <a:ea typeface="+mn-ea"/>
+                <a:cs typeface="+mn-cs"/>
+              </a:defRPr>
+            </a:lvl4pPr>
+            <a:lvl5pPr marL="2057400" indent="-228600" algn="l" defTabSz="914400" rtl="0" eaLnBrk="1" latinLnBrk="0" hangingPunct="1">
+              <a:lnSpc>
+                <a:spcPct val="90000"/>
+              </a:lnSpc>
+              <a:spcBef>
+                <a:spcPts val="500"/>
+              </a:spcBef>
+              <a:buFont typeface="Arial" panose="020B0604020202020204" pitchFamily="34" charset="0"/>
+              <a:buChar char="•"/>
+              <a:defRPr sz="1800" kern="1200">
+                <a:solidFill>
+                  <a:schemeClr val="tx1"/>
+                </a:solidFill>
+                <a:latin typeface="+mn-lt"/>
+                <a:ea typeface="+mn-ea"/>
+                <a:cs typeface="+mn-cs"/>
+              </a:defRPr>
+            </a:lvl5pPr>
+            <a:lvl6pPr marL="2514600" indent="-228600" algn="l" defTabSz="914400" rtl="0" eaLnBrk="1" latinLnBrk="0" hangingPunct="1">
+              <a:lnSpc>
+                <a:spcPct val="90000"/>
+              </a:lnSpc>
+              <a:spcBef>
+                <a:spcPts val="500"/>
+              </a:spcBef>
+              <a:buFont typeface="Arial" panose="020B0604020202020204" pitchFamily="34" charset="0"/>
+              <a:buChar char="•"/>
+              <a:defRPr sz="1800" kern="1200">
+                <a:solidFill>
+                  <a:schemeClr val="tx1"/>
+                </a:solidFill>
+                <a:latin typeface="+mn-lt"/>
+                <a:ea typeface="+mn-ea"/>
+                <a:cs typeface="+mn-cs"/>
+              </a:defRPr>
+            </a:lvl6pPr>
+            <a:lvl7pPr marL="2971800" indent="-228600" algn="l" defTabSz="914400" rtl="0" eaLnBrk="1" latinLnBrk="0" hangingPunct="1">
+              <a:lnSpc>
+                <a:spcPct val="90000"/>
+              </a:lnSpc>
+              <a:spcBef>
+                <a:spcPts val="500"/>
+              </a:spcBef>
+              <a:buFont typeface="Arial" panose="020B0604020202020204" pitchFamily="34" charset="0"/>
+              <a:buChar char="•"/>
+              <a:defRPr sz="1800" kern="1200">
+                <a:solidFill>
+                  <a:schemeClr val="tx1"/>
+                </a:solidFill>
+                <a:latin typeface="+mn-lt"/>
+                <a:ea typeface="+mn-ea"/>
+                <a:cs typeface="+mn-cs"/>
+              </a:defRPr>
+            </a:lvl7pPr>
+            <a:lvl8pPr marL="3429000" indent="-228600" algn="l" defTabSz="914400" rtl="0" eaLnBrk="1" latinLnBrk="0" hangingPunct="1">
+              <a:lnSpc>
+                <a:spcPct val="90000"/>
+              </a:lnSpc>
+              <a:spcBef>
+                <a:spcPts val="500"/>
+              </a:spcBef>
+              <a:buFont typeface="Arial" panose="020B0604020202020204" pitchFamily="34" charset="0"/>
+              <a:buChar char="•"/>
+              <a:defRPr sz="1800" kern="1200">
+                <a:solidFill>
+                  <a:schemeClr val="tx1"/>
+                </a:solidFill>
+                <a:latin typeface="+mn-lt"/>
+                <a:ea typeface="+mn-ea"/>
+                <a:cs typeface="+mn-cs"/>
+              </a:defRPr>
+            </a:lvl8pPr>
+            <a:lvl9pPr marL="3886200" indent="-228600" algn="l" defTabSz="914400" rtl="0" eaLnBrk="1" latinLnBrk="0" hangingPunct="1">
+              <a:lnSpc>
+                <a:spcPct val="90000"/>
+              </a:lnSpc>
+              <a:spcBef>
+                <a:spcPts val="500"/>
+              </a:spcBef>
+              <a:buFont typeface="Arial" panose="020B0604020202020204" pitchFamily="34" charset="0"/>
+              <a:buChar char="•"/>
+              <a:defRPr sz="1800" kern="1200">
+                <a:solidFill>
+                  <a:schemeClr val="tx1"/>
+                </a:solidFill>
+                <a:latin typeface="+mn-lt"/>
+                <a:ea typeface="+mn-ea"/>
+                <a:cs typeface="+mn-cs"/>
+              </a:defRPr>
+            </a:lvl9pPr>
+          </a:lstStyle>
+          <a:p>
+            <a:pPr marL="0" indent="0">
+              <a:buNone/>
             </a:pPr>
-            <a:endParaRPr lang="pt-BR" sz="2400" dirty="0">
+            <a:r>
+              <a:rPr lang="pt-BR" sz="2000" dirty="0" err="1">
+                <a:solidFill>
+                  <a:schemeClr val="accent1"/>
+                </a:solidFill>
+                <a:latin typeface="Arial" panose="020B0604020202020204" pitchFamily="34" charset="0"/>
+                <a:cs typeface="Arial" panose="020B0604020202020204" pitchFamily="34" charset="0"/>
+              </a:rPr>
+              <a:t>tokenizer.encode_plus</a:t>
+            </a:r>
+            <a:r>
+              <a:rPr lang="pt-BR" sz="2000" dirty="0">
+                <a:solidFill>
+                  <a:schemeClr val="accent1"/>
+                </a:solidFill>
+                <a:latin typeface="Arial" panose="020B0604020202020204" pitchFamily="34" charset="0"/>
+                <a:cs typeface="Arial" panose="020B0604020202020204" pitchFamily="34" charset="0"/>
+              </a:rPr>
+              <a:t>(query, </a:t>
+            </a:r>
+            <a:r>
+              <a:rPr lang="pt-BR" sz="2000" dirty="0" err="1">
+                <a:solidFill>
+                  <a:schemeClr val="accent1"/>
+                </a:solidFill>
+                <a:latin typeface="Arial" panose="020B0604020202020204" pitchFamily="34" charset="0"/>
+                <a:cs typeface="Arial" panose="020B0604020202020204" pitchFamily="34" charset="0"/>
+              </a:rPr>
+              <a:t>passage</a:t>
+            </a:r>
+            <a:r>
+              <a:rPr lang="pt-BR" sz="2000" dirty="0">
+                <a:solidFill>
+                  <a:schemeClr val="accent1"/>
+                </a:solidFill>
+                <a:latin typeface="Arial" panose="020B0604020202020204" pitchFamily="34" charset="0"/>
+                <a:cs typeface="Arial" panose="020B0604020202020204" pitchFamily="34" charset="0"/>
+              </a:rPr>
+              <a:t>, ...)</a:t>
+            </a:r>
+          </a:p>
+        </p:txBody>
+      </p:sp>
+      <p:sp>
+        <p:nvSpPr>
+          <p:cNvPr id="11" name="Espaço Reservado para Conteúdo 3">
+            <a:extLst>
+              <a:ext uri="{FF2B5EF4-FFF2-40B4-BE49-F238E27FC236}">
+                <a16:creationId xmlns:a16="http://schemas.microsoft.com/office/drawing/2014/main" id="{5DBEC999-0178-8E90-CC5C-9D3245F0E3F8}"/>
+              </a:ext>
+            </a:extLst>
+          </p:cNvPr>
+          <p:cNvSpPr txBox="1">
+            <a:spLocks/>
+          </p:cNvSpPr>
+          <p:nvPr/>
+        </p:nvSpPr>
+        <p:spPr>
+          <a:xfrm>
+            <a:off x="655522" y="2675741"/>
+            <a:ext cx="4840448" cy="1683365"/>
+          </a:xfrm>
+          <a:prstGeom prst="rect">
+            <a:avLst/>
+          </a:prstGeom>
+        </p:spPr>
+        <p:txBody>
+          <a:bodyPr rtlCol="0">
+            <a:normAutofit/>
+          </a:bodyPr>
+          <a:lstStyle>
+            <a:lvl1pPr marL="228600" indent="-228600" algn="l" defTabSz="914400" rtl="0" eaLnBrk="1" latinLnBrk="0" hangingPunct="1">
+              <a:lnSpc>
+                <a:spcPct val="90000"/>
+              </a:lnSpc>
+              <a:spcBef>
+                <a:spcPts val="1000"/>
+              </a:spcBef>
+              <a:buFont typeface="Arial" panose="020B0604020202020204" pitchFamily="34" charset="0"/>
+              <a:buChar char="•"/>
+              <a:defRPr sz="2800" kern="1200">
+                <a:solidFill>
+                  <a:schemeClr val="tx1"/>
+                </a:solidFill>
+                <a:latin typeface="+mn-lt"/>
+                <a:ea typeface="+mn-ea"/>
+                <a:cs typeface="+mn-cs"/>
+              </a:defRPr>
+            </a:lvl1pPr>
+            <a:lvl2pPr marL="685800" indent="-228600" algn="l" defTabSz="914400" rtl="0" eaLnBrk="1" latinLnBrk="0" hangingPunct="1">
+              <a:lnSpc>
+                <a:spcPct val="90000"/>
+              </a:lnSpc>
+              <a:spcBef>
+                <a:spcPts val="500"/>
+              </a:spcBef>
+              <a:buFont typeface="Arial" panose="020B0604020202020204" pitchFamily="34" charset="0"/>
+              <a:buChar char="•"/>
+              <a:defRPr sz="2400" kern="1200">
+                <a:solidFill>
+                  <a:schemeClr val="tx1"/>
+                </a:solidFill>
+                <a:latin typeface="+mn-lt"/>
+                <a:ea typeface="+mn-ea"/>
+                <a:cs typeface="+mn-cs"/>
+              </a:defRPr>
+            </a:lvl2pPr>
+            <a:lvl3pPr marL="1143000" indent="-228600" algn="l" defTabSz="914400" rtl="0" eaLnBrk="1" latinLnBrk="0" hangingPunct="1">
+              <a:lnSpc>
+                <a:spcPct val="90000"/>
+              </a:lnSpc>
+              <a:spcBef>
+                <a:spcPts val="500"/>
+              </a:spcBef>
+              <a:buFont typeface="Arial" panose="020B0604020202020204" pitchFamily="34" charset="0"/>
+              <a:buChar char="•"/>
+              <a:defRPr sz="2000" kern="1200">
+                <a:solidFill>
+                  <a:schemeClr val="tx1"/>
+                </a:solidFill>
+                <a:latin typeface="+mn-lt"/>
+                <a:ea typeface="+mn-ea"/>
+                <a:cs typeface="+mn-cs"/>
+              </a:defRPr>
+            </a:lvl3pPr>
+            <a:lvl4pPr marL="1600200" indent="-228600" algn="l" defTabSz="914400" rtl="0" eaLnBrk="1" latinLnBrk="0" hangingPunct="1">
+              <a:lnSpc>
+                <a:spcPct val="90000"/>
+              </a:lnSpc>
+              <a:spcBef>
+                <a:spcPts val="500"/>
+              </a:spcBef>
+              <a:buFont typeface="Arial" panose="020B0604020202020204" pitchFamily="34" charset="0"/>
+              <a:buChar char="•"/>
+              <a:defRPr sz="1800" kern="1200">
+                <a:solidFill>
+                  <a:schemeClr val="tx1"/>
+                </a:solidFill>
+                <a:latin typeface="+mn-lt"/>
+                <a:ea typeface="+mn-ea"/>
+                <a:cs typeface="+mn-cs"/>
+              </a:defRPr>
+            </a:lvl4pPr>
+            <a:lvl5pPr marL="2057400" indent="-228600" algn="l" defTabSz="914400" rtl="0" eaLnBrk="1" latinLnBrk="0" hangingPunct="1">
+              <a:lnSpc>
+                <a:spcPct val="90000"/>
+              </a:lnSpc>
+              <a:spcBef>
+                <a:spcPts val="500"/>
+              </a:spcBef>
+              <a:buFont typeface="Arial" panose="020B0604020202020204" pitchFamily="34" charset="0"/>
+              <a:buChar char="•"/>
+              <a:defRPr sz="1800" kern="1200">
+                <a:solidFill>
+                  <a:schemeClr val="tx1"/>
+                </a:solidFill>
+                <a:latin typeface="+mn-lt"/>
+                <a:ea typeface="+mn-ea"/>
+                <a:cs typeface="+mn-cs"/>
+              </a:defRPr>
+            </a:lvl5pPr>
+            <a:lvl6pPr marL="2514600" indent="-228600" algn="l" defTabSz="914400" rtl="0" eaLnBrk="1" latinLnBrk="0" hangingPunct="1">
+              <a:lnSpc>
+                <a:spcPct val="90000"/>
+              </a:lnSpc>
+              <a:spcBef>
+                <a:spcPts val="500"/>
+              </a:spcBef>
+              <a:buFont typeface="Arial" panose="020B0604020202020204" pitchFamily="34" charset="0"/>
+              <a:buChar char="•"/>
+              <a:defRPr sz="1800" kern="1200">
+                <a:solidFill>
+                  <a:schemeClr val="tx1"/>
+                </a:solidFill>
+                <a:latin typeface="+mn-lt"/>
+                <a:ea typeface="+mn-ea"/>
+                <a:cs typeface="+mn-cs"/>
+              </a:defRPr>
+            </a:lvl6pPr>
+            <a:lvl7pPr marL="2971800" indent="-228600" algn="l" defTabSz="914400" rtl="0" eaLnBrk="1" latinLnBrk="0" hangingPunct="1">
+              <a:lnSpc>
+                <a:spcPct val="90000"/>
+              </a:lnSpc>
+              <a:spcBef>
+                <a:spcPts val="500"/>
+              </a:spcBef>
+              <a:buFont typeface="Arial" panose="020B0604020202020204" pitchFamily="34" charset="0"/>
+              <a:buChar char="•"/>
+              <a:defRPr sz="1800" kern="1200">
+                <a:solidFill>
+                  <a:schemeClr val="tx1"/>
+                </a:solidFill>
+                <a:latin typeface="+mn-lt"/>
+                <a:ea typeface="+mn-ea"/>
+                <a:cs typeface="+mn-cs"/>
+              </a:defRPr>
+            </a:lvl7pPr>
+            <a:lvl8pPr marL="3429000" indent="-228600" algn="l" defTabSz="914400" rtl="0" eaLnBrk="1" latinLnBrk="0" hangingPunct="1">
+              <a:lnSpc>
+                <a:spcPct val="90000"/>
+              </a:lnSpc>
+              <a:spcBef>
+                <a:spcPts val="500"/>
+              </a:spcBef>
+              <a:buFont typeface="Arial" panose="020B0604020202020204" pitchFamily="34" charset="0"/>
+              <a:buChar char="•"/>
+              <a:defRPr sz="1800" kern="1200">
+                <a:solidFill>
+                  <a:schemeClr val="tx1"/>
+                </a:solidFill>
+                <a:latin typeface="+mn-lt"/>
+                <a:ea typeface="+mn-ea"/>
+                <a:cs typeface="+mn-cs"/>
+              </a:defRPr>
+            </a:lvl8pPr>
+            <a:lvl9pPr marL="3886200" indent="-228600" algn="l" defTabSz="914400" rtl="0" eaLnBrk="1" latinLnBrk="0" hangingPunct="1">
+              <a:lnSpc>
+                <a:spcPct val="90000"/>
+              </a:lnSpc>
+              <a:spcBef>
+                <a:spcPts val="500"/>
+              </a:spcBef>
+              <a:buFont typeface="Arial" panose="020B0604020202020204" pitchFamily="34" charset="0"/>
+              <a:buChar char="•"/>
+              <a:defRPr sz="1800" kern="1200">
+                <a:solidFill>
+                  <a:schemeClr val="tx1"/>
+                </a:solidFill>
+                <a:latin typeface="+mn-lt"/>
+                <a:ea typeface="+mn-ea"/>
+                <a:cs typeface="+mn-cs"/>
+              </a:defRPr>
+            </a:lvl9pPr>
+          </a:lstStyle>
+          <a:p>
+            <a:pPr marL="0" indent="0">
+              <a:buNone/>
+            </a:pPr>
+            <a:r>
+              <a:rPr lang="pt-BR" sz="2000" dirty="0">
+                <a:solidFill>
+                  <a:schemeClr val="accent1"/>
+                </a:solidFill>
+                <a:latin typeface="Arial" panose="020B0604020202020204" pitchFamily="34" charset="0"/>
+                <a:cs typeface="Arial" panose="020B0604020202020204" pitchFamily="34" charset="0"/>
+              </a:rPr>
+              <a:t>80% treinamento, 20% validação</a:t>
+            </a:r>
+          </a:p>
+          <a:p>
+            <a:pPr marL="0" indent="0">
+              <a:buNone/>
+            </a:pPr>
+            <a:endParaRPr lang="pt-BR" sz="2000" dirty="0">
               <a:solidFill>
                 <a:schemeClr val="accent1"/>
               </a:solidFill>
@@ -12845,39 +11655,1429 @@
             </a:endParaRPr>
           </a:p>
           <a:p>
-            <a:pPr marL="457200" indent="-457200">
-              <a:buFont typeface="Arial" panose="020B0604020202020204" pitchFamily="34" charset="0"/>
-              <a:buAutoNum type="arabicPeriod"/>
+            <a:pPr marL="0" indent="0">
+              <a:buNone/>
             </a:pPr>
             <a:r>
-              <a:rPr lang="pt-BR" sz="2400" dirty="0">
+              <a:rPr lang="pt-BR" sz="2000" dirty="0">
                 <a:solidFill>
                   <a:schemeClr val="accent1"/>
                 </a:solidFill>
                 <a:latin typeface="Arial" panose="020B0604020202020204" pitchFamily="34" charset="0"/>
                 <a:cs typeface="Arial" panose="020B0604020202020204" pitchFamily="34" charset="0"/>
               </a:rPr>
-              <a:t>O </a:t>
-            </a:r>
-            <a:r>
-              <a:rPr lang="pt-BR" sz="2400" dirty="0" err="1">
+              <a:t>	</a:t>
+            </a:r>
+            <a:r>
+              <a:rPr lang="pt-BR" sz="2000" dirty="0" err="1">
                 <a:solidFill>
                   <a:schemeClr val="accent1"/>
                 </a:solidFill>
                 <a:latin typeface="Arial" panose="020B0604020202020204" pitchFamily="34" charset="0"/>
                 <a:cs typeface="Arial" panose="020B0604020202020204" pitchFamily="34" charset="0"/>
               </a:rPr>
-              <a:t>eval</a:t>
-            </a:r>
-            <a:r>
-              <a:rPr lang="pt-BR" sz="2400" dirty="0">
+              <a:t>seed</a:t>
+            </a:r>
+            <a:r>
+              <a:rPr lang="pt-BR" sz="2000" dirty="0">
                 <a:solidFill>
                   <a:schemeClr val="accent1"/>
                 </a:solidFill>
                 <a:latin typeface="Arial" panose="020B0604020202020204" pitchFamily="34" charset="0"/>
                 <a:cs typeface="Arial" panose="020B0604020202020204" pitchFamily="34" charset="0"/>
               </a:rPr>
-              <a:t>() no retorno de 1.000 passagens do BM25 levou uns 5 segundos. Como fazer pra isso ser prático numa pesquisa de documentos grandes?</a:t>
+              <a:t> 42:   </a:t>
+            </a:r>
+            <a:r>
+              <a:rPr lang="pt-BR" sz="2000" dirty="0">
+                <a:solidFill>
+                  <a:srgbClr val="FF0000"/>
+                </a:solidFill>
+                <a:latin typeface="Arial" panose="020B0604020202020204" pitchFamily="34" charset="0"/>
+                <a:cs typeface="Arial" panose="020B0604020202020204" pitchFamily="34" charset="0"/>
+              </a:rPr>
+              <a:t>0.605</a:t>
+            </a:r>
+            <a:r>
+              <a:rPr lang="pt-BR" sz="2000" dirty="0">
+                <a:solidFill>
+                  <a:schemeClr val="accent1"/>
+                </a:solidFill>
+                <a:latin typeface="Arial" panose="020B0604020202020204" pitchFamily="34" charset="0"/>
+                <a:cs typeface="Arial" panose="020B0604020202020204" pitchFamily="34" charset="0"/>
+              </a:rPr>
+              <a:t>/0.605</a:t>
+            </a:r>
+          </a:p>
+          <a:p>
+            <a:pPr marL="0" indent="0">
+              <a:buNone/>
+            </a:pPr>
+            <a:r>
+              <a:rPr lang="pt-BR" sz="2000" dirty="0">
+                <a:solidFill>
+                  <a:schemeClr val="accent1"/>
+                </a:solidFill>
+                <a:latin typeface="Arial" panose="020B0604020202020204" pitchFamily="34" charset="0"/>
+                <a:cs typeface="Arial" panose="020B0604020202020204" pitchFamily="34" charset="0"/>
+              </a:rPr>
+              <a:t>	</a:t>
+            </a:r>
+            <a:r>
+              <a:rPr lang="pt-BR" sz="2000" dirty="0" err="1">
+                <a:solidFill>
+                  <a:schemeClr val="accent1"/>
+                </a:solidFill>
+                <a:latin typeface="Arial" panose="020B0604020202020204" pitchFamily="34" charset="0"/>
+                <a:cs typeface="Arial" panose="020B0604020202020204" pitchFamily="34" charset="0"/>
+              </a:rPr>
+              <a:t>seed</a:t>
+            </a:r>
+            <a:r>
+              <a:rPr lang="pt-BR" sz="2000" dirty="0">
+                <a:solidFill>
+                  <a:schemeClr val="accent1"/>
+                </a:solidFill>
+                <a:latin typeface="Arial" panose="020B0604020202020204" pitchFamily="34" charset="0"/>
+                <a:cs typeface="Arial" panose="020B0604020202020204" pitchFamily="34" charset="0"/>
+              </a:rPr>
+              <a:t> 123: </a:t>
+            </a:r>
+            <a:r>
+              <a:rPr lang="pt-BR" sz="2000" dirty="0">
+                <a:solidFill>
+                  <a:srgbClr val="FF0000"/>
+                </a:solidFill>
+                <a:latin typeface="Arial" panose="020B0604020202020204" pitchFamily="34" charset="0"/>
+                <a:cs typeface="Arial" panose="020B0604020202020204" pitchFamily="34" charset="0"/>
+              </a:rPr>
+              <a:t>0.566</a:t>
+            </a:r>
+            <a:r>
+              <a:rPr lang="pt-BR" sz="2000" dirty="0">
+                <a:solidFill>
+                  <a:schemeClr val="accent1"/>
+                </a:solidFill>
+                <a:latin typeface="Arial" panose="020B0604020202020204" pitchFamily="34" charset="0"/>
+                <a:cs typeface="Arial" panose="020B0604020202020204" pitchFamily="34" charset="0"/>
+              </a:rPr>
+              <a:t>/0.566</a:t>
+            </a:r>
+          </a:p>
+        </p:txBody>
+      </p:sp>
+      <p:sp>
+        <p:nvSpPr>
+          <p:cNvPr id="12" name="Espaço Reservado para Conteúdo 3">
+            <a:extLst>
+              <a:ext uri="{FF2B5EF4-FFF2-40B4-BE49-F238E27FC236}">
+                <a16:creationId xmlns:a16="http://schemas.microsoft.com/office/drawing/2014/main" id="{7B849E16-B064-C68A-1CE5-755F9AF6FE8B}"/>
+              </a:ext>
+            </a:extLst>
+          </p:cNvPr>
+          <p:cNvSpPr txBox="1">
+            <a:spLocks/>
+          </p:cNvSpPr>
+          <p:nvPr/>
+        </p:nvSpPr>
+        <p:spPr>
+          <a:xfrm>
+            <a:off x="6662419" y="2668857"/>
+            <a:ext cx="4840448" cy="1690249"/>
+          </a:xfrm>
+          <a:prstGeom prst="rect">
+            <a:avLst/>
+          </a:prstGeom>
+        </p:spPr>
+        <p:txBody>
+          <a:bodyPr rtlCol="0">
+            <a:normAutofit/>
+          </a:bodyPr>
+          <a:lstStyle>
+            <a:lvl1pPr marL="228600" indent="-228600" algn="l" defTabSz="914400" rtl="0" eaLnBrk="1" latinLnBrk="0" hangingPunct="1">
+              <a:lnSpc>
+                <a:spcPct val="90000"/>
+              </a:lnSpc>
+              <a:spcBef>
+                <a:spcPts val="1000"/>
+              </a:spcBef>
+              <a:buFont typeface="Arial" panose="020B0604020202020204" pitchFamily="34" charset="0"/>
+              <a:buChar char="•"/>
+              <a:defRPr sz="2800" kern="1200">
+                <a:solidFill>
+                  <a:schemeClr val="tx1"/>
+                </a:solidFill>
+                <a:latin typeface="+mn-lt"/>
+                <a:ea typeface="+mn-ea"/>
+                <a:cs typeface="+mn-cs"/>
+              </a:defRPr>
+            </a:lvl1pPr>
+            <a:lvl2pPr marL="685800" indent="-228600" algn="l" defTabSz="914400" rtl="0" eaLnBrk="1" latinLnBrk="0" hangingPunct="1">
+              <a:lnSpc>
+                <a:spcPct val="90000"/>
+              </a:lnSpc>
+              <a:spcBef>
+                <a:spcPts val="500"/>
+              </a:spcBef>
+              <a:buFont typeface="Arial" panose="020B0604020202020204" pitchFamily="34" charset="0"/>
+              <a:buChar char="•"/>
+              <a:defRPr sz="2400" kern="1200">
+                <a:solidFill>
+                  <a:schemeClr val="tx1"/>
+                </a:solidFill>
+                <a:latin typeface="+mn-lt"/>
+                <a:ea typeface="+mn-ea"/>
+                <a:cs typeface="+mn-cs"/>
+              </a:defRPr>
+            </a:lvl2pPr>
+            <a:lvl3pPr marL="1143000" indent="-228600" algn="l" defTabSz="914400" rtl="0" eaLnBrk="1" latinLnBrk="0" hangingPunct="1">
+              <a:lnSpc>
+                <a:spcPct val="90000"/>
+              </a:lnSpc>
+              <a:spcBef>
+                <a:spcPts val="500"/>
+              </a:spcBef>
+              <a:buFont typeface="Arial" panose="020B0604020202020204" pitchFamily="34" charset="0"/>
+              <a:buChar char="•"/>
+              <a:defRPr sz="2000" kern="1200">
+                <a:solidFill>
+                  <a:schemeClr val="tx1"/>
+                </a:solidFill>
+                <a:latin typeface="+mn-lt"/>
+                <a:ea typeface="+mn-ea"/>
+                <a:cs typeface="+mn-cs"/>
+              </a:defRPr>
+            </a:lvl3pPr>
+            <a:lvl4pPr marL="1600200" indent="-228600" algn="l" defTabSz="914400" rtl="0" eaLnBrk="1" latinLnBrk="0" hangingPunct="1">
+              <a:lnSpc>
+                <a:spcPct val="90000"/>
+              </a:lnSpc>
+              <a:spcBef>
+                <a:spcPts val="500"/>
+              </a:spcBef>
+              <a:buFont typeface="Arial" panose="020B0604020202020204" pitchFamily="34" charset="0"/>
+              <a:buChar char="•"/>
+              <a:defRPr sz="1800" kern="1200">
+                <a:solidFill>
+                  <a:schemeClr val="tx1"/>
+                </a:solidFill>
+                <a:latin typeface="+mn-lt"/>
+                <a:ea typeface="+mn-ea"/>
+                <a:cs typeface="+mn-cs"/>
+              </a:defRPr>
+            </a:lvl4pPr>
+            <a:lvl5pPr marL="2057400" indent="-228600" algn="l" defTabSz="914400" rtl="0" eaLnBrk="1" latinLnBrk="0" hangingPunct="1">
+              <a:lnSpc>
+                <a:spcPct val="90000"/>
+              </a:lnSpc>
+              <a:spcBef>
+                <a:spcPts val="500"/>
+              </a:spcBef>
+              <a:buFont typeface="Arial" panose="020B0604020202020204" pitchFamily="34" charset="0"/>
+              <a:buChar char="•"/>
+              <a:defRPr sz="1800" kern="1200">
+                <a:solidFill>
+                  <a:schemeClr val="tx1"/>
+                </a:solidFill>
+                <a:latin typeface="+mn-lt"/>
+                <a:ea typeface="+mn-ea"/>
+                <a:cs typeface="+mn-cs"/>
+              </a:defRPr>
+            </a:lvl5pPr>
+            <a:lvl6pPr marL="2514600" indent="-228600" algn="l" defTabSz="914400" rtl="0" eaLnBrk="1" latinLnBrk="0" hangingPunct="1">
+              <a:lnSpc>
+                <a:spcPct val="90000"/>
+              </a:lnSpc>
+              <a:spcBef>
+                <a:spcPts val="500"/>
+              </a:spcBef>
+              <a:buFont typeface="Arial" panose="020B0604020202020204" pitchFamily="34" charset="0"/>
+              <a:buChar char="•"/>
+              <a:defRPr sz="1800" kern="1200">
+                <a:solidFill>
+                  <a:schemeClr val="tx1"/>
+                </a:solidFill>
+                <a:latin typeface="+mn-lt"/>
+                <a:ea typeface="+mn-ea"/>
+                <a:cs typeface="+mn-cs"/>
+              </a:defRPr>
+            </a:lvl6pPr>
+            <a:lvl7pPr marL="2971800" indent="-228600" algn="l" defTabSz="914400" rtl="0" eaLnBrk="1" latinLnBrk="0" hangingPunct="1">
+              <a:lnSpc>
+                <a:spcPct val="90000"/>
+              </a:lnSpc>
+              <a:spcBef>
+                <a:spcPts val="500"/>
+              </a:spcBef>
+              <a:buFont typeface="Arial" panose="020B0604020202020204" pitchFamily="34" charset="0"/>
+              <a:buChar char="•"/>
+              <a:defRPr sz="1800" kern="1200">
+                <a:solidFill>
+                  <a:schemeClr val="tx1"/>
+                </a:solidFill>
+                <a:latin typeface="+mn-lt"/>
+                <a:ea typeface="+mn-ea"/>
+                <a:cs typeface="+mn-cs"/>
+              </a:defRPr>
+            </a:lvl7pPr>
+            <a:lvl8pPr marL="3429000" indent="-228600" algn="l" defTabSz="914400" rtl="0" eaLnBrk="1" latinLnBrk="0" hangingPunct="1">
+              <a:lnSpc>
+                <a:spcPct val="90000"/>
+              </a:lnSpc>
+              <a:spcBef>
+                <a:spcPts val="500"/>
+              </a:spcBef>
+              <a:buFont typeface="Arial" panose="020B0604020202020204" pitchFamily="34" charset="0"/>
+              <a:buChar char="•"/>
+              <a:defRPr sz="1800" kern="1200">
+                <a:solidFill>
+                  <a:schemeClr val="tx1"/>
+                </a:solidFill>
+                <a:latin typeface="+mn-lt"/>
+                <a:ea typeface="+mn-ea"/>
+                <a:cs typeface="+mn-cs"/>
+              </a:defRPr>
+            </a:lvl8pPr>
+            <a:lvl9pPr marL="3886200" indent="-228600" algn="l" defTabSz="914400" rtl="0" eaLnBrk="1" latinLnBrk="0" hangingPunct="1">
+              <a:lnSpc>
+                <a:spcPct val="90000"/>
+              </a:lnSpc>
+              <a:spcBef>
+                <a:spcPts val="500"/>
+              </a:spcBef>
+              <a:buFont typeface="Arial" panose="020B0604020202020204" pitchFamily="34" charset="0"/>
+              <a:buChar char="•"/>
+              <a:defRPr sz="1800" kern="1200">
+                <a:solidFill>
+                  <a:schemeClr val="tx1"/>
+                </a:solidFill>
+                <a:latin typeface="+mn-lt"/>
+                <a:ea typeface="+mn-ea"/>
+                <a:cs typeface="+mn-cs"/>
+              </a:defRPr>
+            </a:lvl9pPr>
+          </a:lstStyle>
+          <a:p>
+            <a:pPr marL="0" indent="0">
+              <a:buNone/>
+            </a:pPr>
+            <a:r>
+              <a:rPr lang="pt-BR" sz="2000" dirty="0">
+                <a:solidFill>
+                  <a:schemeClr val="accent1"/>
+                </a:solidFill>
+                <a:latin typeface="Arial" panose="020B0604020202020204" pitchFamily="34" charset="0"/>
+                <a:cs typeface="Arial" panose="020B0604020202020204" pitchFamily="34" charset="0"/>
+              </a:rPr>
+              <a:t>80% treinamento, 20% validação</a:t>
+            </a:r>
+          </a:p>
+          <a:p>
+            <a:pPr marL="0" indent="0">
+              <a:buNone/>
+            </a:pPr>
+            <a:endParaRPr lang="pt-BR" sz="2000" dirty="0">
+              <a:solidFill>
+                <a:schemeClr val="accent1"/>
+              </a:solidFill>
+              <a:latin typeface="Arial" panose="020B0604020202020204" pitchFamily="34" charset="0"/>
+              <a:cs typeface="Arial" panose="020B0604020202020204" pitchFamily="34" charset="0"/>
+            </a:endParaRPr>
+          </a:p>
+          <a:p>
+            <a:pPr marL="0" indent="0">
+              <a:buNone/>
+            </a:pPr>
+            <a:r>
+              <a:rPr lang="pt-BR" sz="2000" dirty="0">
+                <a:solidFill>
+                  <a:schemeClr val="accent1"/>
+                </a:solidFill>
+                <a:latin typeface="Arial" panose="020B0604020202020204" pitchFamily="34" charset="0"/>
+                <a:cs typeface="Arial" panose="020B0604020202020204" pitchFamily="34" charset="0"/>
+              </a:rPr>
+              <a:t>	</a:t>
+            </a:r>
+            <a:r>
+              <a:rPr lang="pt-BR" sz="2000" dirty="0" err="1">
+                <a:solidFill>
+                  <a:schemeClr val="accent1"/>
+                </a:solidFill>
+                <a:latin typeface="Arial" panose="020B0604020202020204" pitchFamily="34" charset="0"/>
+                <a:cs typeface="Arial" panose="020B0604020202020204" pitchFamily="34" charset="0"/>
+              </a:rPr>
+              <a:t>seed</a:t>
+            </a:r>
+            <a:r>
+              <a:rPr lang="pt-BR" sz="2000" dirty="0">
+                <a:solidFill>
+                  <a:schemeClr val="accent1"/>
+                </a:solidFill>
+                <a:latin typeface="Arial" panose="020B0604020202020204" pitchFamily="34" charset="0"/>
+                <a:cs typeface="Arial" panose="020B0604020202020204" pitchFamily="34" charset="0"/>
+              </a:rPr>
+              <a:t> 42:   </a:t>
+            </a:r>
+            <a:r>
+              <a:rPr lang="pt-BR" sz="2000" dirty="0">
+                <a:solidFill>
+                  <a:srgbClr val="FF0000"/>
+                </a:solidFill>
+                <a:latin typeface="Arial" panose="020B0604020202020204" pitchFamily="34" charset="0"/>
+                <a:cs typeface="Arial" panose="020B0604020202020204" pitchFamily="34" charset="0"/>
+              </a:rPr>
+              <a:t>0.5852</a:t>
+            </a:r>
+            <a:r>
+              <a:rPr lang="pt-BR" sz="2000" dirty="0">
+                <a:solidFill>
+                  <a:schemeClr val="accent1"/>
+                </a:solidFill>
+                <a:latin typeface="Arial" panose="020B0604020202020204" pitchFamily="34" charset="0"/>
+                <a:cs typeface="Arial" panose="020B0604020202020204" pitchFamily="34" charset="0"/>
+              </a:rPr>
+              <a:t>/X</a:t>
+            </a:r>
+          </a:p>
+          <a:p>
+            <a:pPr marL="0" indent="0">
+              <a:buNone/>
+            </a:pPr>
+            <a:r>
+              <a:rPr lang="pt-BR" sz="2000" dirty="0">
+                <a:solidFill>
+                  <a:schemeClr val="accent1"/>
+                </a:solidFill>
+                <a:latin typeface="Arial" panose="020B0604020202020204" pitchFamily="34" charset="0"/>
+                <a:cs typeface="Arial" panose="020B0604020202020204" pitchFamily="34" charset="0"/>
+              </a:rPr>
+              <a:t>	</a:t>
+            </a:r>
+            <a:r>
+              <a:rPr lang="pt-BR" sz="2000" dirty="0" err="1">
+                <a:solidFill>
+                  <a:schemeClr val="accent1"/>
+                </a:solidFill>
+                <a:latin typeface="Arial" panose="020B0604020202020204" pitchFamily="34" charset="0"/>
+                <a:cs typeface="Arial" panose="020B0604020202020204" pitchFamily="34" charset="0"/>
+              </a:rPr>
+              <a:t>seed</a:t>
+            </a:r>
+            <a:r>
+              <a:rPr lang="pt-BR" sz="2000" dirty="0">
+                <a:solidFill>
+                  <a:schemeClr val="accent1"/>
+                </a:solidFill>
+                <a:latin typeface="Arial" panose="020B0604020202020204" pitchFamily="34" charset="0"/>
+                <a:cs typeface="Arial" panose="020B0604020202020204" pitchFamily="34" charset="0"/>
+              </a:rPr>
+              <a:t> 123: </a:t>
+            </a:r>
+            <a:r>
+              <a:rPr lang="pt-BR" sz="2000" dirty="0">
+                <a:solidFill>
+                  <a:srgbClr val="FF0000"/>
+                </a:solidFill>
+                <a:latin typeface="Arial" panose="020B0604020202020204" pitchFamily="34" charset="0"/>
+                <a:cs typeface="Arial" panose="020B0604020202020204" pitchFamily="34" charset="0"/>
+              </a:rPr>
+              <a:t>0.6198</a:t>
+            </a:r>
+            <a:r>
+              <a:rPr lang="pt-BR" sz="2000" dirty="0">
+                <a:solidFill>
+                  <a:schemeClr val="accent1"/>
+                </a:solidFill>
+                <a:latin typeface="Arial" panose="020B0604020202020204" pitchFamily="34" charset="0"/>
+                <a:cs typeface="Arial" panose="020B0604020202020204" pitchFamily="34" charset="0"/>
+              </a:rPr>
+              <a:t>/0.6212</a:t>
+            </a:r>
+          </a:p>
+        </p:txBody>
+      </p:sp>
+      <p:sp>
+        <p:nvSpPr>
+          <p:cNvPr id="13" name="Espaço Reservado para Conteúdo 3">
+            <a:extLst>
+              <a:ext uri="{FF2B5EF4-FFF2-40B4-BE49-F238E27FC236}">
+                <a16:creationId xmlns:a16="http://schemas.microsoft.com/office/drawing/2014/main" id="{B14E6F09-79FE-FD3B-0663-B3685D3E67FA}"/>
+              </a:ext>
+            </a:extLst>
+          </p:cNvPr>
+          <p:cNvSpPr txBox="1">
+            <a:spLocks/>
+          </p:cNvSpPr>
+          <p:nvPr/>
+        </p:nvSpPr>
+        <p:spPr>
+          <a:xfrm>
+            <a:off x="641757" y="4517444"/>
+            <a:ext cx="4840448" cy="1683365"/>
+          </a:xfrm>
+          <a:prstGeom prst="rect">
+            <a:avLst/>
+          </a:prstGeom>
+        </p:spPr>
+        <p:txBody>
+          <a:bodyPr rtlCol="0">
+            <a:normAutofit/>
+          </a:bodyPr>
+          <a:lstStyle>
+            <a:lvl1pPr marL="228600" indent="-228600" algn="l" defTabSz="914400" rtl="0" eaLnBrk="1" latinLnBrk="0" hangingPunct="1">
+              <a:lnSpc>
+                <a:spcPct val="90000"/>
+              </a:lnSpc>
+              <a:spcBef>
+                <a:spcPts val="1000"/>
+              </a:spcBef>
+              <a:buFont typeface="Arial" panose="020B0604020202020204" pitchFamily="34" charset="0"/>
+              <a:buChar char="•"/>
+              <a:defRPr sz="2800" kern="1200">
+                <a:solidFill>
+                  <a:schemeClr val="tx1"/>
+                </a:solidFill>
+                <a:latin typeface="+mn-lt"/>
+                <a:ea typeface="+mn-ea"/>
+                <a:cs typeface="+mn-cs"/>
+              </a:defRPr>
+            </a:lvl1pPr>
+            <a:lvl2pPr marL="685800" indent="-228600" algn="l" defTabSz="914400" rtl="0" eaLnBrk="1" latinLnBrk="0" hangingPunct="1">
+              <a:lnSpc>
+                <a:spcPct val="90000"/>
+              </a:lnSpc>
+              <a:spcBef>
+                <a:spcPts val="500"/>
+              </a:spcBef>
+              <a:buFont typeface="Arial" panose="020B0604020202020204" pitchFamily="34" charset="0"/>
+              <a:buChar char="•"/>
+              <a:defRPr sz="2400" kern="1200">
+                <a:solidFill>
+                  <a:schemeClr val="tx1"/>
+                </a:solidFill>
+                <a:latin typeface="+mn-lt"/>
+                <a:ea typeface="+mn-ea"/>
+                <a:cs typeface="+mn-cs"/>
+              </a:defRPr>
+            </a:lvl2pPr>
+            <a:lvl3pPr marL="1143000" indent="-228600" algn="l" defTabSz="914400" rtl="0" eaLnBrk="1" latinLnBrk="0" hangingPunct="1">
+              <a:lnSpc>
+                <a:spcPct val="90000"/>
+              </a:lnSpc>
+              <a:spcBef>
+                <a:spcPts val="500"/>
+              </a:spcBef>
+              <a:buFont typeface="Arial" panose="020B0604020202020204" pitchFamily="34" charset="0"/>
+              <a:buChar char="•"/>
+              <a:defRPr sz="2000" kern="1200">
+                <a:solidFill>
+                  <a:schemeClr val="tx1"/>
+                </a:solidFill>
+                <a:latin typeface="+mn-lt"/>
+                <a:ea typeface="+mn-ea"/>
+                <a:cs typeface="+mn-cs"/>
+              </a:defRPr>
+            </a:lvl3pPr>
+            <a:lvl4pPr marL="1600200" indent="-228600" algn="l" defTabSz="914400" rtl="0" eaLnBrk="1" latinLnBrk="0" hangingPunct="1">
+              <a:lnSpc>
+                <a:spcPct val="90000"/>
+              </a:lnSpc>
+              <a:spcBef>
+                <a:spcPts val="500"/>
+              </a:spcBef>
+              <a:buFont typeface="Arial" panose="020B0604020202020204" pitchFamily="34" charset="0"/>
+              <a:buChar char="•"/>
+              <a:defRPr sz="1800" kern="1200">
+                <a:solidFill>
+                  <a:schemeClr val="tx1"/>
+                </a:solidFill>
+                <a:latin typeface="+mn-lt"/>
+                <a:ea typeface="+mn-ea"/>
+                <a:cs typeface="+mn-cs"/>
+              </a:defRPr>
+            </a:lvl4pPr>
+            <a:lvl5pPr marL="2057400" indent="-228600" algn="l" defTabSz="914400" rtl="0" eaLnBrk="1" latinLnBrk="0" hangingPunct="1">
+              <a:lnSpc>
+                <a:spcPct val="90000"/>
+              </a:lnSpc>
+              <a:spcBef>
+                <a:spcPts val="500"/>
+              </a:spcBef>
+              <a:buFont typeface="Arial" panose="020B0604020202020204" pitchFamily="34" charset="0"/>
+              <a:buChar char="•"/>
+              <a:defRPr sz="1800" kern="1200">
+                <a:solidFill>
+                  <a:schemeClr val="tx1"/>
+                </a:solidFill>
+                <a:latin typeface="+mn-lt"/>
+                <a:ea typeface="+mn-ea"/>
+                <a:cs typeface="+mn-cs"/>
+              </a:defRPr>
+            </a:lvl5pPr>
+            <a:lvl6pPr marL="2514600" indent="-228600" algn="l" defTabSz="914400" rtl="0" eaLnBrk="1" latinLnBrk="0" hangingPunct="1">
+              <a:lnSpc>
+                <a:spcPct val="90000"/>
+              </a:lnSpc>
+              <a:spcBef>
+                <a:spcPts val="500"/>
+              </a:spcBef>
+              <a:buFont typeface="Arial" panose="020B0604020202020204" pitchFamily="34" charset="0"/>
+              <a:buChar char="•"/>
+              <a:defRPr sz="1800" kern="1200">
+                <a:solidFill>
+                  <a:schemeClr val="tx1"/>
+                </a:solidFill>
+                <a:latin typeface="+mn-lt"/>
+                <a:ea typeface="+mn-ea"/>
+                <a:cs typeface="+mn-cs"/>
+              </a:defRPr>
+            </a:lvl6pPr>
+            <a:lvl7pPr marL="2971800" indent="-228600" algn="l" defTabSz="914400" rtl="0" eaLnBrk="1" latinLnBrk="0" hangingPunct="1">
+              <a:lnSpc>
+                <a:spcPct val="90000"/>
+              </a:lnSpc>
+              <a:spcBef>
+                <a:spcPts val="500"/>
+              </a:spcBef>
+              <a:buFont typeface="Arial" panose="020B0604020202020204" pitchFamily="34" charset="0"/>
+              <a:buChar char="•"/>
+              <a:defRPr sz="1800" kern="1200">
+                <a:solidFill>
+                  <a:schemeClr val="tx1"/>
+                </a:solidFill>
+                <a:latin typeface="+mn-lt"/>
+                <a:ea typeface="+mn-ea"/>
+                <a:cs typeface="+mn-cs"/>
+              </a:defRPr>
+            </a:lvl7pPr>
+            <a:lvl8pPr marL="3429000" indent="-228600" algn="l" defTabSz="914400" rtl="0" eaLnBrk="1" latinLnBrk="0" hangingPunct="1">
+              <a:lnSpc>
+                <a:spcPct val="90000"/>
+              </a:lnSpc>
+              <a:spcBef>
+                <a:spcPts val="500"/>
+              </a:spcBef>
+              <a:buFont typeface="Arial" panose="020B0604020202020204" pitchFamily="34" charset="0"/>
+              <a:buChar char="•"/>
+              <a:defRPr sz="1800" kern="1200">
+                <a:solidFill>
+                  <a:schemeClr val="tx1"/>
+                </a:solidFill>
+                <a:latin typeface="+mn-lt"/>
+                <a:ea typeface="+mn-ea"/>
+                <a:cs typeface="+mn-cs"/>
+              </a:defRPr>
+            </a:lvl8pPr>
+            <a:lvl9pPr marL="3886200" indent="-228600" algn="l" defTabSz="914400" rtl="0" eaLnBrk="1" latinLnBrk="0" hangingPunct="1">
+              <a:lnSpc>
+                <a:spcPct val="90000"/>
+              </a:lnSpc>
+              <a:spcBef>
+                <a:spcPts val="500"/>
+              </a:spcBef>
+              <a:buFont typeface="Arial" panose="020B0604020202020204" pitchFamily="34" charset="0"/>
+              <a:buChar char="•"/>
+              <a:defRPr sz="1800" kern="1200">
+                <a:solidFill>
+                  <a:schemeClr val="tx1"/>
+                </a:solidFill>
+                <a:latin typeface="+mn-lt"/>
+                <a:ea typeface="+mn-ea"/>
+                <a:cs typeface="+mn-cs"/>
+              </a:defRPr>
+            </a:lvl9pPr>
+          </a:lstStyle>
+          <a:p>
+            <a:pPr marL="0" indent="0">
+              <a:buNone/>
+            </a:pPr>
+            <a:r>
+              <a:rPr lang="pt-BR" sz="2000" dirty="0">
+                <a:solidFill>
+                  <a:schemeClr val="accent1"/>
+                </a:solidFill>
+                <a:latin typeface="Arial" panose="020B0604020202020204" pitchFamily="34" charset="0"/>
+                <a:cs typeface="Arial" panose="020B0604020202020204" pitchFamily="34" charset="0"/>
+              </a:rPr>
+              <a:t>70% treinamento, 30% validação</a:t>
+            </a:r>
+          </a:p>
+          <a:p>
+            <a:pPr marL="0" indent="0">
+              <a:buNone/>
+            </a:pPr>
+            <a:endParaRPr lang="pt-BR" sz="2000" dirty="0">
+              <a:solidFill>
+                <a:schemeClr val="accent1"/>
+              </a:solidFill>
+              <a:latin typeface="Arial" panose="020B0604020202020204" pitchFamily="34" charset="0"/>
+              <a:cs typeface="Arial" panose="020B0604020202020204" pitchFamily="34" charset="0"/>
+            </a:endParaRPr>
+          </a:p>
+          <a:p>
+            <a:pPr marL="0" indent="0">
+              <a:buNone/>
+            </a:pPr>
+            <a:r>
+              <a:rPr lang="pt-BR" sz="2000" dirty="0">
+                <a:solidFill>
+                  <a:schemeClr val="accent1"/>
+                </a:solidFill>
+                <a:latin typeface="Arial" panose="020B0604020202020204" pitchFamily="34" charset="0"/>
+                <a:cs typeface="Arial" panose="020B0604020202020204" pitchFamily="34" charset="0"/>
+              </a:rPr>
+              <a:t>	</a:t>
+            </a:r>
+            <a:r>
+              <a:rPr lang="pt-BR" sz="2000" dirty="0" err="1">
+                <a:solidFill>
+                  <a:schemeClr val="accent1"/>
+                </a:solidFill>
+                <a:latin typeface="Arial" panose="020B0604020202020204" pitchFamily="34" charset="0"/>
+                <a:cs typeface="Arial" panose="020B0604020202020204" pitchFamily="34" charset="0"/>
+              </a:rPr>
+              <a:t>seed</a:t>
+            </a:r>
+            <a:r>
+              <a:rPr lang="pt-BR" sz="2000" dirty="0">
+                <a:solidFill>
+                  <a:schemeClr val="accent1"/>
+                </a:solidFill>
+                <a:latin typeface="Arial" panose="020B0604020202020204" pitchFamily="34" charset="0"/>
+                <a:cs typeface="Arial" panose="020B0604020202020204" pitchFamily="34" charset="0"/>
+              </a:rPr>
+              <a:t> 42:   0.5849/X</a:t>
+            </a:r>
+          </a:p>
+          <a:p>
+            <a:pPr marL="0" indent="0">
+              <a:buNone/>
+            </a:pPr>
+            <a:r>
+              <a:rPr lang="pt-BR" sz="2000" dirty="0">
+                <a:solidFill>
+                  <a:schemeClr val="accent1"/>
+                </a:solidFill>
+                <a:latin typeface="Arial" panose="020B0604020202020204" pitchFamily="34" charset="0"/>
+                <a:cs typeface="Arial" panose="020B0604020202020204" pitchFamily="34" charset="0"/>
+              </a:rPr>
+              <a:t>	</a:t>
+            </a:r>
+            <a:r>
+              <a:rPr lang="pt-BR" sz="2000" dirty="0" err="1">
+                <a:solidFill>
+                  <a:schemeClr val="accent1"/>
+                </a:solidFill>
+                <a:latin typeface="Arial" panose="020B0604020202020204" pitchFamily="34" charset="0"/>
+                <a:cs typeface="Arial" panose="020B0604020202020204" pitchFamily="34" charset="0"/>
+              </a:rPr>
+              <a:t>seed</a:t>
+            </a:r>
+            <a:r>
+              <a:rPr lang="pt-BR" sz="2000" dirty="0">
+                <a:solidFill>
+                  <a:schemeClr val="accent1"/>
+                </a:solidFill>
+                <a:latin typeface="Arial" panose="020B0604020202020204" pitchFamily="34" charset="0"/>
+                <a:cs typeface="Arial" panose="020B0604020202020204" pitchFamily="34" charset="0"/>
+              </a:rPr>
+              <a:t> 123: 0.5919/X</a:t>
+            </a:r>
+          </a:p>
+        </p:txBody>
+      </p:sp>
+      <p:sp>
+        <p:nvSpPr>
+          <p:cNvPr id="14" name="Espaço Reservado para Conteúdo 3">
+            <a:extLst>
+              <a:ext uri="{FF2B5EF4-FFF2-40B4-BE49-F238E27FC236}">
+                <a16:creationId xmlns:a16="http://schemas.microsoft.com/office/drawing/2014/main" id="{6BE6A109-BF8A-DBD1-684B-E704F3F9552D}"/>
+              </a:ext>
+            </a:extLst>
+          </p:cNvPr>
+          <p:cNvSpPr txBox="1">
+            <a:spLocks/>
+          </p:cNvSpPr>
+          <p:nvPr/>
+        </p:nvSpPr>
+        <p:spPr>
+          <a:xfrm>
+            <a:off x="6599339" y="4530681"/>
+            <a:ext cx="4840448" cy="1812495"/>
+          </a:xfrm>
+          <a:prstGeom prst="rect">
+            <a:avLst/>
+          </a:prstGeom>
+        </p:spPr>
+        <p:txBody>
+          <a:bodyPr rtlCol="0">
+            <a:normAutofit/>
+          </a:bodyPr>
+          <a:lstStyle>
+            <a:lvl1pPr marL="228600" indent="-228600" algn="l" defTabSz="914400" rtl="0" eaLnBrk="1" latinLnBrk="0" hangingPunct="1">
+              <a:lnSpc>
+                <a:spcPct val="90000"/>
+              </a:lnSpc>
+              <a:spcBef>
+                <a:spcPts val="1000"/>
+              </a:spcBef>
+              <a:buFont typeface="Arial" panose="020B0604020202020204" pitchFamily="34" charset="0"/>
+              <a:buChar char="•"/>
+              <a:defRPr sz="2800" kern="1200">
+                <a:solidFill>
+                  <a:schemeClr val="tx1"/>
+                </a:solidFill>
+                <a:latin typeface="+mn-lt"/>
+                <a:ea typeface="+mn-ea"/>
+                <a:cs typeface="+mn-cs"/>
+              </a:defRPr>
+            </a:lvl1pPr>
+            <a:lvl2pPr marL="685800" indent="-228600" algn="l" defTabSz="914400" rtl="0" eaLnBrk="1" latinLnBrk="0" hangingPunct="1">
+              <a:lnSpc>
+                <a:spcPct val="90000"/>
+              </a:lnSpc>
+              <a:spcBef>
+                <a:spcPts val="500"/>
+              </a:spcBef>
+              <a:buFont typeface="Arial" panose="020B0604020202020204" pitchFamily="34" charset="0"/>
+              <a:buChar char="•"/>
+              <a:defRPr sz="2400" kern="1200">
+                <a:solidFill>
+                  <a:schemeClr val="tx1"/>
+                </a:solidFill>
+                <a:latin typeface="+mn-lt"/>
+                <a:ea typeface="+mn-ea"/>
+                <a:cs typeface="+mn-cs"/>
+              </a:defRPr>
+            </a:lvl2pPr>
+            <a:lvl3pPr marL="1143000" indent="-228600" algn="l" defTabSz="914400" rtl="0" eaLnBrk="1" latinLnBrk="0" hangingPunct="1">
+              <a:lnSpc>
+                <a:spcPct val="90000"/>
+              </a:lnSpc>
+              <a:spcBef>
+                <a:spcPts val="500"/>
+              </a:spcBef>
+              <a:buFont typeface="Arial" panose="020B0604020202020204" pitchFamily="34" charset="0"/>
+              <a:buChar char="•"/>
+              <a:defRPr sz="2000" kern="1200">
+                <a:solidFill>
+                  <a:schemeClr val="tx1"/>
+                </a:solidFill>
+                <a:latin typeface="+mn-lt"/>
+                <a:ea typeface="+mn-ea"/>
+                <a:cs typeface="+mn-cs"/>
+              </a:defRPr>
+            </a:lvl3pPr>
+            <a:lvl4pPr marL="1600200" indent="-228600" algn="l" defTabSz="914400" rtl="0" eaLnBrk="1" latinLnBrk="0" hangingPunct="1">
+              <a:lnSpc>
+                <a:spcPct val="90000"/>
+              </a:lnSpc>
+              <a:spcBef>
+                <a:spcPts val="500"/>
+              </a:spcBef>
+              <a:buFont typeface="Arial" panose="020B0604020202020204" pitchFamily="34" charset="0"/>
+              <a:buChar char="•"/>
+              <a:defRPr sz="1800" kern="1200">
+                <a:solidFill>
+                  <a:schemeClr val="tx1"/>
+                </a:solidFill>
+                <a:latin typeface="+mn-lt"/>
+                <a:ea typeface="+mn-ea"/>
+                <a:cs typeface="+mn-cs"/>
+              </a:defRPr>
+            </a:lvl4pPr>
+            <a:lvl5pPr marL="2057400" indent="-228600" algn="l" defTabSz="914400" rtl="0" eaLnBrk="1" latinLnBrk="0" hangingPunct="1">
+              <a:lnSpc>
+                <a:spcPct val="90000"/>
+              </a:lnSpc>
+              <a:spcBef>
+                <a:spcPts val="500"/>
+              </a:spcBef>
+              <a:buFont typeface="Arial" panose="020B0604020202020204" pitchFamily="34" charset="0"/>
+              <a:buChar char="•"/>
+              <a:defRPr sz="1800" kern="1200">
+                <a:solidFill>
+                  <a:schemeClr val="tx1"/>
+                </a:solidFill>
+                <a:latin typeface="+mn-lt"/>
+                <a:ea typeface="+mn-ea"/>
+                <a:cs typeface="+mn-cs"/>
+              </a:defRPr>
+            </a:lvl5pPr>
+            <a:lvl6pPr marL="2514600" indent="-228600" algn="l" defTabSz="914400" rtl="0" eaLnBrk="1" latinLnBrk="0" hangingPunct="1">
+              <a:lnSpc>
+                <a:spcPct val="90000"/>
+              </a:lnSpc>
+              <a:spcBef>
+                <a:spcPts val="500"/>
+              </a:spcBef>
+              <a:buFont typeface="Arial" panose="020B0604020202020204" pitchFamily="34" charset="0"/>
+              <a:buChar char="•"/>
+              <a:defRPr sz="1800" kern="1200">
+                <a:solidFill>
+                  <a:schemeClr val="tx1"/>
+                </a:solidFill>
+                <a:latin typeface="+mn-lt"/>
+                <a:ea typeface="+mn-ea"/>
+                <a:cs typeface="+mn-cs"/>
+              </a:defRPr>
+            </a:lvl6pPr>
+            <a:lvl7pPr marL="2971800" indent="-228600" algn="l" defTabSz="914400" rtl="0" eaLnBrk="1" latinLnBrk="0" hangingPunct="1">
+              <a:lnSpc>
+                <a:spcPct val="90000"/>
+              </a:lnSpc>
+              <a:spcBef>
+                <a:spcPts val="500"/>
+              </a:spcBef>
+              <a:buFont typeface="Arial" panose="020B0604020202020204" pitchFamily="34" charset="0"/>
+              <a:buChar char="•"/>
+              <a:defRPr sz="1800" kern="1200">
+                <a:solidFill>
+                  <a:schemeClr val="tx1"/>
+                </a:solidFill>
+                <a:latin typeface="+mn-lt"/>
+                <a:ea typeface="+mn-ea"/>
+                <a:cs typeface="+mn-cs"/>
+              </a:defRPr>
+            </a:lvl7pPr>
+            <a:lvl8pPr marL="3429000" indent="-228600" algn="l" defTabSz="914400" rtl="0" eaLnBrk="1" latinLnBrk="0" hangingPunct="1">
+              <a:lnSpc>
+                <a:spcPct val="90000"/>
+              </a:lnSpc>
+              <a:spcBef>
+                <a:spcPts val="500"/>
+              </a:spcBef>
+              <a:buFont typeface="Arial" panose="020B0604020202020204" pitchFamily="34" charset="0"/>
+              <a:buChar char="•"/>
+              <a:defRPr sz="1800" kern="1200">
+                <a:solidFill>
+                  <a:schemeClr val="tx1"/>
+                </a:solidFill>
+                <a:latin typeface="+mn-lt"/>
+                <a:ea typeface="+mn-ea"/>
+                <a:cs typeface="+mn-cs"/>
+              </a:defRPr>
+            </a:lvl8pPr>
+            <a:lvl9pPr marL="3886200" indent="-228600" algn="l" defTabSz="914400" rtl="0" eaLnBrk="1" latinLnBrk="0" hangingPunct="1">
+              <a:lnSpc>
+                <a:spcPct val="90000"/>
+              </a:lnSpc>
+              <a:spcBef>
+                <a:spcPts val="500"/>
+              </a:spcBef>
+              <a:buFont typeface="Arial" panose="020B0604020202020204" pitchFamily="34" charset="0"/>
+              <a:buChar char="•"/>
+              <a:defRPr sz="1800" kern="1200">
+                <a:solidFill>
+                  <a:schemeClr val="tx1"/>
+                </a:solidFill>
+                <a:latin typeface="+mn-lt"/>
+                <a:ea typeface="+mn-ea"/>
+                <a:cs typeface="+mn-cs"/>
+              </a:defRPr>
+            </a:lvl9pPr>
+          </a:lstStyle>
+          <a:p>
+            <a:pPr marL="0" indent="0">
+              <a:buNone/>
+            </a:pPr>
+            <a:r>
+              <a:rPr lang="pt-BR" sz="2000" dirty="0">
+                <a:solidFill>
+                  <a:schemeClr val="accent1"/>
+                </a:solidFill>
+                <a:latin typeface="Arial" panose="020B0604020202020204" pitchFamily="34" charset="0"/>
+                <a:cs typeface="Arial" panose="020B0604020202020204" pitchFamily="34" charset="0"/>
+              </a:rPr>
+              <a:t>70% treinamento, 30% validação</a:t>
+            </a:r>
+          </a:p>
+          <a:p>
+            <a:pPr marL="0" indent="0">
+              <a:buNone/>
+            </a:pPr>
+            <a:endParaRPr lang="pt-BR" sz="2000" dirty="0">
+              <a:solidFill>
+                <a:schemeClr val="accent1"/>
+              </a:solidFill>
+              <a:latin typeface="Arial" panose="020B0604020202020204" pitchFamily="34" charset="0"/>
+              <a:cs typeface="Arial" panose="020B0604020202020204" pitchFamily="34" charset="0"/>
+            </a:endParaRPr>
+          </a:p>
+          <a:p>
+            <a:pPr marL="0" indent="0">
+              <a:buNone/>
+            </a:pPr>
+            <a:r>
+              <a:rPr lang="pt-BR" sz="2000" dirty="0">
+                <a:solidFill>
+                  <a:schemeClr val="accent1"/>
+                </a:solidFill>
+                <a:latin typeface="Arial" panose="020B0604020202020204" pitchFamily="34" charset="0"/>
+                <a:cs typeface="Arial" panose="020B0604020202020204" pitchFamily="34" charset="0"/>
+              </a:rPr>
+              <a:t>	</a:t>
+            </a:r>
+            <a:r>
+              <a:rPr lang="pt-BR" sz="2000" dirty="0" err="1">
+                <a:solidFill>
+                  <a:schemeClr val="accent1"/>
+                </a:solidFill>
+                <a:latin typeface="Arial" panose="020B0604020202020204" pitchFamily="34" charset="0"/>
+                <a:cs typeface="Arial" panose="020B0604020202020204" pitchFamily="34" charset="0"/>
+              </a:rPr>
+              <a:t>seed</a:t>
+            </a:r>
+            <a:r>
+              <a:rPr lang="pt-BR" sz="2000" dirty="0">
+                <a:solidFill>
+                  <a:schemeClr val="accent1"/>
+                </a:solidFill>
+                <a:latin typeface="Arial" panose="020B0604020202020204" pitchFamily="34" charset="0"/>
+                <a:cs typeface="Arial" panose="020B0604020202020204" pitchFamily="34" charset="0"/>
+              </a:rPr>
+              <a:t> 42:   </a:t>
+            </a:r>
+            <a:r>
+              <a:rPr lang="pt-BR" sz="2000" dirty="0">
+                <a:solidFill>
+                  <a:srgbClr val="FF0000"/>
+                </a:solidFill>
+                <a:latin typeface="Arial" panose="020B0604020202020204" pitchFamily="34" charset="0"/>
+                <a:cs typeface="Arial" panose="020B0604020202020204" pitchFamily="34" charset="0"/>
+              </a:rPr>
+              <a:t>0.5474</a:t>
+            </a:r>
+            <a:r>
+              <a:rPr lang="pt-BR" sz="2000" dirty="0">
+                <a:solidFill>
+                  <a:schemeClr val="accent1"/>
+                </a:solidFill>
+                <a:latin typeface="Arial" panose="020B0604020202020204" pitchFamily="34" charset="0"/>
+                <a:cs typeface="Arial" panose="020B0604020202020204" pitchFamily="34" charset="0"/>
+              </a:rPr>
+              <a:t>/X</a:t>
+            </a:r>
+          </a:p>
+          <a:p>
+            <a:pPr marL="0" indent="0">
+              <a:buNone/>
+            </a:pPr>
+            <a:r>
+              <a:rPr lang="pt-BR" sz="2000" dirty="0">
+                <a:solidFill>
+                  <a:schemeClr val="accent1"/>
+                </a:solidFill>
+                <a:latin typeface="Arial" panose="020B0604020202020204" pitchFamily="34" charset="0"/>
+                <a:cs typeface="Arial" panose="020B0604020202020204" pitchFamily="34" charset="0"/>
+              </a:rPr>
+              <a:t>	</a:t>
+            </a:r>
+            <a:r>
+              <a:rPr lang="pt-BR" sz="2000" dirty="0" err="1">
+                <a:solidFill>
+                  <a:schemeClr val="accent1"/>
+                </a:solidFill>
+                <a:latin typeface="Arial" panose="020B0604020202020204" pitchFamily="34" charset="0"/>
+                <a:cs typeface="Arial" panose="020B0604020202020204" pitchFamily="34" charset="0"/>
+              </a:rPr>
+              <a:t>seed</a:t>
+            </a:r>
+            <a:r>
+              <a:rPr lang="pt-BR" sz="2000" dirty="0">
+                <a:solidFill>
+                  <a:schemeClr val="accent1"/>
+                </a:solidFill>
+                <a:latin typeface="Arial" panose="020B0604020202020204" pitchFamily="34" charset="0"/>
+                <a:cs typeface="Arial" panose="020B0604020202020204" pitchFamily="34" charset="0"/>
+              </a:rPr>
+              <a:t> 123: </a:t>
+            </a:r>
+            <a:r>
+              <a:rPr lang="pt-BR" sz="2000" dirty="0">
+                <a:solidFill>
+                  <a:srgbClr val="FF0000"/>
+                </a:solidFill>
+                <a:latin typeface="Arial" panose="020B0604020202020204" pitchFamily="34" charset="0"/>
+                <a:cs typeface="Arial" panose="020B0604020202020204" pitchFamily="34" charset="0"/>
+              </a:rPr>
+              <a:t>0.5981</a:t>
+            </a:r>
+            <a:r>
+              <a:rPr lang="pt-BR" sz="2000" dirty="0">
+                <a:solidFill>
+                  <a:schemeClr val="accent1"/>
+                </a:solidFill>
+                <a:latin typeface="Arial" panose="020B0604020202020204" pitchFamily="34" charset="0"/>
+                <a:cs typeface="Arial" panose="020B0604020202020204" pitchFamily="34" charset="0"/>
+              </a:rPr>
+              <a:t>/X</a:t>
+            </a:r>
+          </a:p>
+        </p:txBody>
+      </p:sp>
+      <p:sp>
+        <p:nvSpPr>
+          <p:cNvPr id="15" name="Retângulo 14">
+            <a:extLst>
+              <a:ext uri="{FF2B5EF4-FFF2-40B4-BE49-F238E27FC236}">
+                <a16:creationId xmlns:a16="http://schemas.microsoft.com/office/drawing/2014/main" id="{5549732A-DCA6-D8E8-C205-5A9A69C566B3}"/>
+              </a:ext>
+            </a:extLst>
+          </p:cNvPr>
+          <p:cNvSpPr/>
+          <p:nvPr/>
+        </p:nvSpPr>
+        <p:spPr>
+          <a:xfrm>
+            <a:off x="360727" y="6303769"/>
+            <a:ext cx="10519794" cy="417705"/>
+          </a:xfrm>
+          <a:prstGeom prst="rect">
+            <a:avLst/>
+          </a:prstGeom>
+          <a:solidFill>
+            <a:schemeClr val="accent1"/>
+          </a:solidFill>
+        </p:spPr>
+        <p:style>
+          <a:lnRef idx="2">
+            <a:schemeClr val="accent1">
+              <a:shade val="50000"/>
+            </a:schemeClr>
+          </a:lnRef>
+          <a:fillRef idx="1">
+            <a:schemeClr val="accent1"/>
+          </a:fillRef>
+          <a:effectRef idx="0">
+            <a:schemeClr val="accent1"/>
+          </a:effectRef>
+          <a:fontRef idx="minor">
+            <a:schemeClr val="lt1"/>
+          </a:fontRef>
+        </p:style>
+        <p:txBody>
+          <a:bodyPr rtlCol="0" anchor="ctr"/>
+          <a:lstStyle/>
+          <a:p>
+            <a:pPr algn="ctr"/>
+            <a:r>
+              <a:rPr lang="pt-BR" dirty="0"/>
+              <a:t>Para essa quantidade de dados, eu não esperava que a </a:t>
+            </a:r>
+            <a:r>
+              <a:rPr lang="pt-BR" dirty="0" err="1"/>
+              <a:t>seed</a:t>
+            </a:r>
+            <a:r>
+              <a:rPr lang="pt-BR" dirty="0"/>
+              <a:t> tivesse um efeito tão grande no nDCG@10</a:t>
+            </a:r>
+          </a:p>
+        </p:txBody>
+      </p:sp>
+      <p:cxnSp>
+        <p:nvCxnSpPr>
+          <p:cNvPr id="6" name="Conector reto 5">
+            <a:extLst>
+              <a:ext uri="{FF2B5EF4-FFF2-40B4-BE49-F238E27FC236}">
+                <a16:creationId xmlns:a16="http://schemas.microsoft.com/office/drawing/2014/main" id="{C62EA04F-00A0-B4BE-D1F7-AD66BE47AF92}"/>
+              </a:ext>
+            </a:extLst>
+          </p:cNvPr>
+          <p:cNvCxnSpPr>
+            <a:stCxn id="25" idx="1"/>
+            <a:endCxn id="25" idx="3"/>
+          </p:cNvCxnSpPr>
+          <p:nvPr/>
+        </p:nvCxnSpPr>
+        <p:spPr>
+          <a:xfrm>
+            <a:off x="241308" y="4334615"/>
+            <a:ext cx="5854692" cy="0"/>
+          </a:xfrm>
+          <a:prstGeom prst="line">
+            <a:avLst/>
+          </a:prstGeom>
+        </p:spPr>
+        <p:style>
+          <a:lnRef idx="1">
+            <a:schemeClr val="accent1"/>
+          </a:lnRef>
+          <a:fillRef idx="0">
+            <a:schemeClr val="accent1"/>
+          </a:fillRef>
+          <a:effectRef idx="0">
+            <a:schemeClr val="accent1"/>
+          </a:effectRef>
+          <a:fontRef idx="minor">
+            <a:schemeClr val="tx1"/>
+          </a:fontRef>
+        </p:style>
+      </p:cxnSp>
+      <p:cxnSp>
+        <p:nvCxnSpPr>
+          <p:cNvPr id="8" name="Conector reto 7">
+            <a:extLst>
+              <a:ext uri="{FF2B5EF4-FFF2-40B4-BE49-F238E27FC236}">
+                <a16:creationId xmlns:a16="http://schemas.microsoft.com/office/drawing/2014/main" id="{FFF69778-882C-1808-646C-DE7BAE730D58}"/>
+              </a:ext>
+            </a:extLst>
+          </p:cNvPr>
+          <p:cNvCxnSpPr>
+            <a:stCxn id="26" idx="1"/>
+            <a:endCxn id="26" idx="3"/>
+          </p:cNvCxnSpPr>
+          <p:nvPr/>
+        </p:nvCxnSpPr>
+        <p:spPr>
+          <a:xfrm>
+            <a:off x="6230798" y="4334614"/>
+            <a:ext cx="5854692" cy="0"/>
+          </a:xfrm>
+          <a:prstGeom prst="line">
+            <a:avLst/>
+          </a:prstGeom>
+        </p:spPr>
+        <p:style>
+          <a:lnRef idx="1">
+            <a:schemeClr val="accent1"/>
+          </a:lnRef>
+          <a:fillRef idx="0">
+            <a:schemeClr val="accent1"/>
+          </a:fillRef>
+          <a:effectRef idx="0">
+            <a:schemeClr val="accent1"/>
+          </a:effectRef>
+          <a:fontRef idx="minor">
+            <a:schemeClr val="tx1"/>
+          </a:fontRef>
+        </p:style>
+      </p:cxnSp>
+      <p:sp>
+        <p:nvSpPr>
+          <p:cNvPr id="16" name="Espaço Reservado para Conteúdo 3">
+            <a:extLst>
+              <a:ext uri="{FF2B5EF4-FFF2-40B4-BE49-F238E27FC236}">
+                <a16:creationId xmlns:a16="http://schemas.microsoft.com/office/drawing/2014/main" id="{95F2317F-14D5-72AF-6A21-869ADF5CB4A4}"/>
+              </a:ext>
+            </a:extLst>
+          </p:cNvPr>
+          <p:cNvSpPr txBox="1">
+            <a:spLocks/>
+          </p:cNvSpPr>
+          <p:nvPr/>
+        </p:nvSpPr>
+        <p:spPr>
+          <a:xfrm>
+            <a:off x="313600" y="1212673"/>
+            <a:ext cx="11771890" cy="444617"/>
+          </a:xfrm>
+          <a:prstGeom prst="rect">
+            <a:avLst/>
+          </a:prstGeom>
+        </p:spPr>
+        <p:txBody>
+          <a:bodyPr rtlCol="0">
+            <a:normAutofit fontScale="77500" lnSpcReduction="20000"/>
+          </a:bodyPr>
+          <a:lstStyle>
+            <a:lvl1pPr marL="228600" indent="-228600" algn="l" defTabSz="914400" rtl="0" eaLnBrk="1" latinLnBrk="0" hangingPunct="1">
+              <a:lnSpc>
+                <a:spcPct val="90000"/>
+              </a:lnSpc>
+              <a:spcBef>
+                <a:spcPts val="1000"/>
+              </a:spcBef>
+              <a:buFont typeface="Arial" panose="020B0604020202020204" pitchFamily="34" charset="0"/>
+              <a:buChar char="•"/>
+              <a:defRPr sz="2800" kern="1200">
+                <a:solidFill>
+                  <a:schemeClr val="tx1"/>
+                </a:solidFill>
+                <a:latin typeface="+mn-lt"/>
+                <a:ea typeface="+mn-ea"/>
+                <a:cs typeface="+mn-cs"/>
+              </a:defRPr>
+            </a:lvl1pPr>
+            <a:lvl2pPr marL="685800" indent="-228600" algn="l" defTabSz="914400" rtl="0" eaLnBrk="1" latinLnBrk="0" hangingPunct="1">
+              <a:lnSpc>
+                <a:spcPct val="90000"/>
+              </a:lnSpc>
+              <a:spcBef>
+                <a:spcPts val="500"/>
+              </a:spcBef>
+              <a:buFont typeface="Arial" panose="020B0604020202020204" pitchFamily="34" charset="0"/>
+              <a:buChar char="•"/>
+              <a:defRPr sz="2400" kern="1200">
+                <a:solidFill>
+                  <a:schemeClr val="tx1"/>
+                </a:solidFill>
+                <a:latin typeface="+mn-lt"/>
+                <a:ea typeface="+mn-ea"/>
+                <a:cs typeface="+mn-cs"/>
+              </a:defRPr>
+            </a:lvl2pPr>
+            <a:lvl3pPr marL="1143000" indent="-228600" algn="l" defTabSz="914400" rtl="0" eaLnBrk="1" latinLnBrk="0" hangingPunct="1">
+              <a:lnSpc>
+                <a:spcPct val="90000"/>
+              </a:lnSpc>
+              <a:spcBef>
+                <a:spcPts val="500"/>
+              </a:spcBef>
+              <a:buFont typeface="Arial" panose="020B0604020202020204" pitchFamily="34" charset="0"/>
+              <a:buChar char="•"/>
+              <a:defRPr sz="2000" kern="1200">
+                <a:solidFill>
+                  <a:schemeClr val="tx1"/>
+                </a:solidFill>
+                <a:latin typeface="+mn-lt"/>
+                <a:ea typeface="+mn-ea"/>
+                <a:cs typeface="+mn-cs"/>
+              </a:defRPr>
+            </a:lvl3pPr>
+            <a:lvl4pPr marL="1600200" indent="-228600" algn="l" defTabSz="914400" rtl="0" eaLnBrk="1" latinLnBrk="0" hangingPunct="1">
+              <a:lnSpc>
+                <a:spcPct val="90000"/>
+              </a:lnSpc>
+              <a:spcBef>
+                <a:spcPts val="500"/>
+              </a:spcBef>
+              <a:buFont typeface="Arial" panose="020B0604020202020204" pitchFamily="34" charset="0"/>
+              <a:buChar char="•"/>
+              <a:defRPr sz="1800" kern="1200">
+                <a:solidFill>
+                  <a:schemeClr val="tx1"/>
+                </a:solidFill>
+                <a:latin typeface="+mn-lt"/>
+                <a:ea typeface="+mn-ea"/>
+                <a:cs typeface="+mn-cs"/>
+              </a:defRPr>
+            </a:lvl4pPr>
+            <a:lvl5pPr marL="2057400" indent="-228600" algn="l" defTabSz="914400" rtl="0" eaLnBrk="1" latinLnBrk="0" hangingPunct="1">
+              <a:lnSpc>
+                <a:spcPct val="90000"/>
+              </a:lnSpc>
+              <a:spcBef>
+                <a:spcPts val="500"/>
+              </a:spcBef>
+              <a:buFont typeface="Arial" panose="020B0604020202020204" pitchFamily="34" charset="0"/>
+              <a:buChar char="•"/>
+              <a:defRPr sz="1800" kern="1200">
+                <a:solidFill>
+                  <a:schemeClr val="tx1"/>
+                </a:solidFill>
+                <a:latin typeface="+mn-lt"/>
+                <a:ea typeface="+mn-ea"/>
+                <a:cs typeface="+mn-cs"/>
+              </a:defRPr>
+            </a:lvl5pPr>
+            <a:lvl6pPr marL="2514600" indent="-228600" algn="l" defTabSz="914400" rtl="0" eaLnBrk="1" latinLnBrk="0" hangingPunct="1">
+              <a:lnSpc>
+                <a:spcPct val="90000"/>
+              </a:lnSpc>
+              <a:spcBef>
+                <a:spcPts val="500"/>
+              </a:spcBef>
+              <a:buFont typeface="Arial" panose="020B0604020202020204" pitchFamily="34" charset="0"/>
+              <a:buChar char="•"/>
+              <a:defRPr sz="1800" kern="1200">
+                <a:solidFill>
+                  <a:schemeClr val="tx1"/>
+                </a:solidFill>
+                <a:latin typeface="+mn-lt"/>
+                <a:ea typeface="+mn-ea"/>
+                <a:cs typeface="+mn-cs"/>
+              </a:defRPr>
+            </a:lvl6pPr>
+            <a:lvl7pPr marL="2971800" indent="-228600" algn="l" defTabSz="914400" rtl="0" eaLnBrk="1" latinLnBrk="0" hangingPunct="1">
+              <a:lnSpc>
+                <a:spcPct val="90000"/>
+              </a:lnSpc>
+              <a:spcBef>
+                <a:spcPts val="500"/>
+              </a:spcBef>
+              <a:buFont typeface="Arial" panose="020B0604020202020204" pitchFamily="34" charset="0"/>
+              <a:buChar char="•"/>
+              <a:defRPr sz="1800" kern="1200">
+                <a:solidFill>
+                  <a:schemeClr val="tx1"/>
+                </a:solidFill>
+                <a:latin typeface="+mn-lt"/>
+                <a:ea typeface="+mn-ea"/>
+                <a:cs typeface="+mn-cs"/>
+              </a:defRPr>
+            </a:lvl7pPr>
+            <a:lvl8pPr marL="3429000" indent="-228600" algn="l" defTabSz="914400" rtl="0" eaLnBrk="1" latinLnBrk="0" hangingPunct="1">
+              <a:lnSpc>
+                <a:spcPct val="90000"/>
+              </a:lnSpc>
+              <a:spcBef>
+                <a:spcPts val="500"/>
+              </a:spcBef>
+              <a:buFont typeface="Arial" panose="020B0604020202020204" pitchFamily="34" charset="0"/>
+              <a:buChar char="•"/>
+              <a:defRPr sz="1800" kern="1200">
+                <a:solidFill>
+                  <a:schemeClr val="tx1"/>
+                </a:solidFill>
+                <a:latin typeface="+mn-lt"/>
+                <a:ea typeface="+mn-ea"/>
+                <a:cs typeface="+mn-cs"/>
+              </a:defRPr>
+            </a:lvl8pPr>
+            <a:lvl9pPr marL="3886200" indent="-228600" algn="l" defTabSz="914400" rtl="0" eaLnBrk="1" latinLnBrk="0" hangingPunct="1">
+              <a:lnSpc>
+                <a:spcPct val="90000"/>
+              </a:lnSpc>
+              <a:spcBef>
+                <a:spcPts val="500"/>
+              </a:spcBef>
+              <a:buFont typeface="Arial" panose="020B0604020202020204" pitchFamily="34" charset="0"/>
+              <a:buChar char="•"/>
+              <a:defRPr sz="1800" kern="1200">
+                <a:solidFill>
+                  <a:schemeClr val="tx1"/>
+                </a:solidFill>
+                <a:latin typeface="+mn-lt"/>
+                <a:ea typeface="+mn-ea"/>
+                <a:cs typeface="+mn-cs"/>
+              </a:defRPr>
+            </a:lvl9pPr>
+          </a:lstStyle>
+          <a:p>
+            <a:pPr marL="0" indent="0">
+              <a:buNone/>
+            </a:pPr>
+            <a:r>
+              <a:rPr lang="pt-BR" sz="2000" dirty="0">
+                <a:solidFill>
+                  <a:schemeClr val="accent1"/>
+                </a:solidFill>
+                <a:latin typeface="Arial" panose="020B0604020202020204" pitchFamily="34" charset="0"/>
+                <a:cs typeface="Arial" panose="020B0604020202020204" pitchFamily="34" charset="0"/>
+              </a:rPr>
+              <a:t>Resultados de nDCG@10. O primeiro número é com o BM25 </a:t>
+            </a:r>
+            <a:r>
+              <a:rPr lang="pt-BR" sz="2000" dirty="0" err="1">
+                <a:solidFill>
+                  <a:schemeClr val="accent1"/>
+                </a:solidFill>
+                <a:latin typeface="Arial" panose="020B0604020202020204" pitchFamily="34" charset="0"/>
+                <a:cs typeface="Arial" panose="020B0604020202020204" pitchFamily="34" charset="0"/>
+              </a:rPr>
+              <a:t>Pyserini</a:t>
+            </a:r>
+            <a:r>
+              <a:rPr lang="pt-BR" sz="2000" dirty="0">
+                <a:solidFill>
+                  <a:schemeClr val="accent1"/>
+                </a:solidFill>
+                <a:latin typeface="Arial" panose="020B0604020202020204" pitchFamily="34" charset="0"/>
+                <a:cs typeface="Arial" panose="020B0604020202020204" pitchFamily="34" charset="0"/>
+              </a:rPr>
+              <a:t>, o segundo, quando existir, é implementação da Aula 1</a:t>
             </a:r>
           </a:p>
         </p:txBody>
@@ -12885,7 +13085,7 @@
     </p:spTree>
     <p:extLst>
       <p:ext uri="{BB962C8B-B14F-4D97-AF65-F5344CB8AC3E}">
-        <p14:creationId xmlns:p14="http://schemas.microsoft.com/office/powerpoint/2010/main" val="891166708"/>
+        <p14:creationId xmlns:p14="http://schemas.microsoft.com/office/powerpoint/2010/main" val="4268197147"/>
       </p:ext>
     </p:extLst>
   </p:cSld>
@@ -13178,13 +13378,36 @@
               <a:buFont typeface="Arial" panose="020B0604020202020204" pitchFamily="34" charset="0"/>
               <a:buAutoNum type="arabicPeriod"/>
             </a:pPr>
-            <a:endParaRPr lang="pt-BR" sz="2400" dirty="0">
-              <a:solidFill>
-                <a:schemeClr val="accent1"/>
-              </a:solidFill>
-              <a:latin typeface="Arial" panose="020B0604020202020204" pitchFamily="34" charset="0"/>
-              <a:cs typeface="Arial" panose="020B0604020202020204" pitchFamily="34" charset="0"/>
-            </a:endParaRPr>
+            <a:r>
+              <a:rPr lang="pt-BR" sz="2400" dirty="0">
+                <a:solidFill>
+                  <a:schemeClr val="accent1"/>
+                </a:solidFill>
+                <a:latin typeface="Arial" panose="020B0604020202020204" pitchFamily="34" charset="0"/>
+                <a:cs typeface="Arial" panose="020B0604020202020204" pitchFamily="34" charset="0"/>
+              </a:rPr>
+              <a:t>O que exatamente é esse </a:t>
+            </a:r>
+            <a:r>
+              <a:rPr lang="pt-BR" sz="2400" dirty="0" err="1">
+                <a:solidFill>
+                  <a:schemeClr val="accent1"/>
+                </a:solidFill>
+                <a:latin typeface="Arial" panose="020B0604020202020204" pitchFamily="34" charset="0"/>
+                <a:cs typeface="Arial" panose="020B0604020202020204" pitchFamily="34" charset="0"/>
+              </a:rPr>
+              <a:t>attention_mask</a:t>
+            </a:r>
+            <a:r>
+              <a:rPr lang="pt-BR" sz="2400" dirty="0">
+                <a:solidFill>
+                  <a:schemeClr val="accent1"/>
+                </a:solidFill>
+                <a:latin typeface="Arial" panose="020B0604020202020204" pitchFamily="34" charset="0"/>
+                <a:cs typeface="Arial" panose="020B0604020202020204" pitchFamily="34" charset="0"/>
+              </a:rPr>
+              <a:t> e onde é usado?</a:t>
+            </a:r>
           </a:p>
           <a:p>
             <a:pPr marL="457200" indent="-457200">
@@ -13204,45 +13427,6 @@
               <a:buFont typeface="Arial" panose="020B0604020202020204" pitchFamily="34" charset="0"/>
               <a:buAutoNum type="arabicPeriod"/>
             </a:pPr>
-            <a:endParaRPr lang="pt-BR" sz="2400" dirty="0">
-              <a:solidFill>
-                <a:schemeClr val="accent1"/>
-              </a:solidFill>
-              <a:latin typeface="Arial" panose="020B0604020202020204" pitchFamily="34" charset="0"/>
-              <a:cs typeface="Arial" panose="020B0604020202020204" pitchFamily="34" charset="0"/>
-            </a:endParaRPr>
-          </a:p>
-          <a:p>
-            <a:pPr marL="457200" indent="-457200">
-              <a:buFont typeface="Arial" panose="020B0604020202020204" pitchFamily="34" charset="0"/>
-              <a:buAutoNum type="arabicPeriod"/>
-            </a:pPr>
-            <a:endParaRPr lang="pt-BR" sz="2400" dirty="0">
-              <a:solidFill>
-                <a:schemeClr val="accent1"/>
-              </a:solidFill>
-              <a:latin typeface="Arial" panose="020B0604020202020204" pitchFamily="34" charset="0"/>
-              <a:cs typeface="Arial" panose="020B0604020202020204" pitchFamily="34" charset="0"/>
-            </a:endParaRPr>
-          </a:p>
-          <a:p>
-            <a:pPr marL="457200" indent="-457200">
-              <a:buFont typeface="Arial" panose="020B0604020202020204" pitchFamily="34" charset="0"/>
-              <a:buAutoNum type="arabicPeriod"/>
-            </a:pPr>
-            <a:endParaRPr lang="pt-BR" sz="2400" dirty="0">
-              <a:solidFill>
-                <a:schemeClr val="accent1"/>
-              </a:solidFill>
-              <a:latin typeface="Arial" panose="020B0604020202020204" pitchFamily="34" charset="0"/>
-              <a:cs typeface="Arial" panose="020B0604020202020204" pitchFamily="34" charset="0"/>
-            </a:endParaRPr>
-          </a:p>
-          <a:p>
-            <a:pPr marL="457200" indent="-457200">
-              <a:buFont typeface="Arial" panose="020B0604020202020204" pitchFamily="34" charset="0"/>
-              <a:buAutoNum type="arabicPeriod"/>
-            </a:pPr>
             <a:r>
               <a:rPr lang="pt-BR" sz="2400" dirty="0">
                 <a:solidFill>
@@ -13251,7 +13435,7 @@
                 <a:latin typeface="Arial" panose="020B0604020202020204" pitchFamily="34" charset="0"/>
                 <a:cs typeface="Arial" panose="020B0604020202020204" pitchFamily="34" charset="0"/>
               </a:rPr>
-              <a:t>Porque todos os </a:t>
+              <a:t>O </a:t>
             </a:r>
             <a:r>
               <a:rPr lang="pt-BR" sz="2400" dirty="0" err="1">
@@ -13261,7 +13445,7 @@
                 <a:latin typeface="Arial" panose="020B0604020202020204" pitchFamily="34" charset="0"/>
                 <a:cs typeface="Arial" panose="020B0604020202020204" pitchFamily="34" charset="0"/>
               </a:rPr>
-              <a:t>embeddings</a:t>
+              <a:t>eval</a:t>
             </a:r>
             <a:r>
               <a:rPr lang="pt-BR" sz="2400" dirty="0">
@@ -13271,258 +13455,15 @@
                 <a:latin typeface="Arial" panose="020B0604020202020204" pitchFamily="34" charset="0"/>
                 <a:cs typeface="Arial" panose="020B0604020202020204" pitchFamily="34" charset="0"/>
               </a:rPr>
-              <a:t> (token, </a:t>
-            </a:r>
-            <a:r>
-              <a:rPr lang="pt-BR" sz="2400" dirty="0" err="1">
-                <a:solidFill>
-                  <a:schemeClr val="accent1"/>
-                </a:solidFill>
-                <a:latin typeface="Arial" panose="020B0604020202020204" pitchFamily="34" charset="0"/>
-                <a:cs typeface="Arial" panose="020B0604020202020204" pitchFamily="34" charset="0"/>
-              </a:rPr>
-              <a:t>segment</a:t>
-            </a:r>
-            <a:r>
-              <a:rPr lang="pt-BR" sz="2400" dirty="0">
-                <a:solidFill>
-                  <a:schemeClr val="accent1"/>
-                </a:solidFill>
-                <a:latin typeface="Arial" panose="020B0604020202020204" pitchFamily="34" charset="0"/>
-                <a:cs typeface="Arial" panose="020B0604020202020204" pitchFamily="34" charset="0"/>
-              </a:rPr>
-              <a:t> e position) são somados? Como a rede sabe o que é o que?</a:t>
-            </a:r>
-          </a:p>
-          <a:p>
-            <a:pPr marL="457200" indent="-457200">
-              <a:buFont typeface="Arial" panose="020B0604020202020204" pitchFamily="34" charset="0"/>
-              <a:buAutoNum type="arabicPeriod"/>
-            </a:pPr>
-            <a:endParaRPr lang="pt-BR" sz="2400" dirty="0">
-              <a:solidFill>
-                <a:schemeClr val="accent1"/>
-              </a:solidFill>
-              <a:latin typeface="Arial" panose="020B0604020202020204" pitchFamily="34" charset="0"/>
-              <a:cs typeface="Arial" panose="020B0604020202020204" pitchFamily="34" charset="0"/>
-            </a:endParaRPr>
-          </a:p>
-          <a:p>
-            <a:pPr marL="457200" indent="-457200">
-              <a:buFont typeface="Arial" panose="020B0604020202020204" pitchFamily="34" charset="0"/>
-              <a:buAutoNum type="arabicPeriod"/>
-            </a:pPr>
-            <a:r>
-              <a:rPr lang="pt-BR" sz="2400" dirty="0">
-                <a:solidFill>
-                  <a:schemeClr val="accent1"/>
-                </a:solidFill>
-                <a:latin typeface="Arial" panose="020B0604020202020204" pitchFamily="34" charset="0"/>
-                <a:cs typeface="Arial" panose="020B0604020202020204" pitchFamily="34" charset="0"/>
-              </a:rPr>
-              <a:t>Porque os </a:t>
-            </a:r>
-            <a:r>
-              <a:rPr lang="pt-BR" sz="2400" dirty="0" err="1">
-                <a:solidFill>
-                  <a:schemeClr val="accent1"/>
-                </a:solidFill>
-                <a:latin typeface="Arial" panose="020B0604020202020204" pitchFamily="34" charset="0"/>
-                <a:cs typeface="Arial" panose="020B0604020202020204" pitchFamily="34" charset="0"/>
-              </a:rPr>
-              <a:t>segment</a:t>
-            </a:r>
-            <a:r>
-              <a:rPr lang="pt-BR" sz="2400" dirty="0">
-                <a:solidFill>
-                  <a:schemeClr val="accent1"/>
-                </a:solidFill>
-                <a:latin typeface="Arial" panose="020B0604020202020204" pitchFamily="34" charset="0"/>
-                <a:cs typeface="Arial" panose="020B0604020202020204" pitchFamily="34" charset="0"/>
-              </a:rPr>
-              <a:t> </a:t>
-            </a:r>
-            <a:r>
-              <a:rPr lang="pt-BR" sz="2400" dirty="0" err="1">
-                <a:solidFill>
-                  <a:schemeClr val="accent1"/>
-                </a:solidFill>
-                <a:latin typeface="Arial" panose="020B0604020202020204" pitchFamily="34" charset="0"/>
-                <a:cs typeface="Arial" panose="020B0604020202020204" pitchFamily="34" charset="0"/>
-              </a:rPr>
-              <a:t>embeddings</a:t>
-            </a:r>
-            <a:r>
-              <a:rPr lang="pt-BR" sz="2400" dirty="0">
-                <a:solidFill>
-                  <a:schemeClr val="accent1"/>
-                </a:solidFill>
-                <a:latin typeface="Arial" panose="020B0604020202020204" pitchFamily="34" charset="0"/>
-                <a:cs typeface="Arial" panose="020B0604020202020204" pitchFamily="34" charset="0"/>
-              </a:rPr>
-              <a:t> são necessários? O [SEP] já não é suficiente?</a:t>
-            </a:r>
-            <a:endParaRPr lang="pt-BR" sz="1600" dirty="0">
-              <a:solidFill>
-                <a:schemeClr val="accent1"/>
-              </a:solidFill>
-              <a:latin typeface="Arial" panose="020B0604020202020204" pitchFamily="34" charset="0"/>
-              <a:cs typeface="Arial" panose="020B0604020202020204" pitchFamily="34" charset="0"/>
-            </a:endParaRPr>
-          </a:p>
-          <a:p>
-            <a:pPr marL="0" indent="0">
-              <a:buNone/>
-            </a:pPr>
-            <a:r>
-              <a:rPr lang="pt-BR" sz="1600" dirty="0" err="1">
-                <a:solidFill>
-                  <a:schemeClr val="accent1"/>
-                </a:solidFill>
-                <a:latin typeface="Arial" panose="020B0604020202020204" pitchFamily="34" charset="0"/>
-                <a:cs typeface="Arial" panose="020B0604020202020204" pitchFamily="34" charset="0"/>
-              </a:rPr>
-              <a:t>Obs</a:t>
-            </a:r>
-            <a:r>
-              <a:rPr lang="pt-BR" sz="1600" dirty="0">
-                <a:solidFill>
-                  <a:schemeClr val="accent1"/>
-                </a:solidFill>
-                <a:latin typeface="Arial" panose="020B0604020202020204" pitchFamily="34" charset="0"/>
-                <a:cs typeface="Arial" panose="020B0604020202020204" pitchFamily="34" charset="0"/>
-              </a:rPr>
-              <a:t>: o artigo chegou a testar o efeito de não usar </a:t>
-            </a:r>
-            <a:r>
-              <a:rPr lang="pt-BR" sz="1600" dirty="0" err="1">
-                <a:solidFill>
-                  <a:schemeClr val="accent1"/>
-                </a:solidFill>
-                <a:latin typeface="Arial" panose="020B0604020202020204" pitchFamily="34" charset="0"/>
-                <a:cs typeface="Arial" panose="020B0604020202020204" pitchFamily="34" charset="0"/>
-              </a:rPr>
-              <a:t>segment</a:t>
-            </a:r>
-            <a:r>
-              <a:rPr lang="pt-BR" sz="1600" dirty="0">
-                <a:solidFill>
-                  <a:schemeClr val="accent1"/>
-                </a:solidFill>
-                <a:latin typeface="Arial" panose="020B0604020202020204" pitchFamily="34" charset="0"/>
-                <a:cs typeface="Arial" panose="020B0604020202020204" pitchFamily="34" charset="0"/>
-              </a:rPr>
-              <a:t> </a:t>
-            </a:r>
-            <a:r>
-              <a:rPr lang="pt-BR" sz="1600" dirty="0" err="1">
-                <a:solidFill>
-                  <a:schemeClr val="accent1"/>
-                </a:solidFill>
-                <a:latin typeface="Arial" panose="020B0604020202020204" pitchFamily="34" charset="0"/>
-                <a:cs typeface="Arial" panose="020B0604020202020204" pitchFamily="34" charset="0"/>
-              </a:rPr>
-              <a:t>embeddings</a:t>
-            </a:r>
-            <a:r>
-              <a:rPr lang="pt-BR" sz="1600" dirty="0">
-                <a:solidFill>
-                  <a:schemeClr val="accent1"/>
-                </a:solidFill>
-                <a:latin typeface="Arial" panose="020B0604020202020204" pitchFamily="34" charset="0"/>
-                <a:cs typeface="Arial" panose="020B0604020202020204" pitchFamily="34" charset="0"/>
-              </a:rPr>
-              <a:t>, mas e se tirasse o </a:t>
-            </a:r>
-            <a:r>
-              <a:rPr lang="pt-BR" sz="1600" dirty="0" err="1">
-                <a:solidFill>
-                  <a:schemeClr val="accent1"/>
-                </a:solidFill>
-                <a:latin typeface="Arial" panose="020B0604020202020204" pitchFamily="34" charset="0"/>
-                <a:cs typeface="Arial" panose="020B0604020202020204" pitchFamily="34" charset="0"/>
-              </a:rPr>
-              <a:t>segment</a:t>
-            </a:r>
-            <a:r>
-              <a:rPr lang="pt-BR" sz="1600" dirty="0">
-                <a:solidFill>
-                  <a:schemeClr val="accent1"/>
-                </a:solidFill>
-                <a:latin typeface="Arial" panose="020B0604020202020204" pitchFamily="34" charset="0"/>
-                <a:cs typeface="Arial" panose="020B0604020202020204" pitchFamily="34" charset="0"/>
-              </a:rPr>
-              <a:t> </a:t>
-            </a:r>
-            <a:r>
-              <a:rPr lang="pt-BR" sz="1600" dirty="0" err="1">
-                <a:solidFill>
-                  <a:schemeClr val="accent1"/>
-                </a:solidFill>
-                <a:latin typeface="Arial" panose="020B0604020202020204" pitchFamily="34" charset="0"/>
-                <a:cs typeface="Arial" panose="020B0604020202020204" pitchFamily="34" charset="0"/>
-              </a:rPr>
-              <a:t>embeddings</a:t>
-            </a:r>
-            <a:r>
-              <a:rPr lang="pt-BR" sz="1600" dirty="0">
-                <a:solidFill>
-                  <a:schemeClr val="accent1"/>
-                </a:solidFill>
-                <a:latin typeface="Arial" panose="020B0604020202020204" pitchFamily="34" charset="0"/>
-                <a:cs typeface="Arial" panose="020B0604020202020204" pitchFamily="34" charset="0"/>
-              </a:rPr>
-              <a:t> e o [SEP]?</a:t>
-            </a:r>
-          </a:p>
-          <a:p>
-            <a:pPr marL="0" indent="0">
-              <a:buNone/>
-            </a:pPr>
-            <a:endParaRPr lang="pt-BR" sz="2400" dirty="0">
-              <a:solidFill>
-                <a:schemeClr val="accent1"/>
-              </a:solidFill>
-              <a:latin typeface="Arial" panose="020B0604020202020204" pitchFamily="34" charset="0"/>
-              <a:cs typeface="Arial" panose="020B0604020202020204" pitchFamily="34" charset="0"/>
-            </a:endParaRPr>
-          </a:p>
-        </p:txBody>
-      </p:sp>
-      <p:pic>
-        <p:nvPicPr>
-          <p:cNvPr id="6" name="Imagem 5">
-            <a:extLst>
-              <a:ext uri="{FF2B5EF4-FFF2-40B4-BE49-F238E27FC236}">
-                <a16:creationId xmlns:a16="http://schemas.microsoft.com/office/drawing/2014/main" id="{1BC705C4-4C3E-C2A1-4893-E3515A929926}"/>
-              </a:ext>
-            </a:extLst>
-          </p:cNvPr>
-          <p:cNvPicPr>
-            <a:picLocks noChangeAspect="1"/>
-          </p:cNvPicPr>
-          <p:nvPr/>
-        </p:nvPicPr>
-        <p:blipFill>
-          <a:blip r:embed="rId3"/>
-          <a:stretch>
-            <a:fillRect/>
-          </a:stretch>
-        </p:blipFill>
-        <p:spPr>
-          <a:xfrm>
-            <a:off x="2970535" y="1474568"/>
-            <a:ext cx="6239746" cy="2029108"/>
-          </a:xfrm>
-          <a:prstGeom prst="rect">
-            <a:avLst/>
-          </a:prstGeom>
-        </p:spPr>
-      </p:pic>
+              <a:t>() no retorno de 1.000 passagens do BM25 levou uns 5 segundos. Como fazer pra isso ser prático numa pesquisa de documentos grandes?</a:t>
+            </a:r>
+          </a:p>
+        </p:txBody>
+      </p:sp>
     </p:spTree>
     <p:extLst>
       <p:ext uri="{BB962C8B-B14F-4D97-AF65-F5344CB8AC3E}">
-        <p14:creationId xmlns:p14="http://schemas.microsoft.com/office/powerpoint/2010/main" val="2813232029"/>
+        <p14:creationId xmlns:p14="http://schemas.microsoft.com/office/powerpoint/2010/main" val="891166708"/>
       </p:ext>
     </p:extLst>
   </p:cSld>
@@ -13554,6 +13495,643 @@
           <p:cNvPr id="2" name="Título 1">
             <a:extLst>
               <a:ext uri="{FF2B5EF4-FFF2-40B4-BE49-F238E27FC236}">
+                <a16:creationId xmlns:a16="http://schemas.microsoft.com/office/drawing/2014/main" id="{6719F29B-F233-48AF-8261-F33A4E079E3E}"/>
+              </a:ext>
+            </a:extLst>
+          </p:cNvPr>
+          <p:cNvSpPr>
+            <a:spLocks noGrp="1"/>
+          </p:cNvSpPr>
+          <p:nvPr>
+            <p:ph type="title"/>
+          </p:nvPr>
+        </p:nvSpPr>
+        <p:spPr>
+          <a:xfrm>
+            <a:off x="176169" y="243281"/>
+            <a:ext cx="10058400" cy="729788"/>
+          </a:xfrm>
+        </p:spPr>
+        <p:txBody>
+          <a:bodyPr rtlCol="0"/>
+          <a:lstStyle/>
+          <a:p>
+            <a:pPr algn="l" rtl="0"/>
+            <a:r>
+              <a:rPr lang="pt-BR" dirty="0"/>
+              <a:t>Dúvidas</a:t>
+            </a:r>
+          </a:p>
+        </p:txBody>
+      </p:sp>
+      <p:sp>
+        <p:nvSpPr>
+          <p:cNvPr id="4" name="Espaço Reservado para o Número do Slide 3">
+            <a:extLst>
+              <a:ext uri="{FF2B5EF4-FFF2-40B4-BE49-F238E27FC236}">
+                <a16:creationId xmlns:a16="http://schemas.microsoft.com/office/drawing/2014/main" id="{328F602C-7F98-4C02-99D4-ED65E00D66A4}"/>
+              </a:ext>
+            </a:extLst>
+          </p:cNvPr>
+          <p:cNvSpPr>
+            <a:spLocks noGrp="1"/>
+          </p:cNvSpPr>
+          <p:nvPr>
+            <p:ph type="sldNum" sz="quarter" idx="12"/>
+          </p:nvPr>
+        </p:nvSpPr>
+        <p:spPr>
+          <a:xfrm>
+            <a:off x="8610600" y="6356350"/>
+            <a:ext cx="2743200" cy="365125"/>
+          </a:xfrm>
+        </p:spPr>
+        <p:txBody>
+          <a:bodyPr rtlCol="0"/>
+          <a:lstStyle/>
+          <a:p>
+            <a:pPr rtl="0"/>
+            <a:fld id="{19B51A1E-902D-48AF-9020-955120F399B6}" type="slidenum">
+              <a:rPr lang="pt-BR" smtClean="0"/>
+              <a:pPr rtl="0"/>
+              <a:t>6</a:t>
+            </a:fld>
+            <a:endParaRPr lang="pt-BR"/>
+          </a:p>
+        </p:txBody>
+      </p:sp>
+      <p:sp>
+        <p:nvSpPr>
+          <p:cNvPr id="5" name="Espaço Reservado para Conteúdo 3">
+            <a:extLst>
+              <a:ext uri="{FF2B5EF4-FFF2-40B4-BE49-F238E27FC236}">
+                <a16:creationId xmlns:a16="http://schemas.microsoft.com/office/drawing/2014/main" id="{D878EE27-5FE5-6A48-C488-A8CE485F3754}"/>
+              </a:ext>
+            </a:extLst>
+          </p:cNvPr>
+          <p:cNvSpPr txBox="1">
+            <a:spLocks/>
+          </p:cNvSpPr>
+          <p:nvPr/>
+        </p:nvSpPr>
+        <p:spPr>
+          <a:xfrm>
+            <a:off x="243282" y="1753299"/>
+            <a:ext cx="11694252" cy="4689445"/>
+          </a:xfrm>
+          <a:prstGeom prst="rect">
+            <a:avLst/>
+          </a:prstGeom>
+        </p:spPr>
+        <p:txBody>
+          <a:bodyPr rtlCol="0">
+            <a:normAutofit/>
+          </a:bodyPr>
+          <a:lstStyle>
+            <a:lvl1pPr marL="228600" indent="-228600" algn="l" defTabSz="914400" rtl="0" eaLnBrk="1" latinLnBrk="0" hangingPunct="1">
+              <a:lnSpc>
+                <a:spcPct val="90000"/>
+              </a:lnSpc>
+              <a:spcBef>
+                <a:spcPts val="1000"/>
+              </a:spcBef>
+              <a:buFont typeface="Arial" panose="020B0604020202020204" pitchFamily="34" charset="0"/>
+              <a:buChar char="•"/>
+              <a:defRPr sz="2800" kern="1200">
+                <a:solidFill>
+                  <a:schemeClr val="tx1"/>
+                </a:solidFill>
+                <a:latin typeface="+mn-lt"/>
+                <a:ea typeface="+mn-ea"/>
+                <a:cs typeface="+mn-cs"/>
+              </a:defRPr>
+            </a:lvl1pPr>
+            <a:lvl2pPr marL="685800" indent="-228600" algn="l" defTabSz="914400" rtl="0" eaLnBrk="1" latinLnBrk="0" hangingPunct="1">
+              <a:lnSpc>
+                <a:spcPct val="90000"/>
+              </a:lnSpc>
+              <a:spcBef>
+                <a:spcPts val="500"/>
+              </a:spcBef>
+              <a:buFont typeface="Arial" panose="020B0604020202020204" pitchFamily="34" charset="0"/>
+              <a:buChar char="•"/>
+              <a:defRPr sz="2400" kern="1200">
+                <a:solidFill>
+                  <a:schemeClr val="tx1"/>
+                </a:solidFill>
+                <a:latin typeface="+mn-lt"/>
+                <a:ea typeface="+mn-ea"/>
+                <a:cs typeface="+mn-cs"/>
+              </a:defRPr>
+            </a:lvl2pPr>
+            <a:lvl3pPr marL="1143000" indent="-228600" algn="l" defTabSz="914400" rtl="0" eaLnBrk="1" latinLnBrk="0" hangingPunct="1">
+              <a:lnSpc>
+                <a:spcPct val="90000"/>
+              </a:lnSpc>
+              <a:spcBef>
+                <a:spcPts val="500"/>
+              </a:spcBef>
+              <a:buFont typeface="Arial" panose="020B0604020202020204" pitchFamily="34" charset="0"/>
+              <a:buChar char="•"/>
+              <a:defRPr sz="2000" kern="1200">
+                <a:solidFill>
+                  <a:schemeClr val="tx1"/>
+                </a:solidFill>
+                <a:latin typeface="+mn-lt"/>
+                <a:ea typeface="+mn-ea"/>
+                <a:cs typeface="+mn-cs"/>
+              </a:defRPr>
+            </a:lvl3pPr>
+            <a:lvl4pPr marL="1600200" indent="-228600" algn="l" defTabSz="914400" rtl="0" eaLnBrk="1" latinLnBrk="0" hangingPunct="1">
+              <a:lnSpc>
+                <a:spcPct val="90000"/>
+              </a:lnSpc>
+              <a:spcBef>
+                <a:spcPts val="500"/>
+              </a:spcBef>
+              <a:buFont typeface="Arial" panose="020B0604020202020204" pitchFamily="34" charset="0"/>
+              <a:buChar char="•"/>
+              <a:defRPr sz="1800" kern="1200">
+                <a:solidFill>
+                  <a:schemeClr val="tx1"/>
+                </a:solidFill>
+                <a:latin typeface="+mn-lt"/>
+                <a:ea typeface="+mn-ea"/>
+                <a:cs typeface="+mn-cs"/>
+              </a:defRPr>
+            </a:lvl4pPr>
+            <a:lvl5pPr marL="2057400" indent="-228600" algn="l" defTabSz="914400" rtl="0" eaLnBrk="1" latinLnBrk="0" hangingPunct="1">
+              <a:lnSpc>
+                <a:spcPct val="90000"/>
+              </a:lnSpc>
+              <a:spcBef>
+                <a:spcPts val="500"/>
+              </a:spcBef>
+              <a:buFont typeface="Arial" panose="020B0604020202020204" pitchFamily="34" charset="0"/>
+              <a:buChar char="•"/>
+              <a:defRPr sz="1800" kern="1200">
+                <a:solidFill>
+                  <a:schemeClr val="tx1"/>
+                </a:solidFill>
+                <a:latin typeface="+mn-lt"/>
+                <a:ea typeface="+mn-ea"/>
+                <a:cs typeface="+mn-cs"/>
+              </a:defRPr>
+            </a:lvl5pPr>
+            <a:lvl6pPr marL="2514600" indent="-228600" algn="l" defTabSz="914400" rtl="0" eaLnBrk="1" latinLnBrk="0" hangingPunct="1">
+              <a:lnSpc>
+                <a:spcPct val="90000"/>
+              </a:lnSpc>
+              <a:spcBef>
+                <a:spcPts val="500"/>
+              </a:spcBef>
+              <a:buFont typeface="Arial" panose="020B0604020202020204" pitchFamily="34" charset="0"/>
+              <a:buChar char="•"/>
+              <a:defRPr sz="1800" kern="1200">
+                <a:solidFill>
+                  <a:schemeClr val="tx1"/>
+                </a:solidFill>
+                <a:latin typeface="+mn-lt"/>
+                <a:ea typeface="+mn-ea"/>
+                <a:cs typeface="+mn-cs"/>
+              </a:defRPr>
+            </a:lvl6pPr>
+            <a:lvl7pPr marL="2971800" indent="-228600" algn="l" defTabSz="914400" rtl="0" eaLnBrk="1" latinLnBrk="0" hangingPunct="1">
+              <a:lnSpc>
+                <a:spcPct val="90000"/>
+              </a:lnSpc>
+              <a:spcBef>
+                <a:spcPts val="500"/>
+              </a:spcBef>
+              <a:buFont typeface="Arial" panose="020B0604020202020204" pitchFamily="34" charset="0"/>
+              <a:buChar char="•"/>
+              <a:defRPr sz="1800" kern="1200">
+                <a:solidFill>
+                  <a:schemeClr val="tx1"/>
+                </a:solidFill>
+                <a:latin typeface="+mn-lt"/>
+                <a:ea typeface="+mn-ea"/>
+                <a:cs typeface="+mn-cs"/>
+              </a:defRPr>
+            </a:lvl7pPr>
+            <a:lvl8pPr marL="3429000" indent="-228600" algn="l" defTabSz="914400" rtl="0" eaLnBrk="1" latinLnBrk="0" hangingPunct="1">
+              <a:lnSpc>
+                <a:spcPct val="90000"/>
+              </a:lnSpc>
+              <a:spcBef>
+                <a:spcPts val="500"/>
+              </a:spcBef>
+              <a:buFont typeface="Arial" panose="020B0604020202020204" pitchFamily="34" charset="0"/>
+              <a:buChar char="•"/>
+              <a:defRPr sz="1800" kern="1200">
+                <a:solidFill>
+                  <a:schemeClr val="tx1"/>
+                </a:solidFill>
+                <a:latin typeface="+mn-lt"/>
+                <a:ea typeface="+mn-ea"/>
+                <a:cs typeface="+mn-cs"/>
+              </a:defRPr>
+            </a:lvl8pPr>
+            <a:lvl9pPr marL="3886200" indent="-228600" algn="l" defTabSz="914400" rtl="0" eaLnBrk="1" latinLnBrk="0" hangingPunct="1">
+              <a:lnSpc>
+                <a:spcPct val="90000"/>
+              </a:lnSpc>
+              <a:spcBef>
+                <a:spcPts val="500"/>
+              </a:spcBef>
+              <a:buFont typeface="Arial" panose="020B0604020202020204" pitchFamily="34" charset="0"/>
+              <a:buChar char="•"/>
+              <a:defRPr sz="1800" kern="1200">
+                <a:solidFill>
+                  <a:schemeClr val="tx1"/>
+                </a:solidFill>
+                <a:latin typeface="+mn-lt"/>
+                <a:ea typeface="+mn-ea"/>
+                <a:cs typeface="+mn-cs"/>
+              </a:defRPr>
+            </a:lvl9pPr>
+          </a:lstStyle>
+          <a:p>
+            <a:pPr marL="457200" indent="-457200">
+              <a:buFont typeface="Arial" panose="020B0604020202020204" pitchFamily="34" charset="0"/>
+              <a:buAutoNum type="arabicPeriod"/>
+            </a:pPr>
+            <a:endParaRPr lang="pt-BR" sz="2400" dirty="0">
+              <a:solidFill>
+                <a:schemeClr val="accent1"/>
+              </a:solidFill>
+              <a:latin typeface="Arial" panose="020B0604020202020204" pitchFamily="34" charset="0"/>
+              <a:cs typeface="Arial" panose="020B0604020202020204" pitchFamily="34" charset="0"/>
+            </a:endParaRPr>
+          </a:p>
+          <a:p>
+            <a:pPr marL="457200" indent="-457200">
+              <a:buFont typeface="Arial" panose="020B0604020202020204" pitchFamily="34" charset="0"/>
+              <a:buAutoNum type="arabicPeriod"/>
+            </a:pPr>
+            <a:endParaRPr lang="pt-BR" sz="2400" dirty="0">
+              <a:solidFill>
+                <a:schemeClr val="accent1"/>
+              </a:solidFill>
+              <a:latin typeface="Arial" panose="020B0604020202020204" pitchFamily="34" charset="0"/>
+              <a:cs typeface="Arial" panose="020B0604020202020204" pitchFamily="34" charset="0"/>
+            </a:endParaRPr>
+          </a:p>
+          <a:p>
+            <a:pPr marL="457200" indent="-457200">
+              <a:buFont typeface="Arial" panose="020B0604020202020204" pitchFamily="34" charset="0"/>
+              <a:buAutoNum type="arabicPeriod"/>
+            </a:pPr>
+            <a:endParaRPr lang="pt-BR" sz="2400" dirty="0">
+              <a:solidFill>
+                <a:schemeClr val="accent1"/>
+              </a:solidFill>
+              <a:latin typeface="Arial" panose="020B0604020202020204" pitchFamily="34" charset="0"/>
+              <a:cs typeface="Arial" panose="020B0604020202020204" pitchFamily="34" charset="0"/>
+            </a:endParaRPr>
+          </a:p>
+          <a:p>
+            <a:pPr marL="457200" indent="-457200">
+              <a:buFont typeface="Arial" panose="020B0604020202020204" pitchFamily="34" charset="0"/>
+              <a:buAutoNum type="arabicPeriod"/>
+            </a:pPr>
+            <a:endParaRPr lang="pt-BR" sz="2400" dirty="0">
+              <a:solidFill>
+                <a:schemeClr val="accent1"/>
+              </a:solidFill>
+              <a:latin typeface="Arial" panose="020B0604020202020204" pitchFamily="34" charset="0"/>
+              <a:cs typeface="Arial" panose="020B0604020202020204" pitchFamily="34" charset="0"/>
+            </a:endParaRPr>
+          </a:p>
+          <a:p>
+            <a:pPr marL="457200" indent="-457200">
+              <a:buFont typeface="Arial" panose="020B0604020202020204" pitchFamily="34" charset="0"/>
+              <a:buAutoNum type="arabicPeriod"/>
+            </a:pPr>
+            <a:endParaRPr lang="pt-BR" sz="2400" dirty="0">
+              <a:solidFill>
+                <a:schemeClr val="accent1"/>
+              </a:solidFill>
+              <a:latin typeface="Arial" panose="020B0604020202020204" pitchFamily="34" charset="0"/>
+              <a:cs typeface="Arial" panose="020B0604020202020204" pitchFamily="34" charset="0"/>
+            </a:endParaRPr>
+          </a:p>
+          <a:p>
+            <a:pPr marL="457200" indent="-457200">
+              <a:buFont typeface="Arial" panose="020B0604020202020204" pitchFamily="34" charset="0"/>
+              <a:buAutoNum type="arabicPeriod"/>
+            </a:pPr>
+            <a:r>
+              <a:rPr lang="pt-BR" sz="2400" dirty="0">
+                <a:solidFill>
+                  <a:schemeClr val="accent1"/>
+                </a:solidFill>
+                <a:latin typeface="Arial" panose="020B0604020202020204" pitchFamily="34" charset="0"/>
+                <a:cs typeface="Arial" panose="020B0604020202020204" pitchFamily="34" charset="0"/>
+              </a:rPr>
+              <a:t>Porque todos os </a:t>
+            </a:r>
+            <a:r>
+              <a:rPr lang="pt-BR" sz="2400" dirty="0" err="1">
+                <a:solidFill>
+                  <a:schemeClr val="accent1"/>
+                </a:solidFill>
+                <a:latin typeface="Arial" panose="020B0604020202020204" pitchFamily="34" charset="0"/>
+                <a:cs typeface="Arial" panose="020B0604020202020204" pitchFamily="34" charset="0"/>
+              </a:rPr>
+              <a:t>embeddings</a:t>
+            </a:r>
+            <a:r>
+              <a:rPr lang="pt-BR" sz="2400" dirty="0">
+                <a:solidFill>
+                  <a:schemeClr val="accent1"/>
+                </a:solidFill>
+                <a:latin typeface="Arial" panose="020B0604020202020204" pitchFamily="34" charset="0"/>
+                <a:cs typeface="Arial" panose="020B0604020202020204" pitchFamily="34" charset="0"/>
+              </a:rPr>
+              <a:t> (token, </a:t>
+            </a:r>
+            <a:r>
+              <a:rPr lang="pt-BR" sz="2400" dirty="0" err="1">
+                <a:solidFill>
+                  <a:schemeClr val="accent1"/>
+                </a:solidFill>
+                <a:latin typeface="Arial" panose="020B0604020202020204" pitchFamily="34" charset="0"/>
+                <a:cs typeface="Arial" panose="020B0604020202020204" pitchFamily="34" charset="0"/>
+              </a:rPr>
+              <a:t>segment</a:t>
+            </a:r>
+            <a:r>
+              <a:rPr lang="pt-BR" sz="2400" dirty="0">
+                <a:solidFill>
+                  <a:schemeClr val="accent1"/>
+                </a:solidFill>
+                <a:latin typeface="Arial" panose="020B0604020202020204" pitchFamily="34" charset="0"/>
+                <a:cs typeface="Arial" panose="020B0604020202020204" pitchFamily="34" charset="0"/>
+              </a:rPr>
+              <a:t> e position) são somados? Como a rede sabe o que é o que?</a:t>
+            </a:r>
+          </a:p>
+          <a:p>
+            <a:pPr marL="457200" indent="-457200">
+              <a:buFont typeface="Arial" panose="020B0604020202020204" pitchFamily="34" charset="0"/>
+              <a:buAutoNum type="arabicPeriod"/>
+            </a:pPr>
+            <a:endParaRPr lang="pt-BR" sz="2400" dirty="0">
+              <a:solidFill>
+                <a:schemeClr val="accent1"/>
+              </a:solidFill>
+              <a:latin typeface="Arial" panose="020B0604020202020204" pitchFamily="34" charset="0"/>
+              <a:cs typeface="Arial" panose="020B0604020202020204" pitchFamily="34" charset="0"/>
+            </a:endParaRPr>
+          </a:p>
+          <a:p>
+            <a:pPr marL="457200" indent="-457200">
+              <a:buFont typeface="Arial" panose="020B0604020202020204" pitchFamily="34" charset="0"/>
+              <a:buAutoNum type="arabicPeriod"/>
+            </a:pPr>
+            <a:r>
+              <a:rPr lang="pt-BR" sz="2400" dirty="0">
+                <a:solidFill>
+                  <a:schemeClr val="accent1"/>
+                </a:solidFill>
+                <a:latin typeface="Arial" panose="020B0604020202020204" pitchFamily="34" charset="0"/>
+                <a:cs typeface="Arial" panose="020B0604020202020204" pitchFamily="34" charset="0"/>
+              </a:rPr>
+              <a:t>Porque os </a:t>
+            </a:r>
+            <a:r>
+              <a:rPr lang="pt-BR" sz="2400" dirty="0" err="1">
+                <a:solidFill>
+                  <a:schemeClr val="accent1"/>
+                </a:solidFill>
+                <a:latin typeface="Arial" panose="020B0604020202020204" pitchFamily="34" charset="0"/>
+                <a:cs typeface="Arial" panose="020B0604020202020204" pitchFamily="34" charset="0"/>
+              </a:rPr>
+              <a:t>segment</a:t>
+            </a:r>
+            <a:r>
+              <a:rPr lang="pt-BR" sz="2400" dirty="0">
+                <a:solidFill>
+                  <a:schemeClr val="accent1"/>
+                </a:solidFill>
+                <a:latin typeface="Arial" panose="020B0604020202020204" pitchFamily="34" charset="0"/>
+                <a:cs typeface="Arial" panose="020B0604020202020204" pitchFamily="34" charset="0"/>
+              </a:rPr>
+              <a:t> </a:t>
+            </a:r>
+            <a:r>
+              <a:rPr lang="pt-BR" sz="2400" dirty="0" err="1">
+                <a:solidFill>
+                  <a:schemeClr val="accent1"/>
+                </a:solidFill>
+                <a:latin typeface="Arial" panose="020B0604020202020204" pitchFamily="34" charset="0"/>
+                <a:cs typeface="Arial" panose="020B0604020202020204" pitchFamily="34" charset="0"/>
+              </a:rPr>
+              <a:t>embeddings</a:t>
+            </a:r>
+            <a:r>
+              <a:rPr lang="pt-BR" sz="2400" dirty="0">
+                <a:solidFill>
+                  <a:schemeClr val="accent1"/>
+                </a:solidFill>
+                <a:latin typeface="Arial" panose="020B0604020202020204" pitchFamily="34" charset="0"/>
+                <a:cs typeface="Arial" panose="020B0604020202020204" pitchFamily="34" charset="0"/>
+              </a:rPr>
+              <a:t> são necessários? O [SEP] já não é suficiente?</a:t>
+            </a:r>
+            <a:endParaRPr lang="pt-BR" sz="1600" dirty="0">
+              <a:solidFill>
+                <a:schemeClr val="accent1"/>
+              </a:solidFill>
+              <a:latin typeface="Arial" panose="020B0604020202020204" pitchFamily="34" charset="0"/>
+              <a:cs typeface="Arial" panose="020B0604020202020204" pitchFamily="34" charset="0"/>
+            </a:endParaRPr>
+          </a:p>
+          <a:p>
+            <a:pPr marL="0" indent="0">
+              <a:buNone/>
+            </a:pPr>
+            <a:r>
+              <a:rPr lang="pt-BR" sz="1600" dirty="0" err="1">
+                <a:solidFill>
+                  <a:schemeClr val="accent1"/>
+                </a:solidFill>
+                <a:latin typeface="Arial" panose="020B0604020202020204" pitchFamily="34" charset="0"/>
+                <a:cs typeface="Arial" panose="020B0604020202020204" pitchFamily="34" charset="0"/>
+              </a:rPr>
+              <a:t>Obs</a:t>
+            </a:r>
+            <a:r>
+              <a:rPr lang="pt-BR" sz="1600" dirty="0">
+                <a:solidFill>
+                  <a:schemeClr val="accent1"/>
+                </a:solidFill>
+                <a:latin typeface="Arial" panose="020B0604020202020204" pitchFamily="34" charset="0"/>
+                <a:cs typeface="Arial" panose="020B0604020202020204" pitchFamily="34" charset="0"/>
+              </a:rPr>
+              <a:t>: o artigo chegou a testar o efeito de não usar </a:t>
+            </a:r>
+            <a:r>
+              <a:rPr lang="pt-BR" sz="1600" dirty="0" err="1">
+                <a:solidFill>
+                  <a:schemeClr val="accent1"/>
+                </a:solidFill>
+                <a:latin typeface="Arial" panose="020B0604020202020204" pitchFamily="34" charset="0"/>
+                <a:cs typeface="Arial" panose="020B0604020202020204" pitchFamily="34" charset="0"/>
+              </a:rPr>
+              <a:t>segment</a:t>
+            </a:r>
+            <a:r>
+              <a:rPr lang="pt-BR" sz="1600" dirty="0">
+                <a:solidFill>
+                  <a:schemeClr val="accent1"/>
+                </a:solidFill>
+                <a:latin typeface="Arial" panose="020B0604020202020204" pitchFamily="34" charset="0"/>
+                <a:cs typeface="Arial" panose="020B0604020202020204" pitchFamily="34" charset="0"/>
+              </a:rPr>
+              <a:t> </a:t>
+            </a:r>
+            <a:r>
+              <a:rPr lang="pt-BR" sz="1600" dirty="0" err="1">
+                <a:solidFill>
+                  <a:schemeClr val="accent1"/>
+                </a:solidFill>
+                <a:latin typeface="Arial" panose="020B0604020202020204" pitchFamily="34" charset="0"/>
+                <a:cs typeface="Arial" panose="020B0604020202020204" pitchFamily="34" charset="0"/>
+              </a:rPr>
+              <a:t>embeddings</a:t>
+            </a:r>
+            <a:r>
+              <a:rPr lang="pt-BR" sz="1600" dirty="0">
+                <a:solidFill>
+                  <a:schemeClr val="accent1"/>
+                </a:solidFill>
+                <a:latin typeface="Arial" panose="020B0604020202020204" pitchFamily="34" charset="0"/>
+                <a:cs typeface="Arial" panose="020B0604020202020204" pitchFamily="34" charset="0"/>
+              </a:rPr>
+              <a:t>, mas e se tirasse o </a:t>
+            </a:r>
+            <a:r>
+              <a:rPr lang="pt-BR" sz="1600" dirty="0" err="1">
+                <a:solidFill>
+                  <a:schemeClr val="accent1"/>
+                </a:solidFill>
+                <a:latin typeface="Arial" panose="020B0604020202020204" pitchFamily="34" charset="0"/>
+                <a:cs typeface="Arial" panose="020B0604020202020204" pitchFamily="34" charset="0"/>
+              </a:rPr>
+              <a:t>segment</a:t>
+            </a:r>
+            <a:r>
+              <a:rPr lang="pt-BR" sz="1600" dirty="0">
+                <a:solidFill>
+                  <a:schemeClr val="accent1"/>
+                </a:solidFill>
+                <a:latin typeface="Arial" panose="020B0604020202020204" pitchFamily="34" charset="0"/>
+                <a:cs typeface="Arial" panose="020B0604020202020204" pitchFamily="34" charset="0"/>
+              </a:rPr>
+              <a:t> </a:t>
+            </a:r>
+            <a:r>
+              <a:rPr lang="pt-BR" sz="1600" dirty="0" err="1">
+                <a:solidFill>
+                  <a:schemeClr val="accent1"/>
+                </a:solidFill>
+                <a:latin typeface="Arial" panose="020B0604020202020204" pitchFamily="34" charset="0"/>
+                <a:cs typeface="Arial" panose="020B0604020202020204" pitchFamily="34" charset="0"/>
+              </a:rPr>
+              <a:t>embeddings</a:t>
+            </a:r>
+            <a:r>
+              <a:rPr lang="pt-BR" sz="1600" dirty="0">
+                <a:solidFill>
+                  <a:schemeClr val="accent1"/>
+                </a:solidFill>
+                <a:latin typeface="Arial" panose="020B0604020202020204" pitchFamily="34" charset="0"/>
+                <a:cs typeface="Arial" panose="020B0604020202020204" pitchFamily="34" charset="0"/>
+              </a:rPr>
+              <a:t> e o [SEP]?</a:t>
+            </a:r>
+          </a:p>
+          <a:p>
+            <a:pPr marL="0" indent="0">
+              <a:buNone/>
+            </a:pPr>
+            <a:endParaRPr lang="pt-BR" sz="2400" dirty="0">
+              <a:solidFill>
+                <a:schemeClr val="accent1"/>
+              </a:solidFill>
+              <a:latin typeface="Arial" panose="020B0604020202020204" pitchFamily="34" charset="0"/>
+              <a:cs typeface="Arial" panose="020B0604020202020204" pitchFamily="34" charset="0"/>
+            </a:endParaRPr>
+          </a:p>
+        </p:txBody>
+      </p:sp>
+      <p:pic>
+        <p:nvPicPr>
+          <p:cNvPr id="6" name="Imagem 5">
+            <a:extLst>
+              <a:ext uri="{FF2B5EF4-FFF2-40B4-BE49-F238E27FC236}">
+                <a16:creationId xmlns:a16="http://schemas.microsoft.com/office/drawing/2014/main" id="{1BC705C4-4C3E-C2A1-4893-E3515A929926}"/>
+              </a:ext>
+            </a:extLst>
+          </p:cNvPr>
+          <p:cNvPicPr>
+            <a:picLocks noChangeAspect="1"/>
+          </p:cNvPicPr>
+          <p:nvPr/>
+        </p:nvPicPr>
+        <p:blipFill>
+          <a:blip r:embed="rId3"/>
+          <a:stretch>
+            <a:fillRect/>
+          </a:stretch>
+        </p:blipFill>
+        <p:spPr>
+          <a:xfrm>
+            <a:off x="2970535" y="1474568"/>
+            <a:ext cx="6239746" cy="2029108"/>
+          </a:xfrm>
+          <a:prstGeom prst="rect">
+            <a:avLst/>
+          </a:prstGeom>
+        </p:spPr>
+      </p:pic>
+    </p:spTree>
+    <p:extLst>
+      <p:ext uri="{BB962C8B-B14F-4D97-AF65-F5344CB8AC3E}">
+        <p14:creationId xmlns:p14="http://schemas.microsoft.com/office/powerpoint/2010/main" val="2813232029"/>
+      </p:ext>
+    </p:extLst>
+  </p:cSld>
+  <p:clrMapOvr>
+    <a:masterClrMapping/>
+  </p:clrMapOvr>
+</p:sld>
+</file>
+
+<file path=ppt/slides/slide7.xml><?xml version="1.0" encoding="utf-8"?>
+<p:sld xmlns:a="http://schemas.openxmlformats.org/drawingml/2006/main" xmlns:r="http://schemas.openxmlformats.org/officeDocument/2006/relationships" xmlns:p="http://schemas.openxmlformats.org/presentationml/2006/main">
+  <p:cSld>
+    <p:spTree>
+      <p:nvGrpSpPr>
+        <p:cNvPr id="1" name=""/>
+        <p:cNvGrpSpPr/>
+        <p:nvPr/>
+      </p:nvGrpSpPr>
+      <p:grpSpPr>
+        <a:xfrm>
+          <a:off x="0" y="0"/>
+          <a:ext cx="0" cy="0"/>
+          <a:chOff x="0" y="0"/>
+          <a:chExt cx="0" cy="0"/>
+        </a:xfrm>
+      </p:grpSpPr>
+      <p:sp>
+        <p:nvSpPr>
+          <p:cNvPr id="2" name="Título 1">
+            <a:extLst>
+              <a:ext uri="{FF2B5EF4-FFF2-40B4-BE49-F238E27FC236}">
                 <a16:creationId xmlns:a16="http://schemas.microsoft.com/office/drawing/2014/main" id="{BCCAEE93-8585-46D4-A7EC-F184E317CB2E}"/>
               </a:ext>
             </a:extLst>
@@ -13656,7 +14234,7 @@
             <a:fld id="{B5CEABB6-07DC-46E8-9B57-56EC44A396E5}" type="slidenum">
               <a:rPr lang="pt-BR" smtClean="0"/>
               <a:pPr rtl="0"/>
-              <a:t>6</a:t>
+              <a:t>7</a:t>
             </a:fld>
             <a:endParaRPr lang="pt-BR"/>
           </a:p>
@@ -14467,15 +15045,6 @@
 </file>
 
 <file path=customXml/item1.xml><?xml version="1.0" encoding="utf-8"?>
-<?mso-contentType ?>
-<FormTemplates xmlns="http://schemas.microsoft.com/sharepoint/v3/contenttype/forms">
-  <Display>DocumentLibraryForm</Display>
-  <Edit>DocumentLibraryForm</Edit>
-  <New>DocumentLibraryForm</New>
-</FormTemplates>
-</file>
-
-<file path=customXml/item2.xml><?xml version="1.0" encoding="utf-8"?>
 <ct:contentTypeSchema xmlns:ct="http://schemas.microsoft.com/office/2006/metadata/contentType" xmlns:ma="http://schemas.microsoft.com/office/2006/metadata/properties/metaAttributes" ct:_="" ma:_="" ma:contentTypeName="Document" ma:contentTypeID="0x01010079F111ED35F8CC479449609E8A0923A6" ma:contentTypeVersion="21" ma:contentTypeDescription="Create a new document." ma:contentTypeScope="" ma:versionID="64dfb1555687e0874b4304b796b5b0c7">
   <xsd:schema xmlns:xsd="http://www.w3.org/2001/XMLSchema" xmlns:xs="http://www.w3.org/2001/XMLSchema" xmlns:p="http://schemas.microsoft.com/office/2006/metadata/properties" xmlns:ns1="http://schemas.microsoft.com/sharepoint/v3" xmlns:ns2="71af3243-3dd4-4a8d-8c0d-dd76da1f02a5" xmlns:ns3="16c05727-aa75-4e4a-9b5f-8a80a1165891" xmlns:ns4="230e9df3-be65-4c73-a93b-d1236ebd677e" targetNamespace="http://schemas.microsoft.com/office/2006/metadata/properties" ma:root="true" ma:fieldsID="e6e4c555b5e194d05b7203de9c4567b3" ns1:_="" ns2:_="" ns3:_="" ns4:_="">
     <xsd:import namespace="http://schemas.microsoft.com/sharepoint/v3"/>
@@ -14757,6 +15326,15 @@
 </ct:contentTypeSchema>
 </file>
 
+<file path=customXml/item2.xml><?xml version="1.0" encoding="utf-8"?>
+<?mso-contentType ?>
+<FormTemplates xmlns="http://schemas.microsoft.com/sharepoint/v3/contenttype/forms">
+  <Display>DocumentLibraryForm</Display>
+  <Edit>DocumentLibraryForm</Edit>
+  <New>DocumentLibraryForm</New>
+</FormTemplates>
+</file>
+
 <file path=customXml/item3.xml><?xml version="1.0" encoding="utf-8"?>
 <p:properties xmlns:p="http://schemas.microsoft.com/office/2006/metadata/properties" xmlns:xsi="http://www.w3.org/2001/XMLSchema-instance" xmlns:pc="http://schemas.microsoft.com/office/infopath/2007/PartnerControls">
   <documentManagement>
@@ -14777,14 +15355,6 @@
 </file>
 
 <file path=customXml/itemProps1.xml><?xml version="1.0" encoding="utf-8"?>
-<ds:datastoreItem xmlns:ds="http://schemas.openxmlformats.org/officeDocument/2006/customXml" ds:itemID="{E618C13B-9D83-4AF4-B64D-33362D5133F8}">
-  <ds:schemaRefs>
-    <ds:schemaRef ds:uri="http://schemas.microsoft.com/sharepoint/v3/contenttype/forms"/>
-  </ds:schemaRefs>
-</ds:datastoreItem>
-</file>
-
-<file path=customXml/itemProps2.xml><?xml version="1.0" encoding="utf-8"?>
 <ds:datastoreItem xmlns:ds="http://schemas.openxmlformats.org/officeDocument/2006/customXml" ds:itemID="{67ACD96E-49A0-4DA4-A7BB-AC2D8874213F}">
   <ds:schemaRefs>
     <ds:schemaRef ds:uri="http://schemas.microsoft.com/office/2006/metadata/contentType"/>
@@ -14801,6 +15371,14 @@
     <ds:schemaRef ds:uri="http://purl.org/dc/elements/1.1/"/>
     <ds:schemaRef ds:uri="http://purl.org/dc/terms/"/>
     <ds:schemaRef ds:uri="http://schemas.microsoft.com/internal/obd"/>
+  </ds:schemaRefs>
+</ds:datastoreItem>
+</file>
+
+<file path=customXml/itemProps2.xml><?xml version="1.0" encoding="utf-8"?>
+<ds:datastoreItem xmlns:ds="http://schemas.openxmlformats.org/officeDocument/2006/customXml" ds:itemID="{E618C13B-9D83-4AF4-B64D-33362D5133F8}">
+  <ds:schemaRefs>
+    <ds:schemaRef ds:uri="http://schemas.microsoft.com/sharepoint/v3/contenttype/forms"/>
   </ds:schemaRefs>
 </ds:datastoreItem>
 </file>
